--- a/Slides_Aulas/9 - Collections Java/LIST.pptx
+++ b/Slides_Aulas/9 - Collections Java/LIST.pptx
@@ -1,41 +1,48 @@
 
 <file path=ppt/presentation.xml><?xml version="1.0" encoding="utf-8"?>
-<p:presentation xmlns:a="http://schemas.openxmlformats.org/drawingml/2006/main" xmlns:r="http://schemas.openxmlformats.org/officeDocument/2006/relationships" xmlns:mc="http://schemas.openxmlformats.org/markup-compatibility/2006" xmlns:mv="urn:schemas-microsoft-com:mac:vml" xmlns:p="http://schemas.openxmlformats.org/presentationml/2006/main" xmlns:c="http://schemas.openxmlformats.org/drawingml/2006/chart" xmlns:dgm="http://schemas.openxmlformats.org/drawingml/2006/diagram" xmlns:o="urn:schemas-microsoft-com:office:office" xmlns:v="urn:schemas-microsoft-com:vml" xmlns:pvml="urn:schemas-microsoft-com:office:powerpoint" xmlns:com="http://schemas.openxmlformats.org/drawingml/2006/compatibility" xmlns:p14="http://schemas.microsoft.com/office/powerpoint/2010/main" xmlns:p15="http://schemas.microsoft.com/office/powerpoint/2012/main" xmlns:ahyp="http://schemas.microsoft.com/office/drawing/2018/hyperlinkcolor" autoCompressPictures="0" embedTrueTypeFonts="1" strictFirstAndLastChars="0" saveSubsetFonts="1">
+<p:presentation xmlns:a="http://schemas.openxmlformats.org/drawingml/2006/main" xmlns:r="http://schemas.openxmlformats.org/officeDocument/2006/relationships" xmlns:p="http://schemas.openxmlformats.org/presentationml/2006/main" strictFirstAndLastChars="0" embedTrueTypeFonts="1" saveSubsetFonts="1" autoCompressPictures="0">
   <p:sldMasterIdLst>
-    <p:sldMasterId id="2147483648" r:id="rId4"/>
+    <p:sldMasterId id="2147483648" r:id="rId1"/>
   </p:sldMasterIdLst>
   <p:notesMasterIdLst>
-    <p:notesMasterId r:id="rId5"/>
+    <p:notesMasterId r:id="rId9"/>
   </p:notesMasterIdLst>
   <p:sldIdLst>
-    <p:sldId id="256" r:id="rId6"/>
-    <p:sldId id="257" r:id="rId7"/>
-    <p:sldId id="258" r:id="rId8"/>
-    <p:sldId id="259" r:id="rId9"/>
-    <p:sldId id="260" r:id="rId10"/>
-    <p:sldId id="261" r:id="rId11"/>
-    <p:sldId id="262" r:id="rId12"/>
+    <p:sldId id="256" r:id="rId2"/>
+    <p:sldId id="257" r:id="rId3"/>
+    <p:sldId id="258" r:id="rId4"/>
+    <p:sldId id="259" r:id="rId5"/>
+    <p:sldId id="260" r:id="rId6"/>
+    <p:sldId id="261" r:id="rId7"/>
+    <p:sldId id="262" r:id="rId8"/>
   </p:sldIdLst>
-  <p:sldSz cy="5143500" cx="9144000"/>
+  <p:sldSz cx="9144000" cy="5143500" type="screen16x9"/>
   <p:notesSz cx="6858000" cy="9144000"/>
   <p:embeddedFontLst>
     <p:embeddedFont>
-      <p:font typeface="Proxima Nova"/>
-      <p:regular r:id="rId13"/>
-      <p:bold r:id="rId14"/>
-      <p:italic r:id="rId15"/>
-      <p:boldItalic r:id="rId16"/>
+      <p:font typeface="Calibri" panose="020F0502020204030204" pitchFamily="34" charset="0"/>
+      <p:regular r:id="rId10"/>
+      <p:bold r:id="rId11"/>
+      <p:italic r:id="rId12"/>
+      <p:boldItalic r:id="rId13"/>
     </p:embeddedFont>
     <p:embeddedFont>
-      <p:font typeface="Century Gothic"/>
-      <p:regular r:id="rId17"/>
-      <p:bold r:id="rId18"/>
-      <p:italic r:id="rId19"/>
-      <p:boldItalic r:id="rId20"/>
+      <p:font typeface="Century Gothic" panose="020B0502020202020204" pitchFamily="34" charset="0"/>
+      <p:regular r:id="rId14"/>
+      <p:bold r:id="rId15"/>
+      <p:italic r:id="rId16"/>
+      <p:boldItalic r:id="rId17"/>
+    </p:embeddedFont>
+    <p:embeddedFont>
+      <p:font typeface="Proxima Nova" panose="020B0604020202020204" charset="0"/>
+      <p:regular r:id="rId18"/>
+      <p:bold r:id="rId19"/>
+      <p:italic r:id="rId20"/>
+      <p:boldItalic r:id="rId21"/>
     </p:embeddedFont>
   </p:embeddedFontLst>
   <p:defaultTextStyle>
-    <a:defPPr lvl="0" marR="0" rtl="0" algn="l">
+    <a:defPPr marR="0" lvl="0" algn="l" rtl="0">
       <a:lnSpc>
         <a:spcPct val="100000"/>
       </a:lnSpc>
@@ -46,7 +53,7 @@
         <a:spcPts val="0"/>
       </a:spcAft>
     </a:defPPr>
-    <a:lvl1pPr lvl="0" marR="0" rtl="0" algn="l">
+    <a:lvl1pPr marR="0" lvl="0" algn="l" rtl="0">
       <a:lnSpc>
         <a:spcPct val="100000"/>
       </a:lnSpc>
@@ -60,7 +67,7 @@
         <a:srgbClr val="000000"/>
       </a:buClr>
       <a:buFont typeface="Arial"/>
-      <a:defRPr b="0" i="0" sz="1400" u="none" cap="none" strike="noStrike">
+      <a:defRPr sz="1400" b="0" i="0" u="none" strike="noStrike" cap="none">
         <a:solidFill>
           <a:srgbClr val="000000"/>
         </a:solidFill>
@@ -70,7 +77,7 @@
         <a:sym typeface="Arial"/>
       </a:defRPr>
     </a:lvl1pPr>
-    <a:lvl2pPr lvl="1" marR="0" rtl="0" algn="l">
+    <a:lvl2pPr marR="0" lvl="1" algn="l" rtl="0">
       <a:lnSpc>
         <a:spcPct val="100000"/>
       </a:lnSpc>
@@ -84,7 +91,7 @@
         <a:srgbClr val="000000"/>
       </a:buClr>
       <a:buFont typeface="Arial"/>
-      <a:defRPr b="0" i="0" sz="1400" u="none" cap="none" strike="noStrike">
+      <a:defRPr sz="1400" b="0" i="0" u="none" strike="noStrike" cap="none">
         <a:solidFill>
           <a:srgbClr val="000000"/>
         </a:solidFill>
@@ -94,7 +101,7 @@
         <a:sym typeface="Arial"/>
       </a:defRPr>
     </a:lvl2pPr>
-    <a:lvl3pPr lvl="2" marR="0" rtl="0" algn="l">
+    <a:lvl3pPr marR="0" lvl="2" algn="l" rtl="0">
       <a:lnSpc>
         <a:spcPct val="100000"/>
       </a:lnSpc>
@@ -108,7 +115,7 @@
         <a:srgbClr val="000000"/>
       </a:buClr>
       <a:buFont typeface="Arial"/>
-      <a:defRPr b="0" i="0" sz="1400" u="none" cap="none" strike="noStrike">
+      <a:defRPr sz="1400" b="0" i="0" u="none" strike="noStrike" cap="none">
         <a:solidFill>
           <a:srgbClr val="000000"/>
         </a:solidFill>
@@ -118,7 +125,7 @@
         <a:sym typeface="Arial"/>
       </a:defRPr>
     </a:lvl3pPr>
-    <a:lvl4pPr lvl="3" marR="0" rtl="0" algn="l">
+    <a:lvl4pPr marR="0" lvl="3" algn="l" rtl="0">
       <a:lnSpc>
         <a:spcPct val="100000"/>
       </a:lnSpc>
@@ -132,7 +139,7 @@
         <a:srgbClr val="000000"/>
       </a:buClr>
       <a:buFont typeface="Arial"/>
-      <a:defRPr b="0" i="0" sz="1400" u="none" cap="none" strike="noStrike">
+      <a:defRPr sz="1400" b="0" i="0" u="none" strike="noStrike" cap="none">
         <a:solidFill>
           <a:srgbClr val="000000"/>
         </a:solidFill>
@@ -142,7 +149,7 @@
         <a:sym typeface="Arial"/>
       </a:defRPr>
     </a:lvl4pPr>
-    <a:lvl5pPr lvl="4" marR="0" rtl="0" algn="l">
+    <a:lvl5pPr marR="0" lvl="4" algn="l" rtl="0">
       <a:lnSpc>
         <a:spcPct val="100000"/>
       </a:lnSpc>
@@ -156,7 +163,7 @@
         <a:srgbClr val="000000"/>
       </a:buClr>
       <a:buFont typeface="Arial"/>
-      <a:defRPr b="0" i="0" sz="1400" u="none" cap="none" strike="noStrike">
+      <a:defRPr sz="1400" b="0" i="0" u="none" strike="noStrike" cap="none">
         <a:solidFill>
           <a:srgbClr val="000000"/>
         </a:solidFill>
@@ -166,7 +173,7 @@
         <a:sym typeface="Arial"/>
       </a:defRPr>
     </a:lvl5pPr>
-    <a:lvl6pPr lvl="5" marR="0" rtl="0" algn="l">
+    <a:lvl6pPr marR="0" lvl="5" algn="l" rtl="0">
       <a:lnSpc>
         <a:spcPct val="100000"/>
       </a:lnSpc>
@@ -180,7 +187,7 @@
         <a:srgbClr val="000000"/>
       </a:buClr>
       <a:buFont typeface="Arial"/>
-      <a:defRPr b="0" i="0" sz="1400" u="none" cap="none" strike="noStrike">
+      <a:defRPr sz="1400" b="0" i="0" u="none" strike="noStrike" cap="none">
         <a:solidFill>
           <a:srgbClr val="000000"/>
         </a:solidFill>
@@ -190,7 +197,7 @@
         <a:sym typeface="Arial"/>
       </a:defRPr>
     </a:lvl6pPr>
-    <a:lvl7pPr lvl="6" marR="0" rtl="0" algn="l">
+    <a:lvl7pPr marR="0" lvl="6" algn="l" rtl="0">
       <a:lnSpc>
         <a:spcPct val="100000"/>
       </a:lnSpc>
@@ -204,7 +211,7 @@
         <a:srgbClr val="000000"/>
       </a:buClr>
       <a:buFont typeface="Arial"/>
-      <a:defRPr b="0" i="0" sz="1400" u="none" cap="none" strike="noStrike">
+      <a:defRPr sz="1400" b="0" i="0" u="none" strike="noStrike" cap="none">
         <a:solidFill>
           <a:srgbClr val="000000"/>
         </a:solidFill>
@@ -214,7 +221,7 @@
         <a:sym typeface="Arial"/>
       </a:defRPr>
     </a:lvl7pPr>
-    <a:lvl8pPr lvl="7" marR="0" rtl="0" algn="l">
+    <a:lvl8pPr marR="0" lvl="7" algn="l" rtl="0">
       <a:lnSpc>
         <a:spcPct val="100000"/>
       </a:lnSpc>
@@ -228,7 +235,7 @@
         <a:srgbClr val="000000"/>
       </a:buClr>
       <a:buFont typeface="Arial"/>
-      <a:defRPr b="0" i="0" sz="1400" u="none" cap="none" strike="noStrike">
+      <a:defRPr sz="1400" b="0" i="0" u="none" strike="noStrike" cap="none">
         <a:solidFill>
           <a:srgbClr val="000000"/>
         </a:solidFill>
@@ -238,7 +245,7 @@
         <a:sym typeface="Arial"/>
       </a:defRPr>
     </a:lvl8pPr>
-    <a:lvl9pPr lvl="8" marR="0" rtl="0" algn="l">
+    <a:lvl9pPr marR="0" lvl="8" algn="l" rtl="0">
       <a:lnSpc>
         <a:spcPct val="100000"/>
       </a:lnSpc>
@@ -252,7 +259,7 @@
         <a:srgbClr val="000000"/>
       </a:buClr>
       <a:buFont typeface="Arial"/>
-      <a:defRPr b="0" i="0" sz="1400" u="none" cap="none" strike="noStrike">
+      <a:defRPr sz="1400" b="0" i="0" u="none" strike="noStrike" cap="none">
         <a:solidFill>
           <a:srgbClr val="000000"/>
         </a:solidFill>
@@ -265,7 +272,7 @@
   </p:defaultTextStyle>
   <p:extLst>
     <p:ext uri="{EFAFB233-063F-42B5-8137-9DF3F51BA10A}">
-      <p15:sldGuideLst>
+      <p15:sldGuideLst xmlns:p15="http://schemas.microsoft.com/office/powerpoint/2012/main">
         <p15:guide id="1" orient="horz" pos="1620">
           <p15:clr>
             <a:srgbClr val="000000"/>
@@ -279,25 +286,26 @@
       </p15:sldGuideLst>
     </p:ext>
     <p:ext uri="http://customooxmlschemas.google.com/">
-      <go:slidesCustomData xmlns:go="http://customooxmlschemas.google.com/" r:id="rId21" roundtripDataSignature="AMtx7mg/Yt8lIV3xuAPmjSm6NkMMwjk3Bg=="/>
+      <go:slidesCustomData xmlns:go="http://customooxmlschemas.google.com/" xmlns:ahyp="http://schemas.microsoft.com/office/drawing/2018/hyperlinkcolor" xmlns:p15="http://schemas.microsoft.com/office/powerpoint/2012/main" xmlns:p14="http://schemas.microsoft.com/office/powerpoint/2010/main" xmlns:com="http://schemas.openxmlformats.org/drawingml/2006/compatibility" xmlns:pvml="urn:schemas-microsoft-com:office:powerpoint" xmlns:v="urn:schemas-microsoft-com:vml" xmlns:o="urn:schemas-microsoft-com:office:office" xmlns:dgm="http://schemas.openxmlformats.org/drawingml/2006/diagram" xmlns:c="http://schemas.openxmlformats.org/drawingml/2006/chart" xmlns:mv="urn:schemas-microsoft-com:mac:vml" xmlns:mc="http://schemas.openxmlformats.org/markup-compatibility/2006" xmlns="" r:id="rId22" roundtripDataSignature="AMtx7mg/Yt8lIV3xuAPmjSm6NkMMwjk3Bg=="/>
     </p:ext>
   </p:extLst>
 </p:presentation>
 </file>
 
 <file path=ppt/notesMasters/notesMaster1.xml><?xml version="1.0" encoding="utf-8"?>
-<p:notesMaster xmlns:a="http://schemas.openxmlformats.org/drawingml/2006/main" xmlns:r="http://schemas.openxmlformats.org/officeDocument/2006/relationships" xmlns:mc="http://schemas.openxmlformats.org/markup-compatibility/2006" xmlns:mv="urn:schemas-microsoft-com:mac:vml" xmlns:p="http://schemas.openxmlformats.org/presentationml/2006/main" xmlns:c="http://schemas.openxmlformats.org/drawingml/2006/chart" xmlns:dgm="http://schemas.openxmlformats.org/drawingml/2006/diagram" xmlns:o="urn:schemas-microsoft-com:office:office" xmlns:v="urn:schemas-microsoft-com:vml" xmlns:pvml="urn:schemas-microsoft-com:office:powerpoint" xmlns:com="http://schemas.openxmlformats.org/drawingml/2006/compatibility" xmlns:p14="http://schemas.microsoft.com/office/powerpoint/2010/main" xmlns:p15="http://schemas.microsoft.com/office/powerpoint/2012/main" xmlns:ahyp="http://schemas.microsoft.com/office/drawing/2018/hyperlinkcolor">
+<p:notesMaster xmlns:a="http://schemas.openxmlformats.org/drawingml/2006/main" xmlns:r="http://schemas.openxmlformats.org/officeDocument/2006/relationships" xmlns:p="http://schemas.openxmlformats.org/presentationml/2006/main">
   <p:cSld>
     <p:bg>
       <p:bgPr>
         <a:solidFill>
           <a:schemeClr val="lt1"/>
         </a:solidFill>
+        <a:effectLst/>
       </p:bgPr>
     </p:bg>
     <p:spTree>
       <p:nvGrpSpPr>
-        <p:cNvPr id="2" name="Shape 2"/>
+        <p:cNvPr id="1" name="Shape 2"/>
         <p:cNvGrpSpPr/>
         <p:nvPr/>
       </p:nvGrpSpPr>
@@ -312,9 +320,11 @@
       <p:sp>
         <p:nvSpPr>
           <p:cNvPr id="3" name="Google Shape;3;n"/>
-          <p:cNvSpPr/>
+          <p:cNvSpPr>
+            <a:spLocks noGrp="1" noRot="1" noChangeAspect="1"/>
+          </p:cNvSpPr>
           <p:nvPr>
-            <p:ph idx="2" type="sldImg"/>
+            <p:ph type="sldImg" idx="2"/>
           </p:nvPr>
         </p:nvSpPr>
         <p:spPr>
@@ -323,9 +333,13 @@
             <a:ext cx="6096075" cy="3429000"/>
           </a:xfrm>
           <a:custGeom>
-            <a:rect b="b" l="l" r="r" t="t"/>
+            <a:avLst/>
+            <a:gdLst/>
+            <a:ahLst/>
+            <a:cxnLst/>
+            <a:rect l="l" t="t" r="r" b="b"/>
             <a:pathLst>
-              <a:path extrusionOk="0" h="120000" w="120000">
+              <a:path w="120000" h="120000" extrusionOk="0">
                 <a:moveTo>
                   <a:pt x="0" y="0"/>
                 </a:moveTo>
@@ -343,23 +357,25 @@
             </a:pathLst>
           </a:custGeom>
           <a:noFill/>
-          <a:ln cap="flat" cmpd="sng" w="9525">
+          <a:ln w="9525" cap="flat" cmpd="sng">
             <a:solidFill>
               <a:srgbClr val="000000"/>
             </a:solidFill>
             <a:prstDash val="solid"/>
             <a:round/>
-            <a:headEnd len="sm" w="sm" type="none"/>
-            <a:tailEnd len="sm" w="sm" type="none"/>
+            <a:headEnd type="none" w="sm" len="sm"/>
+            <a:tailEnd type="none" w="sm" len="sm"/>
           </a:ln>
         </p:spPr>
       </p:sp>
       <p:sp>
         <p:nvSpPr>
           <p:cNvPr id="4" name="Google Shape;4;n"/>
-          <p:cNvSpPr txBox="1"/>
+          <p:cNvSpPr txBox="1">
+            <a:spLocks noGrp="1"/>
+          </p:cNvSpPr>
           <p:nvPr>
-            <p:ph idx="1" type="body"/>
+            <p:ph type="body" idx="1"/>
           </p:nvPr>
         </p:nvSpPr>
         <p:spPr>
@@ -376,11 +392,11 @@
           </a:ln>
         </p:spPr>
         <p:txBody>
-          <a:bodyPr anchorCtr="0" anchor="t" bIns="91425" lIns="91425" spcFirstLastPara="1" rIns="91425" wrap="square" tIns="91425">
+          <a:bodyPr spcFirstLastPara="1" wrap="square" lIns="91425" tIns="91425" rIns="91425" bIns="91425" anchor="t" anchorCtr="0">
             <a:noAutofit/>
           </a:bodyPr>
           <a:lstStyle>
-            <a:lvl1pPr indent="-298450" lvl="0" marL="457200" marR="0" rtl="0" algn="l">
+            <a:lvl1pPr marL="457200" marR="0" lvl="0" indent="-298450" algn="l" rtl="0">
               <a:lnSpc>
                 <a:spcPct val="100000"/>
               </a:lnSpc>
@@ -396,7 +412,7 @@
               <a:buSzPts val="1100"/>
               <a:buFont typeface="Arial"/>
               <a:buChar char="●"/>
-              <a:defRPr b="0" i="0" sz="1100" u="none" cap="none" strike="noStrike">
+              <a:defRPr sz="1100" b="0" i="0" u="none" strike="noStrike" cap="none">
                 <a:solidFill>
                   <a:srgbClr val="000000"/>
                 </a:solidFill>
@@ -406,7 +422,7 @@
                 <a:sym typeface="Arial"/>
               </a:defRPr>
             </a:lvl1pPr>
-            <a:lvl2pPr indent="-298450" lvl="1" marL="914400" marR="0" rtl="0" algn="l">
+            <a:lvl2pPr marL="914400" marR="0" lvl="1" indent="-298450" algn="l" rtl="0">
               <a:lnSpc>
                 <a:spcPct val="100000"/>
               </a:lnSpc>
@@ -422,7 +438,7 @@
               <a:buSzPts val="1100"/>
               <a:buFont typeface="Arial"/>
               <a:buChar char="○"/>
-              <a:defRPr b="0" i="0" sz="1100" u="none" cap="none" strike="noStrike">
+              <a:defRPr sz="1100" b="0" i="0" u="none" strike="noStrike" cap="none">
                 <a:solidFill>
                   <a:srgbClr val="000000"/>
                 </a:solidFill>
@@ -432,7 +448,7 @@
                 <a:sym typeface="Arial"/>
               </a:defRPr>
             </a:lvl2pPr>
-            <a:lvl3pPr indent="-298450" lvl="2" marL="1371600" marR="0" rtl="0" algn="l">
+            <a:lvl3pPr marL="1371600" marR="0" lvl="2" indent="-298450" algn="l" rtl="0">
               <a:lnSpc>
                 <a:spcPct val="100000"/>
               </a:lnSpc>
@@ -448,7 +464,7 @@
               <a:buSzPts val="1100"/>
               <a:buFont typeface="Arial"/>
               <a:buChar char="■"/>
-              <a:defRPr b="0" i="0" sz="1100" u="none" cap="none" strike="noStrike">
+              <a:defRPr sz="1100" b="0" i="0" u="none" strike="noStrike" cap="none">
                 <a:solidFill>
                   <a:srgbClr val="000000"/>
                 </a:solidFill>
@@ -458,7 +474,7 @@
                 <a:sym typeface="Arial"/>
               </a:defRPr>
             </a:lvl3pPr>
-            <a:lvl4pPr indent="-298450" lvl="3" marL="1828800" marR="0" rtl="0" algn="l">
+            <a:lvl4pPr marL="1828800" marR="0" lvl="3" indent="-298450" algn="l" rtl="0">
               <a:lnSpc>
                 <a:spcPct val="100000"/>
               </a:lnSpc>
@@ -474,7 +490,7 @@
               <a:buSzPts val="1100"/>
               <a:buFont typeface="Arial"/>
               <a:buChar char="●"/>
-              <a:defRPr b="0" i="0" sz="1100" u="none" cap="none" strike="noStrike">
+              <a:defRPr sz="1100" b="0" i="0" u="none" strike="noStrike" cap="none">
                 <a:solidFill>
                   <a:srgbClr val="000000"/>
                 </a:solidFill>
@@ -484,7 +500,7 @@
                 <a:sym typeface="Arial"/>
               </a:defRPr>
             </a:lvl4pPr>
-            <a:lvl5pPr indent="-298450" lvl="4" marL="2286000" marR="0" rtl="0" algn="l">
+            <a:lvl5pPr marL="2286000" marR="0" lvl="4" indent="-298450" algn="l" rtl="0">
               <a:lnSpc>
                 <a:spcPct val="100000"/>
               </a:lnSpc>
@@ -500,7 +516,7 @@
               <a:buSzPts val="1100"/>
               <a:buFont typeface="Arial"/>
               <a:buChar char="○"/>
-              <a:defRPr b="0" i="0" sz="1100" u="none" cap="none" strike="noStrike">
+              <a:defRPr sz="1100" b="0" i="0" u="none" strike="noStrike" cap="none">
                 <a:solidFill>
                   <a:srgbClr val="000000"/>
                 </a:solidFill>
@@ -510,7 +526,7 @@
                 <a:sym typeface="Arial"/>
               </a:defRPr>
             </a:lvl5pPr>
-            <a:lvl6pPr indent="-298450" lvl="5" marL="2743200" marR="0" rtl="0" algn="l">
+            <a:lvl6pPr marL="2743200" marR="0" lvl="5" indent="-298450" algn="l" rtl="0">
               <a:lnSpc>
                 <a:spcPct val="100000"/>
               </a:lnSpc>
@@ -526,7 +542,7 @@
               <a:buSzPts val="1100"/>
               <a:buFont typeface="Arial"/>
               <a:buChar char="■"/>
-              <a:defRPr b="0" i="0" sz="1100" u="none" cap="none" strike="noStrike">
+              <a:defRPr sz="1100" b="0" i="0" u="none" strike="noStrike" cap="none">
                 <a:solidFill>
                   <a:srgbClr val="000000"/>
                 </a:solidFill>
@@ -536,7 +552,7 @@
                 <a:sym typeface="Arial"/>
               </a:defRPr>
             </a:lvl6pPr>
-            <a:lvl7pPr indent="-298450" lvl="6" marL="3200400" marR="0" rtl="0" algn="l">
+            <a:lvl7pPr marL="3200400" marR="0" lvl="6" indent="-298450" algn="l" rtl="0">
               <a:lnSpc>
                 <a:spcPct val="100000"/>
               </a:lnSpc>
@@ -552,7 +568,7 @@
               <a:buSzPts val="1100"/>
               <a:buFont typeface="Arial"/>
               <a:buChar char="●"/>
-              <a:defRPr b="0" i="0" sz="1100" u="none" cap="none" strike="noStrike">
+              <a:defRPr sz="1100" b="0" i="0" u="none" strike="noStrike" cap="none">
                 <a:solidFill>
                   <a:srgbClr val="000000"/>
                 </a:solidFill>
@@ -562,7 +578,7 @@
                 <a:sym typeface="Arial"/>
               </a:defRPr>
             </a:lvl7pPr>
-            <a:lvl8pPr indent="-298450" lvl="7" marL="3657600" marR="0" rtl="0" algn="l">
+            <a:lvl8pPr marL="3657600" marR="0" lvl="7" indent="-298450" algn="l" rtl="0">
               <a:lnSpc>
                 <a:spcPct val="100000"/>
               </a:lnSpc>
@@ -578,7 +594,7 @@
               <a:buSzPts val="1100"/>
               <a:buFont typeface="Arial"/>
               <a:buChar char="○"/>
-              <a:defRPr b="0" i="0" sz="1100" u="none" cap="none" strike="noStrike">
+              <a:defRPr sz="1100" b="0" i="0" u="none" strike="noStrike" cap="none">
                 <a:solidFill>
                   <a:srgbClr val="000000"/>
                 </a:solidFill>
@@ -588,7 +604,7 @@
                 <a:sym typeface="Arial"/>
               </a:defRPr>
             </a:lvl8pPr>
-            <a:lvl9pPr indent="-298450" lvl="8" marL="4114800" marR="0" rtl="0" algn="l">
+            <a:lvl9pPr marL="4114800" marR="0" lvl="8" indent="-298450" algn="l" rtl="0">
               <a:lnSpc>
                 <a:spcPct val="100000"/>
               </a:lnSpc>
@@ -604,7 +620,7 @@
               <a:buSzPts val="1100"/>
               <a:buFont typeface="Arial"/>
               <a:buChar char="■"/>
-              <a:defRPr b="0" i="0" sz="1100" u="none" cap="none" strike="noStrike">
+              <a:defRPr sz="1100" b="0" i="0" u="none" strike="noStrike" cap="none">
                 <a:solidFill>
                   <a:srgbClr val="000000"/>
                 </a:solidFill>
@@ -615,14 +631,16 @@
               </a:defRPr>
             </a:lvl9pPr>
           </a:lstStyle>
-          <a:p/>
+          <a:p>
+            <a:endParaRPr/>
+          </a:p>
         </p:txBody>
       </p:sp>
     </p:spTree>
   </p:cSld>
-  <p:clrMap accent1="accent1" accent2="accent2" accent3="accent3" accent4="accent4" accent5="accent5" accent6="accent6" bg1="lt1" bg2="dk2" tx1="dk1" tx2="lt2" folHlink="folHlink" hlink="hlink"/>
+  <p:clrMap bg1="lt1" tx1="dk1" bg2="dk2" tx2="lt2" accent1="accent1" accent2="accent2" accent3="accent3" accent4="accent4" accent5="accent5" accent6="accent6" hlink="hlink" folHlink="folHlink"/>
   <p:notesStyle>
-    <a:defPPr lvl="0" marR="0" rtl="0" algn="l">
+    <a:defPPr marR="0" lvl="0" algn="l" rtl="0">
       <a:lnSpc>
         <a:spcPct val="100000"/>
       </a:lnSpc>
@@ -633,7 +651,7 @@
         <a:spcPts val="0"/>
       </a:spcAft>
     </a:defPPr>
-    <a:lvl1pPr lvl="0" marR="0" rtl="0" algn="l">
+    <a:lvl1pPr marR="0" lvl="0" algn="l" rtl="0">
       <a:lnSpc>
         <a:spcPct val="100000"/>
       </a:lnSpc>
@@ -647,7 +665,7 @@
         <a:srgbClr val="000000"/>
       </a:buClr>
       <a:buFont typeface="Arial"/>
-      <a:defRPr b="0" i="0" sz="1400" u="none" cap="none" strike="noStrike">
+      <a:defRPr sz="1400" b="0" i="0" u="none" strike="noStrike" cap="none">
         <a:solidFill>
           <a:srgbClr val="000000"/>
         </a:solidFill>
@@ -657,7 +675,7 @@
         <a:sym typeface="Arial"/>
       </a:defRPr>
     </a:lvl1pPr>
-    <a:lvl2pPr lvl="1" marR="0" rtl="0" algn="l">
+    <a:lvl2pPr marR="0" lvl="1" algn="l" rtl="0">
       <a:lnSpc>
         <a:spcPct val="100000"/>
       </a:lnSpc>
@@ -671,7 +689,7 @@
         <a:srgbClr val="000000"/>
       </a:buClr>
       <a:buFont typeface="Arial"/>
-      <a:defRPr b="0" i="0" sz="1400" u="none" cap="none" strike="noStrike">
+      <a:defRPr sz="1400" b="0" i="0" u="none" strike="noStrike" cap="none">
         <a:solidFill>
           <a:srgbClr val="000000"/>
         </a:solidFill>
@@ -681,7 +699,7 @@
         <a:sym typeface="Arial"/>
       </a:defRPr>
     </a:lvl2pPr>
-    <a:lvl3pPr lvl="2" marR="0" rtl="0" algn="l">
+    <a:lvl3pPr marR="0" lvl="2" algn="l" rtl="0">
       <a:lnSpc>
         <a:spcPct val="100000"/>
       </a:lnSpc>
@@ -695,7 +713,7 @@
         <a:srgbClr val="000000"/>
       </a:buClr>
       <a:buFont typeface="Arial"/>
-      <a:defRPr b="0" i="0" sz="1400" u="none" cap="none" strike="noStrike">
+      <a:defRPr sz="1400" b="0" i="0" u="none" strike="noStrike" cap="none">
         <a:solidFill>
           <a:srgbClr val="000000"/>
         </a:solidFill>
@@ -705,7 +723,7 @@
         <a:sym typeface="Arial"/>
       </a:defRPr>
     </a:lvl3pPr>
-    <a:lvl4pPr lvl="3" marR="0" rtl="0" algn="l">
+    <a:lvl4pPr marR="0" lvl="3" algn="l" rtl="0">
       <a:lnSpc>
         <a:spcPct val="100000"/>
       </a:lnSpc>
@@ -719,7 +737,7 @@
         <a:srgbClr val="000000"/>
       </a:buClr>
       <a:buFont typeface="Arial"/>
-      <a:defRPr b="0" i="0" sz="1400" u="none" cap="none" strike="noStrike">
+      <a:defRPr sz="1400" b="0" i="0" u="none" strike="noStrike" cap="none">
         <a:solidFill>
           <a:srgbClr val="000000"/>
         </a:solidFill>
@@ -729,7 +747,7 @@
         <a:sym typeface="Arial"/>
       </a:defRPr>
     </a:lvl4pPr>
-    <a:lvl5pPr lvl="4" marR="0" rtl="0" algn="l">
+    <a:lvl5pPr marR="0" lvl="4" algn="l" rtl="0">
       <a:lnSpc>
         <a:spcPct val="100000"/>
       </a:lnSpc>
@@ -743,7 +761,7 @@
         <a:srgbClr val="000000"/>
       </a:buClr>
       <a:buFont typeface="Arial"/>
-      <a:defRPr b="0" i="0" sz="1400" u="none" cap="none" strike="noStrike">
+      <a:defRPr sz="1400" b="0" i="0" u="none" strike="noStrike" cap="none">
         <a:solidFill>
           <a:srgbClr val="000000"/>
         </a:solidFill>
@@ -753,7 +771,7 @@
         <a:sym typeface="Arial"/>
       </a:defRPr>
     </a:lvl5pPr>
-    <a:lvl6pPr lvl="5" marR="0" rtl="0" algn="l">
+    <a:lvl6pPr marR="0" lvl="5" algn="l" rtl="0">
       <a:lnSpc>
         <a:spcPct val="100000"/>
       </a:lnSpc>
@@ -767,7 +785,7 @@
         <a:srgbClr val="000000"/>
       </a:buClr>
       <a:buFont typeface="Arial"/>
-      <a:defRPr b="0" i="0" sz="1400" u="none" cap="none" strike="noStrike">
+      <a:defRPr sz="1400" b="0" i="0" u="none" strike="noStrike" cap="none">
         <a:solidFill>
           <a:srgbClr val="000000"/>
         </a:solidFill>
@@ -777,7 +795,7 @@
         <a:sym typeface="Arial"/>
       </a:defRPr>
     </a:lvl6pPr>
-    <a:lvl7pPr lvl="6" marR="0" rtl="0" algn="l">
+    <a:lvl7pPr marR="0" lvl="6" algn="l" rtl="0">
       <a:lnSpc>
         <a:spcPct val="100000"/>
       </a:lnSpc>
@@ -791,7 +809,7 @@
         <a:srgbClr val="000000"/>
       </a:buClr>
       <a:buFont typeface="Arial"/>
-      <a:defRPr b="0" i="0" sz="1400" u="none" cap="none" strike="noStrike">
+      <a:defRPr sz="1400" b="0" i="0" u="none" strike="noStrike" cap="none">
         <a:solidFill>
           <a:srgbClr val="000000"/>
         </a:solidFill>
@@ -801,7 +819,7 @@
         <a:sym typeface="Arial"/>
       </a:defRPr>
     </a:lvl7pPr>
-    <a:lvl8pPr lvl="7" marR="0" rtl="0" algn="l">
+    <a:lvl8pPr marR="0" lvl="7" algn="l" rtl="0">
       <a:lnSpc>
         <a:spcPct val="100000"/>
       </a:lnSpc>
@@ -815,7 +833,7 @@
         <a:srgbClr val="000000"/>
       </a:buClr>
       <a:buFont typeface="Arial"/>
-      <a:defRPr b="0" i="0" sz="1400" u="none" cap="none" strike="noStrike">
+      <a:defRPr sz="1400" b="0" i="0" u="none" strike="noStrike" cap="none">
         <a:solidFill>
           <a:srgbClr val="000000"/>
         </a:solidFill>
@@ -825,7 +843,7 @@
         <a:sym typeface="Arial"/>
       </a:defRPr>
     </a:lvl8pPr>
-    <a:lvl9pPr lvl="8" marR="0" rtl="0" algn="l">
+    <a:lvl9pPr marR="0" lvl="8" algn="l" rtl="0">
       <a:lnSpc>
         <a:spcPct val="100000"/>
       </a:lnSpc>
@@ -839,7 +857,7 @@
         <a:srgbClr val="000000"/>
       </a:buClr>
       <a:buFont typeface="Arial"/>
-      <a:defRPr b="0" i="0" sz="1400" u="none" cap="none" strike="noStrike">
+      <a:defRPr sz="1400" b="0" i="0" u="none" strike="noStrike" cap="none">
         <a:solidFill>
           <a:srgbClr val="000000"/>
         </a:solidFill>
@@ -854,11 +872,11 @@
 </file>
 
 <file path=ppt/notesSlides/notesSlide1.xml><?xml version="1.0" encoding="utf-8"?>
-<p:notes xmlns:a="http://schemas.openxmlformats.org/drawingml/2006/main" xmlns:r="http://schemas.openxmlformats.org/officeDocument/2006/relationships" xmlns:mc="http://schemas.openxmlformats.org/markup-compatibility/2006" xmlns:mv="urn:schemas-microsoft-com:mac:vml" xmlns:p="http://schemas.openxmlformats.org/presentationml/2006/main" xmlns:c="http://schemas.openxmlformats.org/drawingml/2006/chart" xmlns:dgm="http://schemas.openxmlformats.org/drawingml/2006/diagram" xmlns:o="urn:schemas-microsoft-com:office:office" xmlns:v="urn:schemas-microsoft-com:vml" xmlns:pvml="urn:schemas-microsoft-com:office:powerpoint" xmlns:com="http://schemas.openxmlformats.org/drawingml/2006/compatibility" xmlns:p14="http://schemas.microsoft.com/office/powerpoint/2010/main" xmlns:p15="http://schemas.microsoft.com/office/powerpoint/2012/main" xmlns:ahyp="http://schemas.microsoft.com/office/drawing/2018/hyperlinkcolor" showMasterPhAnim="0" showMasterSp="0">
+<p:notes xmlns:a="http://schemas.openxmlformats.org/drawingml/2006/main" xmlns:r="http://schemas.openxmlformats.org/officeDocument/2006/relationships" xmlns:p="http://schemas.openxmlformats.org/presentationml/2006/main" showMasterSp="0" showMasterPhAnim="0">
   <p:cSld>
     <p:spTree>
       <p:nvGrpSpPr>
-        <p:cNvPr id="31" name="Shape 31"/>
+        <p:cNvPr id="1" name="Shape 31"/>
         <p:cNvGrpSpPr/>
         <p:nvPr/>
       </p:nvGrpSpPr>
@@ -873,9 +891,11 @@
       <p:sp>
         <p:nvSpPr>
           <p:cNvPr id="32" name="Google Shape;32;gc45dd6da3b_4_0:notes"/>
-          <p:cNvSpPr/>
+          <p:cNvSpPr>
+            <a:spLocks noGrp="1" noRot="1" noChangeAspect="1"/>
+          </p:cNvSpPr>
           <p:nvPr>
-            <p:ph idx="2" type="sldImg"/>
+            <p:ph type="sldImg" idx="2"/>
           </p:nvPr>
         </p:nvSpPr>
         <p:spPr>
@@ -884,9 +904,13 @@
             <a:ext cx="6096000" cy="3429000"/>
           </a:xfrm>
           <a:custGeom>
-            <a:rect b="b" l="l" r="r" t="t"/>
+            <a:avLst/>
+            <a:gdLst/>
+            <a:ahLst/>
+            <a:cxnLst/>
+            <a:rect l="l" t="t" r="r" b="b"/>
             <a:pathLst>
-              <a:path extrusionOk="0" h="120000" w="120000">
+              <a:path w="120000" h="120000" extrusionOk="0">
                 <a:moveTo>
                   <a:pt x="0" y="0"/>
                 </a:moveTo>
@@ -904,23 +928,25 @@
             </a:pathLst>
           </a:custGeom>
           <a:noFill/>
-          <a:ln cap="flat" cmpd="sng" w="9525">
+          <a:ln w="9525" cap="flat" cmpd="sng">
             <a:solidFill>
               <a:srgbClr val="000000"/>
             </a:solidFill>
             <a:prstDash val="solid"/>
             <a:round/>
-            <a:headEnd len="sm" w="sm" type="none"/>
-            <a:tailEnd len="sm" w="sm" type="none"/>
+            <a:headEnd type="none" w="sm" len="sm"/>
+            <a:tailEnd type="none" w="sm" len="sm"/>
           </a:ln>
         </p:spPr>
       </p:sp>
       <p:sp>
         <p:nvSpPr>
           <p:cNvPr id="33" name="Google Shape;33;gc45dd6da3b_4_0:notes"/>
-          <p:cNvSpPr txBox="1"/>
+          <p:cNvSpPr txBox="1">
+            <a:spLocks noGrp="1"/>
+          </p:cNvSpPr>
           <p:nvPr>
-            <p:ph idx="1" type="body"/>
+            <p:ph type="body" idx="1"/>
           </p:nvPr>
         </p:nvSpPr>
         <p:spPr>
@@ -937,12 +963,12 @@
           </a:ln>
         </p:spPr>
         <p:txBody>
-          <a:bodyPr anchorCtr="0" anchor="t" bIns="91425" lIns="91425" spcFirstLastPara="1" rIns="91425" wrap="square" tIns="91425">
+          <a:bodyPr spcFirstLastPara="1" wrap="square" lIns="91425" tIns="91425" rIns="91425" bIns="91425" anchor="t" anchorCtr="0">
             <a:noAutofit/>
           </a:bodyPr>
           <a:lstStyle/>
           <a:p>
-            <a:pPr indent="0" lvl="0" marL="0" rtl="0" algn="l">
+            <a:pPr marL="0" lvl="0" indent="0" algn="l" rtl="0">
               <a:lnSpc>
                 <a:spcPct val="100000"/>
               </a:lnSpc>
@@ -959,9 +985,6 @@
               <a:buFont typeface="Arial"/>
               <a:buNone/>
             </a:pPr>
-            <a:r>
-              <a:t/>
-            </a:r>
             <a:endParaRPr/>
           </a:p>
         </p:txBody>
@@ -975,11 +998,11 @@
 </file>
 
 <file path=ppt/notesSlides/notesSlide2.xml><?xml version="1.0" encoding="utf-8"?>
-<p:notes xmlns:a="http://schemas.openxmlformats.org/drawingml/2006/main" xmlns:r="http://schemas.openxmlformats.org/officeDocument/2006/relationships" xmlns:mc="http://schemas.openxmlformats.org/markup-compatibility/2006" xmlns:mv="urn:schemas-microsoft-com:mac:vml" xmlns:p="http://schemas.openxmlformats.org/presentationml/2006/main" xmlns:c="http://schemas.openxmlformats.org/drawingml/2006/chart" xmlns:dgm="http://schemas.openxmlformats.org/drawingml/2006/diagram" xmlns:o="urn:schemas-microsoft-com:office:office" xmlns:v="urn:schemas-microsoft-com:vml" xmlns:pvml="urn:schemas-microsoft-com:office:powerpoint" xmlns:com="http://schemas.openxmlformats.org/drawingml/2006/compatibility" xmlns:p14="http://schemas.microsoft.com/office/powerpoint/2010/main" xmlns:p15="http://schemas.microsoft.com/office/powerpoint/2012/main" xmlns:ahyp="http://schemas.microsoft.com/office/drawing/2018/hyperlinkcolor" showMasterPhAnim="0" showMasterSp="0">
+<p:notes xmlns:a="http://schemas.openxmlformats.org/drawingml/2006/main" xmlns:r="http://schemas.openxmlformats.org/officeDocument/2006/relationships" xmlns:p="http://schemas.openxmlformats.org/presentationml/2006/main" showMasterSp="0" showMasterPhAnim="0">
   <p:cSld>
     <p:spTree>
       <p:nvGrpSpPr>
-        <p:cNvPr id="45" name="Shape 45"/>
+        <p:cNvPr id="1" name="Shape 45"/>
         <p:cNvGrpSpPr/>
         <p:nvPr/>
       </p:nvGrpSpPr>
@@ -994,9 +1017,11 @@
       <p:sp>
         <p:nvSpPr>
           <p:cNvPr id="46" name="Google Shape;46;p18:notes"/>
-          <p:cNvSpPr/>
+          <p:cNvSpPr>
+            <a:spLocks noGrp="1" noRot="1" noChangeAspect="1"/>
+          </p:cNvSpPr>
           <p:nvPr>
-            <p:ph idx="2" type="sldImg"/>
+            <p:ph type="sldImg" idx="2"/>
           </p:nvPr>
         </p:nvSpPr>
         <p:spPr>
@@ -1005,9 +1030,13 @@
             <a:ext cx="6096000" cy="3429000"/>
           </a:xfrm>
           <a:custGeom>
-            <a:rect b="b" l="l" r="r" t="t"/>
+            <a:avLst/>
+            <a:gdLst/>
+            <a:ahLst/>
+            <a:cxnLst/>
+            <a:rect l="l" t="t" r="r" b="b"/>
             <a:pathLst>
-              <a:path extrusionOk="0" h="120000" w="120000">
+              <a:path w="120000" h="120000" extrusionOk="0">
                 <a:moveTo>
                   <a:pt x="0" y="0"/>
                 </a:moveTo>
@@ -1025,23 +1054,25 @@
             </a:pathLst>
           </a:custGeom>
           <a:noFill/>
-          <a:ln cap="flat" cmpd="sng" w="9525">
+          <a:ln w="9525" cap="flat" cmpd="sng">
             <a:solidFill>
               <a:srgbClr val="000000"/>
             </a:solidFill>
             <a:prstDash val="solid"/>
             <a:round/>
-            <a:headEnd len="sm" w="sm" type="none"/>
-            <a:tailEnd len="sm" w="sm" type="none"/>
+            <a:headEnd type="none" w="sm" len="sm"/>
+            <a:tailEnd type="none" w="sm" len="sm"/>
           </a:ln>
         </p:spPr>
       </p:sp>
       <p:sp>
         <p:nvSpPr>
           <p:cNvPr id="47" name="Google Shape;47;p18:notes"/>
-          <p:cNvSpPr txBox="1"/>
+          <p:cNvSpPr txBox="1">
+            <a:spLocks noGrp="1"/>
+          </p:cNvSpPr>
           <p:nvPr>
-            <p:ph idx="1" type="body"/>
+            <p:ph type="body" idx="1"/>
           </p:nvPr>
         </p:nvSpPr>
         <p:spPr>
@@ -1058,12 +1089,12 @@
           </a:ln>
         </p:spPr>
         <p:txBody>
-          <a:bodyPr anchorCtr="0" anchor="t" bIns="91425" lIns="91425" spcFirstLastPara="1" rIns="91425" wrap="square" tIns="91425">
+          <a:bodyPr spcFirstLastPara="1" wrap="square" lIns="91425" tIns="91425" rIns="91425" bIns="91425" anchor="t" anchorCtr="0">
             <a:noAutofit/>
           </a:bodyPr>
           <a:lstStyle/>
           <a:p>
-            <a:pPr indent="0" lvl="0" marL="0" rtl="0" algn="l">
+            <a:pPr marL="0" lvl="0" indent="0" algn="l" rtl="0">
               <a:lnSpc>
                 <a:spcPct val="100000"/>
               </a:lnSpc>
@@ -1080,9 +1111,6 @@
               <a:buFont typeface="Arial"/>
               <a:buNone/>
             </a:pPr>
-            <a:r>
-              <a:t/>
-            </a:r>
             <a:endParaRPr/>
           </a:p>
         </p:txBody>
@@ -1096,11 +1124,11 @@
 </file>
 
 <file path=ppt/notesSlides/notesSlide3.xml><?xml version="1.0" encoding="utf-8"?>
-<p:notes xmlns:a="http://schemas.openxmlformats.org/drawingml/2006/main" xmlns:r="http://schemas.openxmlformats.org/officeDocument/2006/relationships" xmlns:mc="http://schemas.openxmlformats.org/markup-compatibility/2006" xmlns:mv="urn:schemas-microsoft-com:mac:vml" xmlns:p="http://schemas.openxmlformats.org/presentationml/2006/main" xmlns:c="http://schemas.openxmlformats.org/drawingml/2006/chart" xmlns:dgm="http://schemas.openxmlformats.org/drawingml/2006/diagram" xmlns:o="urn:schemas-microsoft-com:office:office" xmlns:v="urn:schemas-microsoft-com:vml" xmlns:pvml="urn:schemas-microsoft-com:office:powerpoint" xmlns:com="http://schemas.openxmlformats.org/drawingml/2006/compatibility" xmlns:p14="http://schemas.microsoft.com/office/powerpoint/2010/main" xmlns:p15="http://schemas.microsoft.com/office/powerpoint/2012/main" xmlns:ahyp="http://schemas.microsoft.com/office/drawing/2018/hyperlinkcolor" showMasterPhAnim="0" showMasterSp="0">
+<p:notes xmlns:a="http://schemas.openxmlformats.org/drawingml/2006/main" xmlns:r="http://schemas.openxmlformats.org/officeDocument/2006/relationships" xmlns:p="http://schemas.openxmlformats.org/presentationml/2006/main" showMasterSp="0" showMasterPhAnim="0">
   <p:cSld>
     <p:spTree>
       <p:nvGrpSpPr>
-        <p:cNvPr id="53" name="Shape 53"/>
+        <p:cNvPr id="1" name="Shape 53"/>
         <p:cNvGrpSpPr/>
         <p:nvPr/>
       </p:nvGrpSpPr>
@@ -1115,9 +1143,11 @@
       <p:sp>
         <p:nvSpPr>
           <p:cNvPr id="54" name="Google Shape;54;p3:notes"/>
-          <p:cNvSpPr/>
+          <p:cNvSpPr>
+            <a:spLocks noGrp="1" noRot="1" noChangeAspect="1"/>
+          </p:cNvSpPr>
           <p:nvPr>
-            <p:ph idx="2" type="sldImg"/>
+            <p:ph type="sldImg" idx="2"/>
           </p:nvPr>
         </p:nvSpPr>
         <p:spPr>
@@ -1126,9 +1156,13 @@
             <a:ext cx="6096000" cy="3429000"/>
           </a:xfrm>
           <a:custGeom>
-            <a:rect b="b" l="l" r="r" t="t"/>
+            <a:avLst/>
+            <a:gdLst/>
+            <a:ahLst/>
+            <a:cxnLst/>
+            <a:rect l="l" t="t" r="r" b="b"/>
             <a:pathLst>
-              <a:path extrusionOk="0" h="120000" w="120000">
+              <a:path w="120000" h="120000" extrusionOk="0">
                 <a:moveTo>
                   <a:pt x="0" y="0"/>
                 </a:moveTo>
@@ -1146,23 +1180,25 @@
             </a:pathLst>
           </a:custGeom>
           <a:noFill/>
-          <a:ln cap="flat" cmpd="sng" w="9525">
+          <a:ln w="9525" cap="flat" cmpd="sng">
             <a:solidFill>
               <a:srgbClr val="000000"/>
             </a:solidFill>
             <a:prstDash val="solid"/>
             <a:round/>
-            <a:headEnd len="sm" w="sm" type="none"/>
-            <a:tailEnd len="sm" w="sm" type="none"/>
+            <a:headEnd type="none" w="sm" len="sm"/>
+            <a:tailEnd type="none" w="sm" len="sm"/>
           </a:ln>
         </p:spPr>
       </p:sp>
       <p:sp>
         <p:nvSpPr>
           <p:cNvPr id="55" name="Google Shape;55;p3:notes"/>
-          <p:cNvSpPr txBox="1"/>
+          <p:cNvSpPr txBox="1">
+            <a:spLocks noGrp="1"/>
+          </p:cNvSpPr>
           <p:nvPr>
-            <p:ph idx="1" type="body"/>
+            <p:ph type="body" idx="1"/>
           </p:nvPr>
         </p:nvSpPr>
         <p:spPr>
@@ -1179,12 +1215,12 @@
           </a:ln>
         </p:spPr>
         <p:txBody>
-          <a:bodyPr anchorCtr="0" anchor="t" bIns="91425" lIns="91425" spcFirstLastPara="1" rIns="91425" wrap="square" tIns="91425">
+          <a:bodyPr spcFirstLastPara="1" wrap="square" lIns="91425" tIns="91425" rIns="91425" bIns="91425" anchor="t" anchorCtr="0">
             <a:noAutofit/>
           </a:bodyPr>
           <a:lstStyle/>
           <a:p>
-            <a:pPr indent="0" lvl="0" marL="0" rtl="0" algn="l">
+            <a:pPr marL="0" lvl="0" indent="0" algn="l" rtl="0">
               <a:lnSpc>
                 <a:spcPct val="100000"/>
               </a:lnSpc>
@@ -1202,9 +1238,14 @@
               <a:buNone/>
             </a:pPr>
             <a:r>
-              <a:t/>
+              <a:rPr lang="pt-BR" dirty="0"/>
+              <a:t>Implementação Vector é </a:t>
             </a:r>
-            <a:endParaRPr/>
+            <a:r>
+              <a:rPr lang="pt-BR" dirty="0" err="1"/>
+              <a:t>trads</a:t>
+            </a:r>
+            <a:endParaRPr dirty="0"/>
           </a:p>
         </p:txBody>
       </p:sp>
@@ -1217,11 +1258,11 @@
 </file>
 
 <file path=ppt/notesSlides/notesSlide4.xml><?xml version="1.0" encoding="utf-8"?>
-<p:notes xmlns:a="http://schemas.openxmlformats.org/drawingml/2006/main" xmlns:r="http://schemas.openxmlformats.org/officeDocument/2006/relationships" xmlns:mc="http://schemas.openxmlformats.org/markup-compatibility/2006" xmlns:mv="urn:schemas-microsoft-com:mac:vml" xmlns:p="http://schemas.openxmlformats.org/presentationml/2006/main" xmlns:c="http://schemas.openxmlformats.org/drawingml/2006/chart" xmlns:dgm="http://schemas.openxmlformats.org/drawingml/2006/diagram" xmlns:o="urn:schemas-microsoft-com:office:office" xmlns:v="urn:schemas-microsoft-com:vml" xmlns:pvml="urn:schemas-microsoft-com:office:powerpoint" xmlns:com="http://schemas.openxmlformats.org/drawingml/2006/compatibility" xmlns:p14="http://schemas.microsoft.com/office/powerpoint/2010/main" xmlns:p15="http://schemas.microsoft.com/office/powerpoint/2012/main" xmlns:ahyp="http://schemas.microsoft.com/office/drawing/2018/hyperlinkcolor" showMasterPhAnim="0" showMasterSp="0">
+<p:notes xmlns:a="http://schemas.openxmlformats.org/drawingml/2006/main" xmlns:r="http://schemas.openxmlformats.org/officeDocument/2006/relationships" xmlns:p="http://schemas.openxmlformats.org/presentationml/2006/main" showMasterSp="0" showMasterPhAnim="0">
   <p:cSld>
     <p:spTree>
       <p:nvGrpSpPr>
-        <p:cNvPr id="69" name="Shape 69"/>
+        <p:cNvPr id="1" name="Shape 69"/>
         <p:cNvGrpSpPr/>
         <p:nvPr/>
       </p:nvGrpSpPr>
@@ -1236,9 +1277,11 @@
       <p:sp>
         <p:nvSpPr>
           <p:cNvPr id="70" name="Google Shape;70;gcb02b98ebe_1_0:notes"/>
-          <p:cNvSpPr/>
+          <p:cNvSpPr>
+            <a:spLocks noGrp="1" noRot="1" noChangeAspect="1"/>
+          </p:cNvSpPr>
           <p:nvPr>
-            <p:ph idx="2" type="sldImg"/>
+            <p:ph type="sldImg" idx="2"/>
           </p:nvPr>
         </p:nvSpPr>
         <p:spPr>
@@ -1247,9 +1290,13 @@
             <a:ext cx="6096000" cy="3429000"/>
           </a:xfrm>
           <a:custGeom>
-            <a:rect b="b" l="l" r="r" t="t"/>
+            <a:avLst/>
+            <a:gdLst/>
+            <a:ahLst/>
+            <a:cxnLst/>
+            <a:rect l="l" t="t" r="r" b="b"/>
             <a:pathLst>
-              <a:path extrusionOk="0" h="120000" w="120000">
+              <a:path w="120000" h="120000" extrusionOk="0">
                 <a:moveTo>
                   <a:pt x="0" y="0"/>
                 </a:moveTo>
@@ -1267,23 +1314,25 @@
             </a:pathLst>
           </a:custGeom>
           <a:noFill/>
-          <a:ln cap="flat" cmpd="sng" w="9525">
+          <a:ln w="9525" cap="flat" cmpd="sng">
             <a:solidFill>
               <a:srgbClr val="000000"/>
             </a:solidFill>
             <a:prstDash val="solid"/>
             <a:round/>
-            <a:headEnd len="sm" w="sm" type="none"/>
-            <a:tailEnd len="sm" w="sm" type="none"/>
+            <a:headEnd type="none" w="sm" len="sm"/>
+            <a:tailEnd type="none" w="sm" len="sm"/>
           </a:ln>
         </p:spPr>
       </p:sp>
       <p:sp>
         <p:nvSpPr>
           <p:cNvPr id="71" name="Google Shape;71;gcb02b98ebe_1_0:notes"/>
-          <p:cNvSpPr txBox="1"/>
+          <p:cNvSpPr txBox="1">
+            <a:spLocks noGrp="1"/>
+          </p:cNvSpPr>
           <p:nvPr>
-            <p:ph idx="1" type="body"/>
+            <p:ph type="body" idx="1"/>
           </p:nvPr>
         </p:nvSpPr>
         <p:spPr>
@@ -1300,12 +1349,12 @@
           </a:ln>
         </p:spPr>
         <p:txBody>
-          <a:bodyPr anchorCtr="0" anchor="t" bIns="91425" lIns="91425" spcFirstLastPara="1" rIns="91425" wrap="square" tIns="91425">
+          <a:bodyPr spcFirstLastPara="1" wrap="square" lIns="91425" tIns="91425" rIns="91425" bIns="91425" anchor="t" anchorCtr="0">
             <a:noAutofit/>
           </a:bodyPr>
           <a:lstStyle/>
           <a:p>
-            <a:pPr indent="0" lvl="0" marL="0" rtl="0" algn="l">
+            <a:pPr marL="0" lvl="0" indent="0" algn="l" rtl="0">
               <a:lnSpc>
                 <a:spcPct val="100000"/>
               </a:lnSpc>
@@ -1322,9 +1371,6 @@
               <a:buFont typeface="Arial"/>
               <a:buNone/>
             </a:pPr>
-            <a:r>
-              <a:t/>
-            </a:r>
             <a:endParaRPr/>
           </a:p>
         </p:txBody>
@@ -1338,11 +1384,11 @@
 </file>
 
 <file path=ppt/notesSlides/notesSlide5.xml><?xml version="1.0" encoding="utf-8"?>
-<p:notes xmlns:a="http://schemas.openxmlformats.org/drawingml/2006/main" xmlns:r="http://schemas.openxmlformats.org/officeDocument/2006/relationships" xmlns:mc="http://schemas.openxmlformats.org/markup-compatibility/2006" xmlns:mv="urn:schemas-microsoft-com:mac:vml" xmlns:p="http://schemas.openxmlformats.org/presentationml/2006/main" xmlns:c="http://schemas.openxmlformats.org/drawingml/2006/chart" xmlns:dgm="http://schemas.openxmlformats.org/drawingml/2006/diagram" xmlns:o="urn:schemas-microsoft-com:office:office" xmlns:v="urn:schemas-microsoft-com:vml" xmlns:pvml="urn:schemas-microsoft-com:office:powerpoint" xmlns:com="http://schemas.openxmlformats.org/drawingml/2006/compatibility" xmlns:p14="http://schemas.microsoft.com/office/powerpoint/2010/main" xmlns:p15="http://schemas.microsoft.com/office/powerpoint/2012/main" xmlns:ahyp="http://schemas.microsoft.com/office/drawing/2018/hyperlinkcolor" showMasterPhAnim="0" showMasterSp="0">
+<p:notes xmlns:a="http://schemas.openxmlformats.org/drawingml/2006/main" xmlns:r="http://schemas.openxmlformats.org/officeDocument/2006/relationships" xmlns:p="http://schemas.openxmlformats.org/presentationml/2006/main" showMasterSp="0" showMasterPhAnim="0">
   <p:cSld>
     <p:spTree>
       <p:nvGrpSpPr>
-        <p:cNvPr id="77" name="Shape 77"/>
+        <p:cNvPr id="1" name="Shape 77"/>
         <p:cNvGrpSpPr/>
         <p:nvPr/>
       </p:nvGrpSpPr>
@@ -1357,9 +1403,11 @@
       <p:sp>
         <p:nvSpPr>
           <p:cNvPr id="78" name="Google Shape;78;gcb02b98ebe_1_7:notes"/>
-          <p:cNvSpPr/>
+          <p:cNvSpPr>
+            <a:spLocks noGrp="1" noRot="1" noChangeAspect="1"/>
+          </p:cNvSpPr>
           <p:nvPr>
-            <p:ph idx="2" type="sldImg"/>
+            <p:ph type="sldImg" idx="2"/>
           </p:nvPr>
         </p:nvSpPr>
         <p:spPr>
@@ -1368,9 +1416,13 @@
             <a:ext cx="6096000" cy="3429000"/>
           </a:xfrm>
           <a:custGeom>
-            <a:rect b="b" l="l" r="r" t="t"/>
+            <a:avLst/>
+            <a:gdLst/>
+            <a:ahLst/>
+            <a:cxnLst/>
+            <a:rect l="l" t="t" r="r" b="b"/>
             <a:pathLst>
-              <a:path extrusionOk="0" h="120000" w="120000">
+              <a:path w="120000" h="120000" extrusionOk="0">
                 <a:moveTo>
                   <a:pt x="0" y="0"/>
                 </a:moveTo>
@@ -1388,23 +1440,25 @@
             </a:pathLst>
           </a:custGeom>
           <a:noFill/>
-          <a:ln cap="flat" cmpd="sng" w="9525">
+          <a:ln w="9525" cap="flat" cmpd="sng">
             <a:solidFill>
               <a:srgbClr val="000000"/>
             </a:solidFill>
             <a:prstDash val="solid"/>
             <a:round/>
-            <a:headEnd len="sm" w="sm" type="none"/>
-            <a:tailEnd len="sm" w="sm" type="none"/>
+            <a:headEnd type="none" w="sm" len="sm"/>
+            <a:tailEnd type="none" w="sm" len="sm"/>
           </a:ln>
         </p:spPr>
       </p:sp>
       <p:sp>
         <p:nvSpPr>
           <p:cNvPr id="79" name="Google Shape;79;gcb02b98ebe_1_7:notes"/>
-          <p:cNvSpPr txBox="1"/>
+          <p:cNvSpPr txBox="1">
+            <a:spLocks noGrp="1"/>
+          </p:cNvSpPr>
           <p:nvPr>
-            <p:ph idx="1" type="body"/>
+            <p:ph type="body" idx="1"/>
           </p:nvPr>
         </p:nvSpPr>
         <p:spPr>
@@ -1421,12 +1475,12 @@
           </a:ln>
         </p:spPr>
         <p:txBody>
-          <a:bodyPr anchorCtr="0" anchor="t" bIns="91425" lIns="91425" spcFirstLastPara="1" rIns="91425" wrap="square" tIns="91425">
+          <a:bodyPr spcFirstLastPara="1" wrap="square" lIns="91425" tIns="91425" rIns="91425" bIns="91425" anchor="t" anchorCtr="0">
             <a:noAutofit/>
           </a:bodyPr>
           <a:lstStyle/>
           <a:p>
-            <a:pPr indent="0" lvl="0" marL="0" rtl="0" algn="l">
+            <a:pPr marL="0" lvl="0" indent="0" algn="l" rtl="0">
               <a:lnSpc>
                 <a:spcPct val="100000"/>
               </a:lnSpc>
@@ -1443,9 +1497,6 @@
               <a:buFont typeface="Arial"/>
               <a:buNone/>
             </a:pPr>
-            <a:r>
-              <a:t/>
-            </a:r>
             <a:endParaRPr/>
           </a:p>
         </p:txBody>
@@ -1459,11 +1510,11 @@
 </file>
 
 <file path=ppt/notesSlides/notesSlide6.xml><?xml version="1.0" encoding="utf-8"?>
-<p:notes xmlns:a="http://schemas.openxmlformats.org/drawingml/2006/main" xmlns:r="http://schemas.openxmlformats.org/officeDocument/2006/relationships" xmlns:mc="http://schemas.openxmlformats.org/markup-compatibility/2006" xmlns:mv="urn:schemas-microsoft-com:mac:vml" xmlns:p="http://schemas.openxmlformats.org/presentationml/2006/main" xmlns:c="http://schemas.openxmlformats.org/drawingml/2006/chart" xmlns:dgm="http://schemas.openxmlformats.org/drawingml/2006/diagram" xmlns:o="urn:schemas-microsoft-com:office:office" xmlns:v="urn:schemas-microsoft-com:vml" xmlns:pvml="urn:schemas-microsoft-com:office:powerpoint" xmlns:com="http://schemas.openxmlformats.org/drawingml/2006/compatibility" xmlns:p14="http://schemas.microsoft.com/office/powerpoint/2010/main" xmlns:p15="http://schemas.microsoft.com/office/powerpoint/2012/main" xmlns:ahyp="http://schemas.microsoft.com/office/drawing/2018/hyperlinkcolor" showMasterPhAnim="0" showMasterSp="0">
+<p:notes xmlns:a="http://schemas.openxmlformats.org/drawingml/2006/main" xmlns:r="http://schemas.openxmlformats.org/officeDocument/2006/relationships" xmlns:p="http://schemas.openxmlformats.org/presentationml/2006/main" showMasterSp="0" showMasterPhAnim="0">
   <p:cSld>
     <p:spTree>
       <p:nvGrpSpPr>
-        <p:cNvPr id="85" name="Shape 85"/>
+        <p:cNvPr id="1" name="Shape 85"/>
         <p:cNvGrpSpPr/>
         <p:nvPr/>
       </p:nvGrpSpPr>
@@ -1478,9 +1529,11 @@
       <p:sp>
         <p:nvSpPr>
           <p:cNvPr id="86" name="Google Shape;86;gcb02b98ebe_1_14:notes"/>
-          <p:cNvSpPr/>
+          <p:cNvSpPr>
+            <a:spLocks noGrp="1" noRot="1" noChangeAspect="1"/>
+          </p:cNvSpPr>
           <p:nvPr>
-            <p:ph idx="2" type="sldImg"/>
+            <p:ph type="sldImg" idx="2"/>
           </p:nvPr>
         </p:nvSpPr>
         <p:spPr>
@@ -1489,9 +1542,13 @@
             <a:ext cx="6096000" cy="3429000"/>
           </a:xfrm>
           <a:custGeom>
-            <a:rect b="b" l="l" r="r" t="t"/>
+            <a:avLst/>
+            <a:gdLst/>
+            <a:ahLst/>
+            <a:cxnLst/>
+            <a:rect l="l" t="t" r="r" b="b"/>
             <a:pathLst>
-              <a:path extrusionOk="0" h="120000" w="120000">
+              <a:path w="120000" h="120000" extrusionOk="0">
                 <a:moveTo>
                   <a:pt x="0" y="0"/>
                 </a:moveTo>
@@ -1509,23 +1566,25 @@
             </a:pathLst>
           </a:custGeom>
           <a:noFill/>
-          <a:ln cap="flat" cmpd="sng" w="9525">
+          <a:ln w="9525" cap="flat" cmpd="sng">
             <a:solidFill>
               <a:srgbClr val="000000"/>
             </a:solidFill>
             <a:prstDash val="solid"/>
             <a:round/>
-            <a:headEnd len="sm" w="sm" type="none"/>
-            <a:tailEnd len="sm" w="sm" type="none"/>
+            <a:headEnd type="none" w="sm" len="sm"/>
+            <a:tailEnd type="none" w="sm" len="sm"/>
           </a:ln>
         </p:spPr>
       </p:sp>
       <p:sp>
         <p:nvSpPr>
           <p:cNvPr id="87" name="Google Shape;87;gcb02b98ebe_1_14:notes"/>
-          <p:cNvSpPr txBox="1"/>
+          <p:cNvSpPr txBox="1">
+            <a:spLocks noGrp="1"/>
+          </p:cNvSpPr>
           <p:nvPr>
-            <p:ph idx="1" type="body"/>
+            <p:ph type="body" idx="1"/>
           </p:nvPr>
         </p:nvSpPr>
         <p:spPr>
@@ -1542,12 +1601,12 @@
           </a:ln>
         </p:spPr>
         <p:txBody>
-          <a:bodyPr anchorCtr="0" anchor="t" bIns="91425" lIns="91425" spcFirstLastPara="1" rIns="91425" wrap="square" tIns="91425">
+          <a:bodyPr spcFirstLastPara="1" wrap="square" lIns="91425" tIns="91425" rIns="91425" bIns="91425" anchor="t" anchorCtr="0">
             <a:noAutofit/>
           </a:bodyPr>
           <a:lstStyle/>
           <a:p>
-            <a:pPr indent="0" lvl="0" marL="0" rtl="0" algn="l">
+            <a:pPr marL="0" lvl="0" indent="0" algn="l" rtl="0">
               <a:lnSpc>
                 <a:spcPct val="100000"/>
               </a:lnSpc>
@@ -1564,9 +1623,6 @@
               <a:buFont typeface="Arial"/>
               <a:buNone/>
             </a:pPr>
-            <a:r>
-              <a:t/>
-            </a:r>
             <a:endParaRPr/>
           </a:p>
         </p:txBody>
@@ -1580,11 +1636,11 @@
 </file>
 
 <file path=ppt/notesSlides/notesSlide7.xml><?xml version="1.0" encoding="utf-8"?>
-<p:notes xmlns:a="http://schemas.openxmlformats.org/drawingml/2006/main" xmlns:r="http://schemas.openxmlformats.org/officeDocument/2006/relationships" xmlns:mc="http://schemas.openxmlformats.org/markup-compatibility/2006" xmlns:mv="urn:schemas-microsoft-com:mac:vml" xmlns:p="http://schemas.openxmlformats.org/presentationml/2006/main" xmlns:c="http://schemas.openxmlformats.org/drawingml/2006/chart" xmlns:dgm="http://schemas.openxmlformats.org/drawingml/2006/diagram" xmlns:o="urn:schemas-microsoft-com:office:office" xmlns:v="urn:schemas-microsoft-com:vml" xmlns:pvml="urn:schemas-microsoft-com:office:powerpoint" xmlns:com="http://schemas.openxmlformats.org/drawingml/2006/compatibility" xmlns:p14="http://schemas.microsoft.com/office/powerpoint/2010/main" xmlns:p15="http://schemas.microsoft.com/office/powerpoint/2012/main" xmlns:ahyp="http://schemas.microsoft.com/office/drawing/2018/hyperlinkcolor" showMasterPhAnim="0" showMasterSp="0">
+<p:notes xmlns:a="http://schemas.openxmlformats.org/drawingml/2006/main" xmlns:r="http://schemas.openxmlformats.org/officeDocument/2006/relationships" xmlns:p="http://schemas.openxmlformats.org/presentationml/2006/main" showMasterSp="0" showMasterPhAnim="0">
   <p:cSld>
     <p:spTree>
       <p:nvGrpSpPr>
-        <p:cNvPr id="99" name="Shape 99"/>
+        <p:cNvPr id="1" name="Shape 99"/>
         <p:cNvGrpSpPr/>
         <p:nvPr/>
       </p:nvGrpSpPr>
@@ -1599,9 +1655,11 @@
       <p:sp>
         <p:nvSpPr>
           <p:cNvPr id="100" name="Google Shape;100;gcb02b98ebe_1_27:notes"/>
-          <p:cNvSpPr/>
+          <p:cNvSpPr>
+            <a:spLocks noGrp="1" noRot="1" noChangeAspect="1"/>
+          </p:cNvSpPr>
           <p:nvPr>
-            <p:ph idx="2" type="sldImg"/>
+            <p:ph type="sldImg" idx="2"/>
           </p:nvPr>
         </p:nvSpPr>
         <p:spPr>
@@ -1610,9 +1668,13 @@
             <a:ext cx="6096000" cy="3429000"/>
           </a:xfrm>
           <a:custGeom>
-            <a:rect b="b" l="l" r="r" t="t"/>
+            <a:avLst/>
+            <a:gdLst/>
+            <a:ahLst/>
+            <a:cxnLst/>
+            <a:rect l="l" t="t" r="r" b="b"/>
             <a:pathLst>
-              <a:path extrusionOk="0" h="120000" w="120000">
+              <a:path w="120000" h="120000" extrusionOk="0">
                 <a:moveTo>
                   <a:pt x="0" y="0"/>
                 </a:moveTo>
@@ -1630,23 +1692,25 @@
             </a:pathLst>
           </a:custGeom>
           <a:noFill/>
-          <a:ln cap="flat" cmpd="sng" w="9525">
+          <a:ln w="9525" cap="flat" cmpd="sng">
             <a:solidFill>
               <a:srgbClr val="000000"/>
             </a:solidFill>
             <a:prstDash val="solid"/>
             <a:round/>
-            <a:headEnd len="sm" w="sm" type="none"/>
-            <a:tailEnd len="sm" w="sm" type="none"/>
+            <a:headEnd type="none" w="sm" len="sm"/>
+            <a:tailEnd type="none" w="sm" len="sm"/>
           </a:ln>
         </p:spPr>
       </p:sp>
       <p:sp>
         <p:nvSpPr>
           <p:cNvPr id="101" name="Google Shape;101;gcb02b98ebe_1_27:notes"/>
-          <p:cNvSpPr txBox="1"/>
+          <p:cNvSpPr txBox="1">
+            <a:spLocks noGrp="1"/>
+          </p:cNvSpPr>
           <p:nvPr>
-            <p:ph idx="1" type="body"/>
+            <p:ph type="body" idx="1"/>
           </p:nvPr>
         </p:nvSpPr>
         <p:spPr>
@@ -1663,12 +1727,12 @@
           </a:ln>
         </p:spPr>
         <p:txBody>
-          <a:bodyPr anchorCtr="0" anchor="t" bIns="91425" lIns="91425" spcFirstLastPara="1" rIns="91425" wrap="square" tIns="91425">
+          <a:bodyPr spcFirstLastPara="1" wrap="square" lIns="91425" tIns="91425" rIns="91425" bIns="91425" anchor="t" anchorCtr="0">
             <a:noAutofit/>
           </a:bodyPr>
           <a:lstStyle/>
           <a:p>
-            <a:pPr indent="0" lvl="0" marL="0" rtl="0" algn="l">
+            <a:pPr marL="0" lvl="0" indent="0" algn="l" rtl="0">
               <a:lnSpc>
                 <a:spcPct val="100000"/>
               </a:lnSpc>
@@ -1702,11 +1766,11 @@
 </file>
 
 <file path=ppt/slideLayouts/slideLayout1.xml><?xml version="1.0" encoding="utf-8"?>
-<p:sldLayout xmlns:a="http://schemas.openxmlformats.org/drawingml/2006/main" xmlns:r="http://schemas.openxmlformats.org/officeDocument/2006/relationships" xmlns:mc="http://schemas.openxmlformats.org/markup-compatibility/2006" xmlns:mv="urn:schemas-microsoft-com:mac:vml" xmlns:p="http://schemas.openxmlformats.org/presentationml/2006/main" xmlns:c="http://schemas.openxmlformats.org/drawingml/2006/chart" xmlns:dgm="http://schemas.openxmlformats.org/drawingml/2006/diagram" xmlns:o="urn:schemas-microsoft-com:office:office" xmlns:v="urn:schemas-microsoft-com:vml" xmlns:pvml="urn:schemas-microsoft-com:office:powerpoint" xmlns:com="http://schemas.openxmlformats.org/drawingml/2006/compatibility" xmlns:p14="http://schemas.microsoft.com/office/powerpoint/2010/main" xmlns:p15="http://schemas.microsoft.com/office/powerpoint/2012/main" xmlns:ahyp="http://schemas.microsoft.com/office/drawing/2018/hyperlinkcolor" matchingName="Title slide" type="title">
+<p:sldLayout xmlns:a="http://schemas.openxmlformats.org/drawingml/2006/main" xmlns:r="http://schemas.openxmlformats.org/officeDocument/2006/relationships" xmlns:p="http://schemas.openxmlformats.org/presentationml/2006/main" matchingName="Title slide" type="title">
   <p:cSld name="TITLE">
     <p:spTree>
       <p:nvGrpSpPr>
-        <p:cNvPr id="9" name="Shape 9"/>
+        <p:cNvPr id="1" name="Shape 9"/>
         <p:cNvGrpSpPr/>
         <p:nvPr/>
       </p:nvGrpSpPr>
@@ -1721,7 +1785,9 @@
       <p:sp>
         <p:nvSpPr>
           <p:cNvPr id="10" name="Google Shape;10;p25"/>
-          <p:cNvSpPr txBox="1"/>
+          <p:cNvSpPr txBox="1">
+            <a:spLocks noGrp="1"/>
+          </p:cNvSpPr>
           <p:nvPr>
             <p:ph type="ctrTitle"/>
           </p:nvPr>
@@ -1740,7 +1806,7 @@
           </a:ln>
         </p:spPr>
         <p:txBody>
-          <a:bodyPr anchorCtr="0" anchor="b" bIns="91425" lIns="91425" spcFirstLastPara="1" rIns="91425" wrap="square" tIns="91425">
+          <a:bodyPr spcFirstLastPara="1" wrap="square" lIns="91425" tIns="91425" rIns="91425" bIns="91425" anchor="b" anchorCtr="0">
             <a:noAutofit/>
           </a:bodyPr>
           <a:lstStyle>
@@ -1871,15 +1937,19 @@
               <a:defRPr sz="5200"/>
             </a:lvl9pPr>
           </a:lstStyle>
-          <a:p/>
+          <a:p>
+            <a:endParaRPr/>
+          </a:p>
         </p:txBody>
       </p:sp>
       <p:sp>
         <p:nvSpPr>
           <p:cNvPr id="11" name="Google Shape;11;p25"/>
-          <p:cNvSpPr txBox="1"/>
+          <p:cNvSpPr txBox="1">
+            <a:spLocks noGrp="1"/>
+          </p:cNvSpPr>
           <p:nvPr>
-            <p:ph idx="1" type="subTitle"/>
+            <p:ph type="subTitle" idx="1"/>
           </p:nvPr>
         </p:nvSpPr>
         <p:spPr>
@@ -1896,7 +1966,7 @@
           </a:ln>
         </p:spPr>
         <p:txBody>
-          <a:bodyPr anchorCtr="0" anchor="t" bIns="91425" lIns="91425" spcFirstLastPara="1" rIns="91425" wrap="square" tIns="91425">
+          <a:bodyPr spcFirstLastPara="1" wrap="square" lIns="91425" tIns="91425" rIns="91425" bIns="91425" anchor="t" anchorCtr="0">
             <a:noAutofit/>
           </a:bodyPr>
           <a:lstStyle>
@@ -2027,15 +2097,19 @@
               <a:defRPr sz="2800"/>
             </a:lvl9pPr>
           </a:lstStyle>
-          <a:p/>
+          <a:p>
+            <a:endParaRPr/>
+          </a:p>
         </p:txBody>
       </p:sp>
       <p:sp>
         <p:nvSpPr>
           <p:cNvPr id="12" name="Google Shape;12;p25"/>
-          <p:cNvSpPr txBox="1"/>
+          <p:cNvSpPr txBox="1">
+            <a:spLocks noGrp="1"/>
+          </p:cNvSpPr>
           <p:nvPr>
-            <p:ph idx="12" type="sldNum"/>
+            <p:ph type="sldNum" idx="12"/>
           </p:nvPr>
         </p:nvSpPr>
         <p:spPr>
@@ -2052,11 +2126,11 @@
           </a:ln>
         </p:spPr>
         <p:txBody>
-          <a:bodyPr anchorCtr="0" anchor="ctr" bIns="91425" lIns="91425" spcFirstLastPara="1" rIns="91425" wrap="square" tIns="91425">
+          <a:bodyPr spcFirstLastPara="1" wrap="square" lIns="91425" tIns="91425" rIns="91425" bIns="91425" anchor="ctr" anchorCtr="0">
             <a:noAutofit/>
           </a:bodyPr>
           <a:lstStyle>
-            <a:lvl1pPr indent="0" lvl="0" marL="0" marR="0" algn="r">
+            <a:lvl1pPr marL="0" marR="0" lvl="0" indent="0" algn="r">
               <a:lnSpc>
                 <a:spcPct val="100000"/>
               </a:lnSpc>
@@ -2072,7 +2146,7 @@
               <a:buSzPts val="1000"/>
               <a:buFont typeface="Arial"/>
               <a:buNone/>
-              <a:defRPr b="0" i="0" sz="1000" u="none" cap="none" strike="noStrike">
+              <a:defRPr sz="1000" b="0" i="0" u="none" strike="noStrike" cap="none">
                 <a:solidFill>
                   <a:schemeClr val="dk2"/>
                 </a:solidFill>
@@ -2082,7 +2156,7 @@
                 <a:sym typeface="Arial"/>
               </a:defRPr>
             </a:lvl1pPr>
-            <a:lvl2pPr indent="0" lvl="1" marL="0" marR="0" algn="r">
+            <a:lvl2pPr marL="0" marR="0" lvl="1" indent="0" algn="r">
               <a:lnSpc>
                 <a:spcPct val="100000"/>
               </a:lnSpc>
@@ -2098,7 +2172,7 @@
               <a:buSzPts val="1000"/>
               <a:buFont typeface="Arial"/>
               <a:buNone/>
-              <a:defRPr b="0" i="0" sz="1000" u="none" cap="none" strike="noStrike">
+              <a:defRPr sz="1000" b="0" i="0" u="none" strike="noStrike" cap="none">
                 <a:solidFill>
                   <a:schemeClr val="dk2"/>
                 </a:solidFill>
@@ -2108,7 +2182,7 @@
                 <a:sym typeface="Arial"/>
               </a:defRPr>
             </a:lvl2pPr>
-            <a:lvl3pPr indent="0" lvl="2" marL="0" marR="0" algn="r">
+            <a:lvl3pPr marL="0" marR="0" lvl="2" indent="0" algn="r">
               <a:lnSpc>
                 <a:spcPct val="100000"/>
               </a:lnSpc>
@@ -2124,7 +2198,7 @@
               <a:buSzPts val="1000"/>
               <a:buFont typeface="Arial"/>
               <a:buNone/>
-              <a:defRPr b="0" i="0" sz="1000" u="none" cap="none" strike="noStrike">
+              <a:defRPr sz="1000" b="0" i="0" u="none" strike="noStrike" cap="none">
                 <a:solidFill>
                   <a:schemeClr val="dk2"/>
                 </a:solidFill>
@@ -2134,7 +2208,7 @@
                 <a:sym typeface="Arial"/>
               </a:defRPr>
             </a:lvl3pPr>
-            <a:lvl4pPr indent="0" lvl="3" marL="0" marR="0" algn="r">
+            <a:lvl4pPr marL="0" marR="0" lvl="3" indent="0" algn="r">
               <a:lnSpc>
                 <a:spcPct val="100000"/>
               </a:lnSpc>
@@ -2150,7 +2224,7 @@
               <a:buSzPts val="1000"/>
               <a:buFont typeface="Arial"/>
               <a:buNone/>
-              <a:defRPr b="0" i="0" sz="1000" u="none" cap="none" strike="noStrike">
+              <a:defRPr sz="1000" b="0" i="0" u="none" strike="noStrike" cap="none">
                 <a:solidFill>
                   <a:schemeClr val="dk2"/>
                 </a:solidFill>
@@ -2160,7 +2234,7 @@
                 <a:sym typeface="Arial"/>
               </a:defRPr>
             </a:lvl4pPr>
-            <a:lvl5pPr indent="0" lvl="4" marL="0" marR="0" algn="r">
+            <a:lvl5pPr marL="0" marR="0" lvl="4" indent="0" algn="r">
               <a:lnSpc>
                 <a:spcPct val="100000"/>
               </a:lnSpc>
@@ -2176,7 +2250,7 @@
               <a:buSzPts val="1000"/>
               <a:buFont typeface="Arial"/>
               <a:buNone/>
-              <a:defRPr b="0" i="0" sz="1000" u="none" cap="none" strike="noStrike">
+              <a:defRPr sz="1000" b="0" i="0" u="none" strike="noStrike" cap="none">
                 <a:solidFill>
                   <a:schemeClr val="dk2"/>
                 </a:solidFill>
@@ -2186,7 +2260,7 @@
                 <a:sym typeface="Arial"/>
               </a:defRPr>
             </a:lvl5pPr>
-            <a:lvl6pPr indent="0" lvl="5" marL="0" marR="0" algn="r">
+            <a:lvl6pPr marL="0" marR="0" lvl="5" indent="0" algn="r">
               <a:lnSpc>
                 <a:spcPct val="100000"/>
               </a:lnSpc>
@@ -2202,7 +2276,7 @@
               <a:buSzPts val="1000"/>
               <a:buFont typeface="Arial"/>
               <a:buNone/>
-              <a:defRPr b="0" i="0" sz="1000" u="none" cap="none" strike="noStrike">
+              <a:defRPr sz="1000" b="0" i="0" u="none" strike="noStrike" cap="none">
                 <a:solidFill>
                   <a:schemeClr val="dk2"/>
                 </a:solidFill>
@@ -2212,7 +2286,7 @@
                 <a:sym typeface="Arial"/>
               </a:defRPr>
             </a:lvl6pPr>
-            <a:lvl7pPr indent="0" lvl="6" marL="0" marR="0" algn="r">
+            <a:lvl7pPr marL="0" marR="0" lvl="6" indent="0" algn="r">
               <a:lnSpc>
                 <a:spcPct val="100000"/>
               </a:lnSpc>
@@ -2228,7 +2302,7 @@
               <a:buSzPts val="1000"/>
               <a:buFont typeface="Arial"/>
               <a:buNone/>
-              <a:defRPr b="0" i="0" sz="1000" u="none" cap="none" strike="noStrike">
+              <a:defRPr sz="1000" b="0" i="0" u="none" strike="noStrike" cap="none">
                 <a:solidFill>
                   <a:schemeClr val="dk2"/>
                 </a:solidFill>
@@ -2238,7 +2312,7 @@
                 <a:sym typeface="Arial"/>
               </a:defRPr>
             </a:lvl7pPr>
-            <a:lvl8pPr indent="0" lvl="7" marL="0" marR="0" algn="r">
+            <a:lvl8pPr marL="0" marR="0" lvl="7" indent="0" algn="r">
               <a:lnSpc>
                 <a:spcPct val="100000"/>
               </a:lnSpc>
@@ -2254,7 +2328,7 @@
               <a:buSzPts val="1000"/>
               <a:buFont typeface="Arial"/>
               <a:buNone/>
-              <a:defRPr b="0" i="0" sz="1000" u="none" cap="none" strike="noStrike">
+              <a:defRPr sz="1000" b="0" i="0" u="none" strike="noStrike" cap="none">
                 <a:solidFill>
                   <a:schemeClr val="dk2"/>
                 </a:solidFill>
@@ -2264,7 +2338,7 @@
                 <a:sym typeface="Arial"/>
               </a:defRPr>
             </a:lvl8pPr>
-            <a:lvl9pPr indent="0" lvl="8" marL="0" marR="0" algn="r">
+            <a:lvl9pPr marL="0" marR="0" lvl="8" indent="0" algn="r">
               <a:lnSpc>
                 <a:spcPct val="100000"/>
               </a:lnSpc>
@@ -2280,7 +2354,7 @@
               <a:buSzPts val="1000"/>
               <a:buFont typeface="Arial"/>
               <a:buNone/>
-              <a:defRPr b="0" i="0" sz="1000" u="none" cap="none" strike="noStrike">
+              <a:defRPr sz="1000" b="0" i="0" u="none" strike="noStrike" cap="none">
                 <a:solidFill>
                   <a:schemeClr val="dk2"/>
                 </a:solidFill>
@@ -2292,7 +2366,7 @@
             </a:lvl9pPr>
           </a:lstStyle>
           <a:p>
-            <a:pPr indent="0" lvl="0" marL="0" rtl="0" algn="r">
+            <a:pPr marL="0" lvl="0" indent="0" algn="r" rtl="0">
               <a:spcBef>
                 <a:spcPts val="0"/>
               </a:spcBef>
@@ -2303,7 +2377,7 @@
             </a:pPr>
             <a:fld id="{00000000-1234-1234-1234-123412341234}" type="slidenum">
               <a:rPr lang="en-US"/>
-              <a:t>‹#›</a:t>
+              <a:t>‹nº›</a:t>
             </a:fld>
             <a:endParaRPr/>
           </a:p>
@@ -2318,11 +2392,11 @@
 </file>
 
 <file path=ppt/slideLayouts/slideLayout2.xml><?xml version="1.0" encoding="utf-8"?>
-<p:sldLayout xmlns:a="http://schemas.openxmlformats.org/drawingml/2006/main" xmlns:r="http://schemas.openxmlformats.org/officeDocument/2006/relationships" xmlns:mc="http://schemas.openxmlformats.org/markup-compatibility/2006" xmlns:mv="urn:schemas-microsoft-com:mac:vml" xmlns:p="http://schemas.openxmlformats.org/presentationml/2006/main" xmlns:c="http://schemas.openxmlformats.org/drawingml/2006/chart" xmlns:dgm="http://schemas.openxmlformats.org/drawingml/2006/diagram" xmlns:o="urn:schemas-microsoft-com:office:office" xmlns:v="urn:schemas-microsoft-com:vml" xmlns:pvml="urn:schemas-microsoft-com:office:powerpoint" xmlns:com="http://schemas.openxmlformats.org/drawingml/2006/compatibility" xmlns:p14="http://schemas.microsoft.com/office/powerpoint/2010/main" xmlns:p15="http://schemas.microsoft.com/office/powerpoint/2012/main" xmlns:ahyp="http://schemas.microsoft.com/office/drawing/2018/hyperlinkcolor" matchingName="Main point">
+<p:sldLayout xmlns:a="http://schemas.openxmlformats.org/drawingml/2006/main" xmlns:r="http://schemas.openxmlformats.org/officeDocument/2006/relationships" xmlns:p="http://schemas.openxmlformats.org/presentationml/2006/main" matchingName="Main point">
   <p:cSld name="MAIN_POINT">
     <p:spTree>
       <p:nvGrpSpPr>
-        <p:cNvPr id="13" name="Shape 13"/>
+        <p:cNvPr id="1" name="Shape 13"/>
         <p:cNvGrpSpPr/>
         <p:nvPr/>
       </p:nvGrpSpPr>
@@ -2337,7 +2411,9 @@
       <p:sp>
         <p:nvSpPr>
           <p:cNvPr id="14" name="Google Shape;14;p28"/>
-          <p:cNvSpPr txBox="1"/>
+          <p:cNvSpPr txBox="1">
+            <a:spLocks noGrp="1"/>
+          </p:cNvSpPr>
           <p:nvPr>
             <p:ph type="title"/>
           </p:nvPr>
@@ -2356,7 +2432,7 @@
           </a:ln>
         </p:spPr>
         <p:txBody>
-          <a:bodyPr anchorCtr="0" anchor="ctr" bIns="91425" lIns="91425" spcFirstLastPara="1" rIns="91425" wrap="square" tIns="91425">
+          <a:bodyPr spcFirstLastPara="1" wrap="square" lIns="91425" tIns="91425" rIns="91425" bIns="91425" anchor="ctr" anchorCtr="0">
             <a:noAutofit/>
           </a:bodyPr>
           <a:lstStyle>
@@ -2487,15 +2563,19 @@
               <a:defRPr sz="4800"/>
             </a:lvl9pPr>
           </a:lstStyle>
-          <a:p/>
+          <a:p>
+            <a:endParaRPr/>
+          </a:p>
         </p:txBody>
       </p:sp>
       <p:sp>
         <p:nvSpPr>
           <p:cNvPr id="15" name="Google Shape;15;p28"/>
-          <p:cNvSpPr txBox="1"/>
+          <p:cNvSpPr txBox="1">
+            <a:spLocks noGrp="1"/>
+          </p:cNvSpPr>
           <p:nvPr>
-            <p:ph idx="12" type="sldNum"/>
+            <p:ph type="sldNum" idx="12"/>
           </p:nvPr>
         </p:nvSpPr>
         <p:spPr>
@@ -2512,11 +2592,11 @@
           </a:ln>
         </p:spPr>
         <p:txBody>
-          <a:bodyPr anchorCtr="0" anchor="ctr" bIns="91425" lIns="91425" spcFirstLastPara="1" rIns="91425" wrap="square" tIns="91425">
+          <a:bodyPr spcFirstLastPara="1" wrap="square" lIns="91425" tIns="91425" rIns="91425" bIns="91425" anchor="ctr" anchorCtr="0">
             <a:noAutofit/>
           </a:bodyPr>
           <a:lstStyle>
-            <a:lvl1pPr indent="0" lvl="0" marL="0" marR="0" algn="r">
+            <a:lvl1pPr marL="0" marR="0" lvl="0" indent="0" algn="r">
               <a:lnSpc>
                 <a:spcPct val="100000"/>
               </a:lnSpc>
@@ -2532,7 +2612,7 @@
               <a:buSzPts val="1000"/>
               <a:buFont typeface="Arial"/>
               <a:buNone/>
-              <a:defRPr b="0" i="0" sz="1000" u="none" cap="none" strike="noStrike">
+              <a:defRPr sz="1000" b="0" i="0" u="none" strike="noStrike" cap="none">
                 <a:solidFill>
                   <a:schemeClr val="dk2"/>
                 </a:solidFill>
@@ -2542,7 +2622,7 @@
                 <a:sym typeface="Arial"/>
               </a:defRPr>
             </a:lvl1pPr>
-            <a:lvl2pPr indent="0" lvl="1" marL="0" marR="0" algn="r">
+            <a:lvl2pPr marL="0" marR="0" lvl="1" indent="0" algn="r">
               <a:lnSpc>
                 <a:spcPct val="100000"/>
               </a:lnSpc>
@@ -2558,7 +2638,7 @@
               <a:buSzPts val="1000"/>
               <a:buFont typeface="Arial"/>
               <a:buNone/>
-              <a:defRPr b="0" i="0" sz="1000" u="none" cap="none" strike="noStrike">
+              <a:defRPr sz="1000" b="0" i="0" u="none" strike="noStrike" cap="none">
                 <a:solidFill>
                   <a:schemeClr val="dk2"/>
                 </a:solidFill>
@@ -2568,7 +2648,7 @@
                 <a:sym typeface="Arial"/>
               </a:defRPr>
             </a:lvl2pPr>
-            <a:lvl3pPr indent="0" lvl="2" marL="0" marR="0" algn="r">
+            <a:lvl3pPr marL="0" marR="0" lvl="2" indent="0" algn="r">
               <a:lnSpc>
                 <a:spcPct val="100000"/>
               </a:lnSpc>
@@ -2584,7 +2664,7 @@
               <a:buSzPts val="1000"/>
               <a:buFont typeface="Arial"/>
               <a:buNone/>
-              <a:defRPr b="0" i="0" sz="1000" u="none" cap="none" strike="noStrike">
+              <a:defRPr sz="1000" b="0" i="0" u="none" strike="noStrike" cap="none">
                 <a:solidFill>
                   <a:schemeClr val="dk2"/>
                 </a:solidFill>
@@ -2594,7 +2674,7 @@
                 <a:sym typeface="Arial"/>
               </a:defRPr>
             </a:lvl3pPr>
-            <a:lvl4pPr indent="0" lvl="3" marL="0" marR="0" algn="r">
+            <a:lvl4pPr marL="0" marR="0" lvl="3" indent="0" algn="r">
               <a:lnSpc>
                 <a:spcPct val="100000"/>
               </a:lnSpc>
@@ -2610,7 +2690,7 @@
               <a:buSzPts val="1000"/>
               <a:buFont typeface="Arial"/>
               <a:buNone/>
-              <a:defRPr b="0" i="0" sz="1000" u="none" cap="none" strike="noStrike">
+              <a:defRPr sz="1000" b="0" i="0" u="none" strike="noStrike" cap="none">
                 <a:solidFill>
                   <a:schemeClr val="dk2"/>
                 </a:solidFill>
@@ -2620,7 +2700,7 @@
                 <a:sym typeface="Arial"/>
               </a:defRPr>
             </a:lvl4pPr>
-            <a:lvl5pPr indent="0" lvl="4" marL="0" marR="0" algn="r">
+            <a:lvl5pPr marL="0" marR="0" lvl="4" indent="0" algn="r">
               <a:lnSpc>
                 <a:spcPct val="100000"/>
               </a:lnSpc>
@@ -2636,7 +2716,7 @@
               <a:buSzPts val="1000"/>
               <a:buFont typeface="Arial"/>
               <a:buNone/>
-              <a:defRPr b="0" i="0" sz="1000" u="none" cap="none" strike="noStrike">
+              <a:defRPr sz="1000" b="0" i="0" u="none" strike="noStrike" cap="none">
                 <a:solidFill>
                   <a:schemeClr val="dk2"/>
                 </a:solidFill>
@@ -2646,7 +2726,7 @@
                 <a:sym typeface="Arial"/>
               </a:defRPr>
             </a:lvl5pPr>
-            <a:lvl6pPr indent="0" lvl="5" marL="0" marR="0" algn="r">
+            <a:lvl6pPr marL="0" marR="0" lvl="5" indent="0" algn="r">
               <a:lnSpc>
                 <a:spcPct val="100000"/>
               </a:lnSpc>
@@ -2662,7 +2742,7 @@
               <a:buSzPts val="1000"/>
               <a:buFont typeface="Arial"/>
               <a:buNone/>
-              <a:defRPr b="0" i="0" sz="1000" u="none" cap="none" strike="noStrike">
+              <a:defRPr sz="1000" b="0" i="0" u="none" strike="noStrike" cap="none">
                 <a:solidFill>
                   <a:schemeClr val="dk2"/>
                 </a:solidFill>
@@ -2672,7 +2752,7 @@
                 <a:sym typeface="Arial"/>
               </a:defRPr>
             </a:lvl6pPr>
-            <a:lvl7pPr indent="0" lvl="6" marL="0" marR="0" algn="r">
+            <a:lvl7pPr marL="0" marR="0" lvl="6" indent="0" algn="r">
               <a:lnSpc>
                 <a:spcPct val="100000"/>
               </a:lnSpc>
@@ -2688,7 +2768,7 @@
               <a:buSzPts val="1000"/>
               <a:buFont typeface="Arial"/>
               <a:buNone/>
-              <a:defRPr b="0" i="0" sz="1000" u="none" cap="none" strike="noStrike">
+              <a:defRPr sz="1000" b="0" i="0" u="none" strike="noStrike" cap="none">
                 <a:solidFill>
                   <a:schemeClr val="dk2"/>
                 </a:solidFill>
@@ -2698,7 +2778,7 @@
                 <a:sym typeface="Arial"/>
               </a:defRPr>
             </a:lvl7pPr>
-            <a:lvl8pPr indent="0" lvl="7" marL="0" marR="0" algn="r">
+            <a:lvl8pPr marL="0" marR="0" lvl="7" indent="0" algn="r">
               <a:lnSpc>
                 <a:spcPct val="100000"/>
               </a:lnSpc>
@@ -2714,7 +2794,7 @@
               <a:buSzPts val="1000"/>
               <a:buFont typeface="Arial"/>
               <a:buNone/>
-              <a:defRPr b="0" i="0" sz="1000" u="none" cap="none" strike="noStrike">
+              <a:defRPr sz="1000" b="0" i="0" u="none" strike="noStrike" cap="none">
                 <a:solidFill>
                   <a:schemeClr val="dk2"/>
                 </a:solidFill>
@@ -2724,7 +2804,7 @@
                 <a:sym typeface="Arial"/>
               </a:defRPr>
             </a:lvl8pPr>
-            <a:lvl9pPr indent="0" lvl="8" marL="0" marR="0" algn="r">
+            <a:lvl9pPr marL="0" marR="0" lvl="8" indent="0" algn="r">
               <a:lnSpc>
                 <a:spcPct val="100000"/>
               </a:lnSpc>
@@ -2740,7 +2820,7 @@
               <a:buSzPts val="1000"/>
               <a:buFont typeface="Arial"/>
               <a:buNone/>
-              <a:defRPr b="0" i="0" sz="1000" u="none" cap="none" strike="noStrike">
+              <a:defRPr sz="1000" b="0" i="0" u="none" strike="noStrike" cap="none">
                 <a:solidFill>
                   <a:schemeClr val="dk2"/>
                 </a:solidFill>
@@ -2752,7 +2832,7 @@
             </a:lvl9pPr>
           </a:lstStyle>
           <a:p>
-            <a:pPr indent="0" lvl="0" marL="0" rtl="0" algn="r">
+            <a:pPr marL="0" lvl="0" indent="0" algn="r" rtl="0">
               <a:spcBef>
                 <a:spcPts val="0"/>
               </a:spcBef>
@@ -2763,7 +2843,7 @@
             </a:pPr>
             <a:fld id="{00000000-1234-1234-1234-123412341234}" type="slidenum">
               <a:rPr lang="en-US"/>
-              <a:t>‹#›</a:t>
+              <a:t>‹nº›</a:t>
             </a:fld>
             <a:endParaRPr/>
           </a:p>
@@ -2778,11 +2858,11 @@
 </file>
 
 <file path=ppt/slideLayouts/slideLayout3.xml><?xml version="1.0" encoding="utf-8"?>
-<p:sldLayout xmlns:a="http://schemas.openxmlformats.org/drawingml/2006/main" xmlns:r="http://schemas.openxmlformats.org/officeDocument/2006/relationships" xmlns:mc="http://schemas.openxmlformats.org/markup-compatibility/2006" xmlns:mv="urn:schemas-microsoft-com:mac:vml" xmlns:p="http://schemas.openxmlformats.org/presentationml/2006/main" xmlns:c="http://schemas.openxmlformats.org/drawingml/2006/chart" xmlns:dgm="http://schemas.openxmlformats.org/drawingml/2006/diagram" xmlns:o="urn:schemas-microsoft-com:office:office" xmlns:v="urn:schemas-microsoft-com:vml" xmlns:pvml="urn:schemas-microsoft-com:office:powerpoint" xmlns:com="http://schemas.openxmlformats.org/drawingml/2006/compatibility" xmlns:p14="http://schemas.microsoft.com/office/powerpoint/2010/main" xmlns:p15="http://schemas.microsoft.com/office/powerpoint/2012/main" xmlns:ahyp="http://schemas.microsoft.com/office/drawing/2018/hyperlinkcolor" matchingName="Section title and description">
+<p:sldLayout xmlns:a="http://schemas.openxmlformats.org/drawingml/2006/main" xmlns:r="http://schemas.openxmlformats.org/officeDocument/2006/relationships" xmlns:p="http://schemas.openxmlformats.org/presentationml/2006/main" matchingName="Section title and description">
   <p:cSld name="SECTION_TITLE_AND_DESCRIPTION">
     <p:spTree>
       <p:nvGrpSpPr>
-        <p:cNvPr id="16" name="Shape 16"/>
+        <p:cNvPr id="1" name="Shape 16"/>
         <p:cNvGrpSpPr/>
         <p:nvPr/>
       </p:nvGrpSpPr>
@@ -2816,12 +2896,12 @@
           </a:ln>
         </p:spPr>
         <p:txBody>
-          <a:bodyPr anchorCtr="0" anchor="ctr" bIns="91425" lIns="91425" spcFirstLastPara="1" rIns="91425" wrap="square" tIns="91425">
+          <a:bodyPr spcFirstLastPara="1" wrap="square" lIns="91425" tIns="91425" rIns="91425" bIns="91425" anchor="ctr" anchorCtr="0">
             <a:noAutofit/>
           </a:bodyPr>
           <a:lstStyle/>
           <a:p>
-            <a:pPr indent="0" lvl="0" marL="0" marR="0" rtl="0" algn="l">
+            <a:pPr marL="0" marR="0" lvl="0" indent="0" algn="l" rtl="0">
               <a:lnSpc>
                 <a:spcPct val="100000"/>
               </a:lnSpc>
@@ -2838,10 +2918,7 @@
               <a:buFont typeface="Arial"/>
               <a:buNone/>
             </a:pPr>
-            <a:r>
-              <a:t/>
-            </a:r>
-            <a:endParaRPr b="0" i="0" sz="1400" u="none" cap="none" strike="noStrike">
+            <a:endParaRPr sz="1400" b="0" i="0" u="none" strike="noStrike" cap="none">
               <a:solidFill>
                 <a:srgbClr val="000000"/>
               </a:solidFill>
@@ -2856,7 +2933,9 @@
       <p:sp>
         <p:nvSpPr>
           <p:cNvPr id="18" name="Google Shape;18;p29"/>
-          <p:cNvSpPr txBox="1"/>
+          <p:cNvSpPr txBox="1">
+            <a:spLocks noGrp="1"/>
+          </p:cNvSpPr>
           <p:nvPr>
             <p:ph type="title"/>
           </p:nvPr>
@@ -2875,7 +2954,7 @@
           </a:ln>
         </p:spPr>
         <p:txBody>
-          <a:bodyPr anchorCtr="0" anchor="b" bIns="91425" lIns="91425" spcFirstLastPara="1" rIns="91425" wrap="square" tIns="91425">
+          <a:bodyPr spcFirstLastPara="1" wrap="square" lIns="91425" tIns="91425" rIns="91425" bIns="91425" anchor="b" anchorCtr="0">
             <a:noAutofit/>
           </a:bodyPr>
           <a:lstStyle>
@@ -3006,15 +3085,19 @@
               <a:defRPr sz="4200"/>
             </a:lvl9pPr>
           </a:lstStyle>
-          <a:p/>
+          <a:p>
+            <a:endParaRPr/>
+          </a:p>
         </p:txBody>
       </p:sp>
       <p:sp>
         <p:nvSpPr>
           <p:cNvPr id="19" name="Google Shape;19;p29"/>
-          <p:cNvSpPr txBox="1"/>
+          <p:cNvSpPr txBox="1">
+            <a:spLocks noGrp="1"/>
+          </p:cNvSpPr>
           <p:nvPr>
-            <p:ph idx="1" type="subTitle"/>
+            <p:ph type="subTitle" idx="1"/>
           </p:nvPr>
         </p:nvSpPr>
         <p:spPr>
@@ -3031,7 +3114,7 @@
           </a:ln>
         </p:spPr>
         <p:txBody>
-          <a:bodyPr anchorCtr="0" anchor="t" bIns="91425" lIns="91425" spcFirstLastPara="1" rIns="91425" wrap="square" tIns="91425">
+          <a:bodyPr spcFirstLastPara="1" wrap="square" lIns="91425" tIns="91425" rIns="91425" bIns="91425" anchor="t" anchorCtr="0">
             <a:noAutofit/>
           </a:bodyPr>
           <a:lstStyle>
@@ -3162,15 +3245,19 @@
               <a:defRPr sz="2100"/>
             </a:lvl9pPr>
           </a:lstStyle>
-          <a:p/>
+          <a:p>
+            <a:endParaRPr/>
+          </a:p>
         </p:txBody>
       </p:sp>
       <p:sp>
         <p:nvSpPr>
           <p:cNvPr id="20" name="Google Shape;20;p29"/>
-          <p:cNvSpPr txBox="1"/>
+          <p:cNvSpPr txBox="1">
+            <a:spLocks noGrp="1"/>
+          </p:cNvSpPr>
           <p:nvPr>
-            <p:ph idx="2" type="body"/>
+            <p:ph type="body" idx="2"/>
           </p:nvPr>
         </p:nvSpPr>
         <p:spPr>
@@ -3187,11 +3274,11 @@
           </a:ln>
         </p:spPr>
         <p:txBody>
-          <a:bodyPr anchorCtr="0" anchor="ctr" bIns="91425" lIns="91425" spcFirstLastPara="1" rIns="91425" wrap="square" tIns="91425">
+          <a:bodyPr spcFirstLastPara="1" wrap="square" lIns="91425" tIns="91425" rIns="91425" bIns="91425" anchor="ctr" anchorCtr="0">
             <a:noAutofit/>
           </a:bodyPr>
           <a:lstStyle>
-            <a:lvl1pPr indent="-342900" lvl="0" marL="457200" algn="l">
+            <a:lvl1pPr marL="457200" lvl="0" indent="-342900" algn="l">
               <a:lnSpc>
                 <a:spcPct val="115000"/>
               </a:lnSpc>
@@ -3205,7 +3292,7 @@
               <a:buChar char="●"/>
               <a:defRPr/>
             </a:lvl1pPr>
-            <a:lvl2pPr indent="-317500" lvl="1" marL="914400" algn="l">
+            <a:lvl2pPr marL="914400" lvl="1" indent="-317500" algn="l">
               <a:lnSpc>
                 <a:spcPct val="115000"/>
               </a:lnSpc>
@@ -3219,7 +3306,7 @@
               <a:buChar char="○"/>
               <a:defRPr/>
             </a:lvl2pPr>
-            <a:lvl3pPr indent="-317500" lvl="2" marL="1371600" algn="l">
+            <a:lvl3pPr marL="1371600" lvl="2" indent="-317500" algn="l">
               <a:lnSpc>
                 <a:spcPct val="115000"/>
               </a:lnSpc>
@@ -3233,7 +3320,7 @@
               <a:buChar char="■"/>
               <a:defRPr/>
             </a:lvl3pPr>
-            <a:lvl4pPr indent="-317500" lvl="3" marL="1828800" algn="l">
+            <a:lvl4pPr marL="1828800" lvl="3" indent="-317500" algn="l">
               <a:lnSpc>
                 <a:spcPct val="115000"/>
               </a:lnSpc>
@@ -3247,7 +3334,7 @@
               <a:buChar char="●"/>
               <a:defRPr/>
             </a:lvl4pPr>
-            <a:lvl5pPr indent="-317500" lvl="4" marL="2286000" algn="l">
+            <a:lvl5pPr marL="2286000" lvl="4" indent="-317500" algn="l">
               <a:lnSpc>
                 <a:spcPct val="115000"/>
               </a:lnSpc>
@@ -3261,7 +3348,7 @@
               <a:buChar char="○"/>
               <a:defRPr/>
             </a:lvl5pPr>
-            <a:lvl6pPr indent="-317500" lvl="5" marL="2743200" algn="l">
+            <a:lvl6pPr marL="2743200" lvl="5" indent="-317500" algn="l">
               <a:lnSpc>
                 <a:spcPct val="115000"/>
               </a:lnSpc>
@@ -3275,7 +3362,7 @@
               <a:buChar char="■"/>
               <a:defRPr/>
             </a:lvl6pPr>
-            <a:lvl7pPr indent="-317500" lvl="6" marL="3200400" algn="l">
+            <a:lvl7pPr marL="3200400" lvl="6" indent="-317500" algn="l">
               <a:lnSpc>
                 <a:spcPct val="115000"/>
               </a:lnSpc>
@@ -3289,7 +3376,7 @@
               <a:buChar char="●"/>
               <a:defRPr/>
             </a:lvl7pPr>
-            <a:lvl8pPr indent="-317500" lvl="7" marL="3657600" algn="l">
+            <a:lvl8pPr marL="3657600" lvl="7" indent="-317500" algn="l">
               <a:lnSpc>
                 <a:spcPct val="115000"/>
               </a:lnSpc>
@@ -3303,7 +3390,7 @@
               <a:buChar char="○"/>
               <a:defRPr/>
             </a:lvl8pPr>
-            <a:lvl9pPr indent="-317500" lvl="8" marL="4114800" algn="l">
+            <a:lvl9pPr marL="4114800" lvl="8" indent="-317500" algn="l">
               <a:lnSpc>
                 <a:spcPct val="115000"/>
               </a:lnSpc>
@@ -3318,15 +3405,19 @@
               <a:defRPr/>
             </a:lvl9pPr>
           </a:lstStyle>
-          <a:p/>
+          <a:p>
+            <a:endParaRPr/>
+          </a:p>
         </p:txBody>
       </p:sp>
       <p:sp>
         <p:nvSpPr>
           <p:cNvPr id="21" name="Google Shape;21;p29"/>
-          <p:cNvSpPr txBox="1"/>
+          <p:cNvSpPr txBox="1">
+            <a:spLocks noGrp="1"/>
+          </p:cNvSpPr>
           <p:nvPr>
-            <p:ph idx="12" type="sldNum"/>
+            <p:ph type="sldNum" idx="12"/>
           </p:nvPr>
         </p:nvSpPr>
         <p:spPr>
@@ -3343,11 +3434,11 @@
           </a:ln>
         </p:spPr>
         <p:txBody>
-          <a:bodyPr anchorCtr="0" anchor="ctr" bIns="91425" lIns="91425" spcFirstLastPara="1" rIns="91425" wrap="square" tIns="91425">
+          <a:bodyPr spcFirstLastPara="1" wrap="square" lIns="91425" tIns="91425" rIns="91425" bIns="91425" anchor="ctr" anchorCtr="0">
             <a:noAutofit/>
           </a:bodyPr>
           <a:lstStyle>
-            <a:lvl1pPr indent="0" lvl="0" marL="0" marR="0" algn="r">
+            <a:lvl1pPr marL="0" marR="0" lvl="0" indent="0" algn="r">
               <a:lnSpc>
                 <a:spcPct val="100000"/>
               </a:lnSpc>
@@ -3363,7 +3454,7 @@
               <a:buSzPts val="1000"/>
               <a:buFont typeface="Arial"/>
               <a:buNone/>
-              <a:defRPr b="0" i="0" sz="1000" u="none" cap="none" strike="noStrike">
+              <a:defRPr sz="1000" b="0" i="0" u="none" strike="noStrike" cap="none">
                 <a:solidFill>
                   <a:schemeClr val="dk2"/>
                 </a:solidFill>
@@ -3373,7 +3464,7 @@
                 <a:sym typeface="Arial"/>
               </a:defRPr>
             </a:lvl1pPr>
-            <a:lvl2pPr indent="0" lvl="1" marL="0" marR="0" algn="r">
+            <a:lvl2pPr marL="0" marR="0" lvl="1" indent="0" algn="r">
               <a:lnSpc>
                 <a:spcPct val="100000"/>
               </a:lnSpc>
@@ -3389,7 +3480,7 @@
               <a:buSzPts val="1000"/>
               <a:buFont typeface="Arial"/>
               <a:buNone/>
-              <a:defRPr b="0" i="0" sz="1000" u="none" cap="none" strike="noStrike">
+              <a:defRPr sz="1000" b="0" i="0" u="none" strike="noStrike" cap="none">
                 <a:solidFill>
                   <a:schemeClr val="dk2"/>
                 </a:solidFill>
@@ -3399,7 +3490,7 @@
                 <a:sym typeface="Arial"/>
               </a:defRPr>
             </a:lvl2pPr>
-            <a:lvl3pPr indent="0" lvl="2" marL="0" marR="0" algn="r">
+            <a:lvl3pPr marL="0" marR="0" lvl="2" indent="0" algn="r">
               <a:lnSpc>
                 <a:spcPct val="100000"/>
               </a:lnSpc>
@@ -3415,7 +3506,7 @@
               <a:buSzPts val="1000"/>
               <a:buFont typeface="Arial"/>
               <a:buNone/>
-              <a:defRPr b="0" i="0" sz="1000" u="none" cap="none" strike="noStrike">
+              <a:defRPr sz="1000" b="0" i="0" u="none" strike="noStrike" cap="none">
                 <a:solidFill>
                   <a:schemeClr val="dk2"/>
                 </a:solidFill>
@@ -3425,7 +3516,7 @@
                 <a:sym typeface="Arial"/>
               </a:defRPr>
             </a:lvl3pPr>
-            <a:lvl4pPr indent="0" lvl="3" marL="0" marR="0" algn="r">
+            <a:lvl4pPr marL="0" marR="0" lvl="3" indent="0" algn="r">
               <a:lnSpc>
                 <a:spcPct val="100000"/>
               </a:lnSpc>
@@ -3441,7 +3532,7 @@
               <a:buSzPts val="1000"/>
               <a:buFont typeface="Arial"/>
               <a:buNone/>
-              <a:defRPr b="0" i="0" sz="1000" u="none" cap="none" strike="noStrike">
+              <a:defRPr sz="1000" b="0" i="0" u="none" strike="noStrike" cap="none">
                 <a:solidFill>
                   <a:schemeClr val="dk2"/>
                 </a:solidFill>
@@ -3451,7 +3542,7 @@
                 <a:sym typeface="Arial"/>
               </a:defRPr>
             </a:lvl4pPr>
-            <a:lvl5pPr indent="0" lvl="4" marL="0" marR="0" algn="r">
+            <a:lvl5pPr marL="0" marR="0" lvl="4" indent="0" algn="r">
               <a:lnSpc>
                 <a:spcPct val="100000"/>
               </a:lnSpc>
@@ -3467,7 +3558,7 @@
               <a:buSzPts val="1000"/>
               <a:buFont typeface="Arial"/>
               <a:buNone/>
-              <a:defRPr b="0" i="0" sz="1000" u="none" cap="none" strike="noStrike">
+              <a:defRPr sz="1000" b="0" i="0" u="none" strike="noStrike" cap="none">
                 <a:solidFill>
                   <a:schemeClr val="dk2"/>
                 </a:solidFill>
@@ -3477,7 +3568,7 @@
                 <a:sym typeface="Arial"/>
               </a:defRPr>
             </a:lvl5pPr>
-            <a:lvl6pPr indent="0" lvl="5" marL="0" marR="0" algn="r">
+            <a:lvl6pPr marL="0" marR="0" lvl="5" indent="0" algn="r">
               <a:lnSpc>
                 <a:spcPct val="100000"/>
               </a:lnSpc>
@@ -3493,7 +3584,7 @@
               <a:buSzPts val="1000"/>
               <a:buFont typeface="Arial"/>
               <a:buNone/>
-              <a:defRPr b="0" i="0" sz="1000" u="none" cap="none" strike="noStrike">
+              <a:defRPr sz="1000" b="0" i="0" u="none" strike="noStrike" cap="none">
                 <a:solidFill>
                   <a:schemeClr val="dk2"/>
                 </a:solidFill>
@@ -3503,7 +3594,7 @@
                 <a:sym typeface="Arial"/>
               </a:defRPr>
             </a:lvl6pPr>
-            <a:lvl7pPr indent="0" lvl="6" marL="0" marR="0" algn="r">
+            <a:lvl7pPr marL="0" marR="0" lvl="6" indent="0" algn="r">
               <a:lnSpc>
                 <a:spcPct val="100000"/>
               </a:lnSpc>
@@ -3519,7 +3610,7 @@
               <a:buSzPts val="1000"/>
               <a:buFont typeface="Arial"/>
               <a:buNone/>
-              <a:defRPr b="0" i="0" sz="1000" u="none" cap="none" strike="noStrike">
+              <a:defRPr sz="1000" b="0" i="0" u="none" strike="noStrike" cap="none">
                 <a:solidFill>
                   <a:schemeClr val="dk2"/>
                 </a:solidFill>
@@ -3529,7 +3620,7 @@
                 <a:sym typeface="Arial"/>
               </a:defRPr>
             </a:lvl7pPr>
-            <a:lvl8pPr indent="0" lvl="7" marL="0" marR="0" algn="r">
+            <a:lvl8pPr marL="0" marR="0" lvl="7" indent="0" algn="r">
               <a:lnSpc>
                 <a:spcPct val="100000"/>
               </a:lnSpc>
@@ -3545,7 +3636,7 @@
               <a:buSzPts val="1000"/>
               <a:buFont typeface="Arial"/>
               <a:buNone/>
-              <a:defRPr b="0" i="0" sz="1000" u="none" cap="none" strike="noStrike">
+              <a:defRPr sz="1000" b="0" i="0" u="none" strike="noStrike" cap="none">
                 <a:solidFill>
                   <a:schemeClr val="dk2"/>
                 </a:solidFill>
@@ -3555,7 +3646,7 @@
                 <a:sym typeface="Arial"/>
               </a:defRPr>
             </a:lvl8pPr>
-            <a:lvl9pPr indent="0" lvl="8" marL="0" marR="0" algn="r">
+            <a:lvl9pPr marL="0" marR="0" lvl="8" indent="0" algn="r">
               <a:lnSpc>
                 <a:spcPct val="100000"/>
               </a:lnSpc>
@@ -3571,7 +3662,7 @@
               <a:buSzPts val="1000"/>
               <a:buFont typeface="Arial"/>
               <a:buNone/>
-              <a:defRPr b="0" i="0" sz="1000" u="none" cap="none" strike="noStrike">
+              <a:defRPr sz="1000" b="0" i="0" u="none" strike="noStrike" cap="none">
                 <a:solidFill>
                   <a:schemeClr val="dk2"/>
                 </a:solidFill>
@@ -3583,7 +3674,7 @@
             </a:lvl9pPr>
           </a:lstStyle>
           <a:p>
-            <a:pPr indent="0" lvl="0" marL="0" rtl="0" algn="r">
+            <a:pPr marL="0" lvl="0" indent="0" algn="r" rtl="0">
               <a:spcBef>
                 <a:spcPts val="0"/>
               </a:spcBef>
@@ -3594,7 +3685,7 @@
             </a:pPr>
             <a:fld id="{00000000-1234-1234-1234-123412341234}" type="slidenum">
               <a:rPr lang="en-US"/>
-              <a:t>‹#›</a:t>
+              <a:t>‹nº›</a:t>
             </a:fld>
             <a:endParaRPr/>
           </a:p>
@@ -3609,11 +3700,11 @@
 </file>
 
 <file path=ppt/slideLayouts/slideLayout4.xml><?xml version="1.0" encoding="utf-8"?>
-<p:sldLayout xmlns:a="http://schemas.openxmlformats.org/drawingml/2006/main" xmlns:r="http://schemas.openxmlformats.org/officeDocument/2006/relationships" xmlns:mc="http://schemas.openxmlformats.org/markup-compatibility/2006" xmlns:mv="urn:schemas-microsoft-com:mac:vml" xmlns:p="http://schemas.openxmlformats.org/presentationml/2006/main" xmlns:c="http://schemas.openxmlformats.org/drawingml/2006/chart" xmlns:dgm="http://schemas.openxmlformats.org/drawingml/2006/diagram" xmlns:o="urn:schemas-microsoft-com:office:office" xmlns:v="urn:schemas-microsoft-com:vml" xmlns:pvml="urn:schemas-microsoft-com:office:powerpoint" xmlns:com="http://schemas.openxmlformats.org/drawingml/2006/compatibility" xmlns:p14="http://schemas.microsoft.com/office/powerpoint/2010/main" xmlns:p15="http://schemas.microsoft.com/office/powerpoint/2012/main" xmlns:ahyp="http://schemas.microsoft.com/office/drawing/2018/hyperlinkcolor" matchingName="Caption">
+<p:sldLayout xmlns:a="http://schemas.openxmlformats.org/drawingml/2006/main" xmlns:r="http://schemas.openxmlformats.org/officeDocument/2006/relationships" xmlns:p="http://schemas.openxmlformats.org/presentationml/2006/main" matchingName="Caption">
   <p:cSld name="CAPTION_ONLY">
     <p:spTree>
       <p:nvGrpSpPr>
-        <p:cNvPr id="22" name="Shape 22"/>
+        <p:cNvPr id="1" name="Shape 22"/>
         <p:cNvGrpSpPr/>
         <p:nvPr/>
       </p:nvGrpSpPr>
@@ -3628,9 +3719,11 @@
       <p:sp>
         <p:nvSpPr>
           <p:cNvPr id="23" name="Google Shape;23;p30"/>
-          <p:cNvSpPr txBox="1"/>
+          <p:cNvSpPr txBox="1">
+            <a:spLocks noGrp="1"/>
+          </p:cNvSpPr>
           <p:nvPr>
-            <p:ph idx="1" type="body"/>
+            <p:ph type="body" idx="1"/>
           </p:nvPr>
         </p:nvSpPr>
         <p:spPr>
@@ -3647,11 +3740,11 @@
           </a:ln>
         </p:spPr>
         <p:txBody>
-          <a:bodyPr anchorCtr="0" anchor="ctr" bIns="91425" lIns="91425" spcFirstLastPara="1" rIns="91425" wrap="square" tIns="91425">
+          <a:bodyPr spcFirstLastPara="1" wrap="square" lIns="91425" tIns="91425" rIns="91425" bIns="91425" anchor="ctr" anchorCtr="0">
             <a:noAutofit/>
           </a:bodyPr>
           <a:lstStyle>
-            <a:lvl1pPr indent="-228600" lvl="0" marL="457200" algn="l">
+            <a:lvl1pPr marL="457200" lvl="0" indent="-228600" algn="l">
               <a:lnSpc>
                 <a:spcPct val="100000"/>
               </a:lnSpc>
@@ -3666,15 +3759,19 @@
               <a:defRPr/>
             </a:lvl1pPr>
           </a:lstStyle>
-          <a:p/>
+          <a:p>
+            <a:endParaRPr/>
+          </a:p>
         </p:txBody>
       </p:sp>
       <p:sp>
         <p:nvSpPr>
           <p:cNvPr id="24" name="Google Shape;24;p30"/>
-          <p:cNvSpPr txBox="1"/>
+          <p:cNvSpPr txBox="1">
+            <a:spLocks noGrp="1"/>
+          </p:cNvSpPr>
           <p:nvPr>
-            <p:ph idx="12" type="sldNum"/>
+            <p:ph type="sldNum" idx="12"/>
           </p:nvPr>
         </p:nvSpPr>
         <p:spPr>
@@ -3691,11 +3788,11 @@
           </a:ln>
         </p:spPr>
         <p:txBody>
-          <a:bodyPr anchorCtr="0" anchor="ctr" bIns="91425" lIns="91425" spcFirstLastPara="1" rIns="91425" wrap="square" tIns="91425">
+          <a:bodyPr spcFirstLastPara="1" wrap="square" lIns="91425" tIns="91425" rIns="91425" bIns="91425" anchor="ctr" anchorCtr="0">
             <a:noAutofit/>
           </a:bodyPr>
           <a:lstStyle>
-            <a:lvl1pPr indent="0" lvl="0" marL="0" marR="0" algn="r">
+            <a:lvl1pPr marL="0" marR="0" lvl="0" indent="0" algn="r">
               <a:lnSpc>
                 <a:spcPct val="100000"/>
               </a:lnSpc>
@@ -3711,7 +3808,7 @@
               <a:buSzPts val="1000"/>
               <a:buFont typeface="Arial"/>
               <a:buNone/>
-              <a:defRPr b="0" i="0" sz="1000" u="none" cap="none" strike="noStrike">
+              <a:defRPr sz="1000" b="0" i="0" u="none" strike="noStrike" cap="none">
                 <a:solidFill>
                   <a:schemeClr val="dk2"/>
                 </a:solidFill>
@@ -3721,7 +3818,7 @@
                 <a:sym typeface="Arial"/>
               </a:defRPr>
             </a:lvl1pPr>
-            <a:lvl2pPr indent="0" lvl="1" marL="0" marR="0" algn="r">
+            <a:lvl2pPr marL="0" marR="0" lvl="1" indent="0" algn="r">
               <a:lnSpc>
                 <a:spcPct val="100000"/>
               </a:lnSpc>
@@ -3737,7 +3834,7 @@
               <a:buSzPts val="1000"/>
               <a:buFont typeface="Arial"/>
               <a:buNone/>
-              <a:defRPr b="0" i="0" sz="1000" u="none" cap="none" strike="noStrike">
+              <a:defRPr sz="1000" b="0" i="0" u="none" strike="noStrike" cap="none">
                 <a:solidFill>
                   <a:schemeClr val="dk2"/>
                 </a:solidFill>
@@ -3747,7 +3844,7 @@
                 <a:sym typeface="Arial"/>
               </a:defRPr>
             </a:lvl2pPr>
-            <a:lvl3pPr indent="0" lvl="2" marL="0" marR="0" algn="r">
+            <a:lvl3pPr marL="0" marR="0" lvl="2" indent="0" algn="r">
               <a:lnSpc>
                 <a:spcPct val="100000"/>
               </a:lnSpc>
@@ -3763,7 +3860,7 @@
               <a:buSzPts val="1000"/>
               <a:buFont typeface="Arial"/>
               <a:buNone/>
-              <a:defRPr b="0" i="0" sz="1000" u="none" cap="none" strike="noStrike">
+              <a:defRPr sz="1000" b="0" i="0" u="none" strike="noStrike" cap="none">
                 <a:solidFill>
                   <a:schemeClr val="dk2"/>
                 </a:solidFill>
@@ -3773,7 +3870,7 @@
                 <a:sym typeface="Arial"/>
               </a:defRPr>
             </a:lvl3pPr>
-            <a:lvl4pPr indent="0" lvl="3" marL="0" marR="0" algn="r">
+            <a:lvl4pPr marL="0" marR="0" lvl="3" indent="0" algn="r">
               <a:lnSpc>
                 <a:spcPct val="100000"/>
               </a:lnSpc>
@@ -3789,7 +3886,7 @@
               <a:buSzPts val="1000"/>
               <a:buFont typeface="Arial"/>
               <a:buNone/>
-              <a:defRPr b="0" i="0" sz="1000" u="none" cap="none" strike="noStrike">
+              <a:defRPr sz="1000" b="0" i="0" u="none" strike="noStrike" cap="none">
                 <a:solidFill>
                   <a:schemeClr val="dk2"/>
                 </a:solidFill>
@@ -3799,7 +3896,7 @@
                 <a:sym typeface="Arial"/>
               </a:defRPr>
             </a:lvl4pPr>
-            <a:lvl5pPr indent="0" lvl="4" marL="0" marR="0" algn="r">
+            <a:lvl5pPr marL="0" marR="0" lvl="4" indent="0" algn="r">
               <a:lnSpc>
                 <a:spcPct val="100000"/>
               </a:lnSpc>
@@ -3815,7 +3912,7 @@
               <a:buSzPts val="1000"/>
               <a:buFont typeface="Arial"/>
               <a:buNone/>
-              <a:defRPr b="0" i="0" sz="1000" u="none" cap="none" strike="noStrike">
+              <a:defRPr sz="1000" b="0" i="0" u="none" strike="noStrike" cap="none">
                 <a:solidFill>
                   <a:schemeClr val="dk2"/>
                 </a:solidFill>
@@ -3825,7 +3922,7 @@
                 <a:sym typeface="Arial"/>
               </a:defRPr>
             </a:lvl5pPr>
-            <a:lvl6pPr indent="0" lvl="5" marL="0" marR="0" algn="r">
+            <a:lvl6pPr marL="0" marR="0" lvl="5" indent="0" algn="r">
               <a:lnSpc>
                 <a:spcPct val="100000"/>
               </a:lnSpc>
@@ -3841,7 +3938,7 @@
               <a:buSzPts val="1000"/>
               <a:buFont typeface="Arial"/>
               <a:buNone/>
-              <a:defRPr b="0" i="0" sz="1000" u="none" cap="none" strike="noStrike">
+              <a:defRPr sz="1000" b="0" i="0" u="none" strike="noStrike" cap="none">
                 <a:solidFill>
                   <a:schemeClr val="dk2"/>
                 </a:solidFill>
@@ -3851,7 +3948,7 @@
                 <a:sym typeface="Arial"/>
               </a:defRPr>
             </a:lvl6pPr>
-            <a:lvl7pPr indent="0" lvl="6" marL="0" marR="0" algn="r">
+            <a:lvl7pPr marL="0" marR="0" lvl="6" indent="0" algn="r">
               <a:lnSpc>
                 <a:spcPct val="100000"/>
               </a:lnSpc>
@@ -3867,7 +3964,7 @@
               <a:buSzPts val="1000"/>
               <a:buFont typeface="Arial"/>
               <a:buNone/>
-              <a:defRPr b="0" i="0" sz="1000" u="none" cap="none" strike="noStrike">
+              <a:defRPr sz="1000" b="0" i="0" u="none" strike="noStrike" cap="none">
                 <a:solidFill>
                   <a:schemeClr val="dk2"/>
                 </a:solidFill>
@@ -3877,7 +3974,7 @@
                 <a:sym typeface="Arial"/>
               </a:defRPr>
             </a:lvl7pPr>
-            <a:lvl8pPr indent="0" lvl="7" marL="0" marR="0" algn="r">
+            <a:lvl8pPr marL="0" marR="0" lvl="7" indent="0" algn="r">
               <a:lnSpc>
                 <a:spcPct val="100000"/>
               </a:lnSpc>
@@ -3893,7 +3990,7 @@
               <a:buSzPts val="1000"/>
               <a:buFont typeface="Arial"/>
               <a:buNone/>
-              <a:defRPr b="0" i="0" sz="1000" u="none" cap="none" strike="noStrike">
+              <a:defRPr sz="1000" b="0" i="0" u="none" strike="noStrike" cap="none">
                 <a:solidFill>
                   <a:schemeClr val="dk2"/>
                 </a:solidFill>
@@ -3903,7 +4000,7 @@
                 <a:sym typeface="Arial"/>
               </a:defRPr>
             </a:lvl8pPr>
-            <a:lvl9pPr indent="0" lvl="8" marL="0" marR="0" algn="r">
+            <a:lvl9pPr marL="0" marR="0" lvl="8" indent="0" algn="r">
               <a:lnSpc>
                 <a:spcPct val="100000"/>
               </a:lnSpc>
@@ -3919,7 +4016,7 @@
               <a:buSzPts val="1000"/>
               <a:buFont typeface="Arial"/>
               <a:buNone/>
-              <a:defRPr b="0" i="0" sz="1000" u="none" cap="none" strike="noStrike">
+              <a:defRPr sz="1000" b="0" i="0" u="none" strike="noStrike" cap="none">
                 <a:solidFill>
                   <a:schemeClr val="dk2"/>
                 </a:solidFill>
@@ -3931,7 +4028,7 @@
             </a:lvl9pPr>
           </a:lstStyle>
           <a:p>
-            <a:pPr indent="0" lvl="0" marL="0" rtl="0" algn="r">
+            <a:pPr marL="0" lvl="0" indent="0" algn="r" rtl="0">
               <a:spcBef>
                 <a:spcPts val="0"/>
               </a:spcBef>
@@ -3942,7 +4039,7 @@
             </a:pPr>
             <a:fld id="{00000000-1234-1234-1234-123412341234}" type="slidenum">
               <a:rPr lang="en-US"/>
-              <a:t>‹#›</a:t>
+              <a:t>‹nº›</a:t>
             </a:fld>
             <a:endParaRPr/>
           </a:p>
@@ -3957,11 +4054,11 @@
 </file>
 
 <file path=ppt/slideLayouts/slideLayout5.xml><?xml version="1.0" encoding="utf-8"?>
-<p:sldLayout xmlns:a="http://schemas.openxmlformats.org/drawingml/2006/main" xmlns:r="http://schemas.openxmlformats.org/officeDocument/2006/relationships" xmlns:mc="http://schemas.openxmlformats.org/markup-compatibility/2006" xmlns:mv="urn:schemas-microsoft-com:mac:vml" xmlns:p="http://schemas.openxmlformats.org/presentationml/2006/main" xmlns:c="http://schemas.openxmlformats.org/drawingml/2006/chart" xmlns:dgm="http://schemas.openxmlformats.org/drawingml/2006/diagram" xmlns:o="urn:schemas-microsoft-com:office:office" xmlns:v="urn:schemas-microsoft-com:vml" xmlns:pvml="urn:schemas-microsoft-com:office:powerpoint" xmlns:com="http://schemas.openxmlformats.org/drawingml/2006/compatibility" xmlns:p14="http://schemas.microsoft.com/office/powerpoint/2010/main" xmlns:p15="http://schemas.microsoft.com/office/powerpoint/2012/main" xmlns:ahyp="http://schemas.microsoft.com/office/drawing/2018/hyperlinkcolor" matchingName="Big number">
+<p:sldLayout xmlns:a="http://schemas.openxmlformats.org/drawingml/2006/main" xmlns:r="http://schemas.openxmlformats.org/officeDocument/2006/relationships" xmlns:p="http://schemas.openxmlformats.org/presentationml/2006/main" matchingName="Big number">
   <p:cSld name="BIG_NUMBER">
     <p:spTree>
       <p:nvGrpSpPr>
-        <p:cNvPr id="25" name="Shape 25"/>
+        <p:cNvPr id="1" name="Shape 25"/>
         <p:cNvGrpSpPr/>
         <p:nvPr/>
       </p:nvGrpSpPr>
@@ -3976,9 +4073,11 @@
       <p:sp>
         <p:nvSpPr>
           <p:cNvPr id="26" name="Google Shape;26;p31"/>
-          <p:cNvSpPr txBox="1"/>
+          <p:cNvSpPr txBox="1">
+            <a:spLocks noGrp="1"/>
+          </p:cNvSpPr>
           <p:nvPr>
-            <p:ph hasCustomPrompt="1" type="title"/>
+            <p:ph type="title" hasCustomPrompt="1"/>
           </p:nvPr>
         </p:nvSpPr>
         <p:spPr>
@@ -3995,7 +4094,7 @@
           </a:ln>
         </p:spPr>
         <p:txBody>
-          <a:bodyPr anchorCtr="0" anchor="b" bIns="91425" lIns="91425" spcFirstLastPara="1" rIns="91425" wrap="square" tIns="91425">
+          <a:bodyPr spcFirstLastPara="1" wrap="square" lIns="91425" tIns="91425" rIns="91425" bIns="91425" anchor="b" anchorCtr="0">
             <a:noAutofit/>
           </a:bodyPr>
           <a:lstStyle>
@@ -4136,9 +4235,11 @@
       <p:sp>
         <p:nvSpPr>
           <p:cNvPr id="27" name="Google Shape;27;p31"/>
-          <p:cNvSpPr txBox="1"/>
+          <p:cNvSpPr txBox="1">
+            <a:spLocks noGrp="1"/>
+          </p:cNvSpPr>
           <p:nvPr>
-            <p:ph idx="1" type="body"/>
+            <p:ph type="body" idx="1"/>
           </p:nvPr>
         </p:nvSpPr>
         <p:spPr>
@@ -4155,11 +4256,11 @@
           </a:ln>
         </p:spPr>
         <p:txBody>
-          <a:bodyPr anchorCtr="0" anchor="t" bIns="91425" lIns="91425" spcFirstLastPara="1" rIns="91425" wrap="square" tIns="91425">
+          <a:bodyPr spcFirstLastPara="1" wrap="square" lIns="91425" tIns="91425" rIns="91425" bIns="91425" anchor="t" anchorCtr="0">
             <a:noAutofit/>
           </a:bodyPr>
           <a:lstStyle>
-            <a:lvl1pPr indent="-342900" lvl="0" marL="457200" algn="ctr">
+            <a:lvl1pPr marL="457200" lvl="0" indent="-342900" algn="ctr">
               <a:lnSpc>
                 <a:spcPct val="115000"/>
               </a:lnSpc>
@@ -4173,7 +4274,7 @@
               <a:buChar char="●"/>
               <a:defRPr/>
             </a:lvl1pPr>
-            <a:lvl2pPr indent="-317500" lvl="1" marL="914400" algn="ctr">
+            <a:lvl2pPr marL="914400" lvl="1" indent="-317500" algn="ctr">
               <a:lnSpc>
                 <a:spcPct val="115000"/>
               </a:lnSpc>
@@ -4187,7 +4288,7 @@
               <a:buChar char="○"/>
               <a:defRPr/>
             </a:lvl2pPr>
-            <a:lvl3pPr indent="-317500" lvl="2" marL="1371600" algn="ctr">
+            <a:lvl3pPr marL="1371600" lvl="2" indent="-317500" algn="ctr">
               <a:lnSpc>
                 <a:spcPct val="115000"/>
               </a:lnSpc>
@@ -4201,7 +4302,7 @@
               <a:buChar char="■"/>
               <a:defRPr/>
             </a:lvl3pPr>
-            <a:lvl4pPr indent="-317500" lvl="3" marL="1828800" algn="ctr">
+            <a:lvl4pPr marL="1828800" lvl="3" indent="-317500" algn="ctr">
               <a:lnSpc>
                 <a:spcPct val="115000"/>
               </a:lnSpc>
@@ -4215,7 +4316,7 @@
               <a:buChar char="●"/>
               <a:defRPr/>
             </a:lvl4pPr>
-            <a:lvl5pPr indent="-317500" lvl="4" marL="2286000" algn="ctr">
+            <a:lvl5pPr marL="2286000" lvl="4" indent="-317500" algn="ctr">
               <a:lnSpc>
                 <a:spcPct val="115000"/>
               </a:lnSpc>
@@ -4229,7 +4330,7 @@
               <a:buChar char="○"/>
               <a:defRPr/>
             </a:lvl5pPr>
-            <a:lvl6pPr indent="-317500" lvl="5" marL="2743200" algn="ctr">
+            <a:lvl6pPr marL="2743200" lvl="5" indent="-317500" algn="ctr">
               <a:lnSpc>
                 <a:spcPct val="115000"/>
               </a:lnSpc>
@@ -4243,7 +4344,7 @@
               <a:buChar char="■"/>
               <a:defRPr/>
             </a:lvl6pPr>
-            <a:lvl7pPr indent="-317500" lvl="6" marL="3200400" algn="ctr">
+            <a:lvl7pPr marL="3200400" lvl="6" indent="-317500" algn="ctr">
               <a:lnSpc>
                 <a:spcPct val="115000"/>
               </a:lnSpc>
@@ -4257,7 +4358,7 @@
               <a:buChar char="●"/>
               <a:defRPr/>
             </a:lvl7pPr>
-            <a:lvl8pPr indent="-317500" lvl="7" marL="3657600" algn="ctr">
+            <a:lvl8pPr marL="3657600" lvl="7" indent="-317500" algn="ctr">
               <a:lnSpc>
                 <a:spcPct val="115000"/>
               </a:lnSpc>
@@ -4271,7 +4372,7 @@
               <a:buChar char="○"/>
               <a:defRPr/>
             </a:lvl8pPr>
-            <a:lvl9pPr indent="-317500" lvl="8" marL="4114800" algn="ctr">
+            <a:lvl9pPr marL="4114800" lvl="8" indent="-317500" algn="ctr">
               <a:lnSpc>
                 <a:spcPct val="115000"/>
               </a:lnSpc>
@@ -4286,15 +4387,19 @@
               <a:defRPr/>
             </a:lvl9pPr>
           </a:lstStyle>
-          <a:p/>
+          <a:p>
+            <a:endParaRPr/>
+          </a:p>
         </p:txBody>
       </p:sp>
       <p:sp>
         <p:nvSpPr>
           <p:cNvPr id="28" name="Google Shape;28;p31"/>
-          <p:cNvSpPr txBox="1"/>
+          <p:cNvSpPr txBox="1">
+            <a:spLocks noGrp="1"/>
+          </p:cNvSpPr>
           <p:nvPr>
-            <p:ph idx="12" type="sldNum"/>
+            <p:ph type="sldNum" idx="12"/>
           </p:nvPr>
         </p:nvSpPr>
         <p:spPr>
@@ -4311,11 +4416,11 @@
           </a:ln>
         </p:spPr>
         <p:txBody>
-          <a:bodyPr anchorCtr="0" anchor="ctr" bIns="91425" lIns="91425" spcFirstLastPara="1" rIns="91425" wrap="square" tIns="91425">
+          <a:bodyPr spcFirstLastPara="1" wrap="square" lIns="91425" tIns="91425" rIns="91425" bIns="91425" anchor="ctr" anchorCtr="0">
             <a:noAutofit/>
           </a:bodyPr>
           <a:lstStyle>
-            <a:lvl1pPr indent="0" lvl="0" marL="0" marR="0" algn="r">
+            <a:lvl1pPr marL="0" marR="0" lvl="0" indent="0" algn="r">
               <a:lnSpc>
                 <a:spcPct val="100000"/>
               </a:lnSpc>
@@ -4331,7 +4436,7 @@
               <a:buSzPts val="1000"/>
               <a:buFont typeface="Arial"/>
               <a:buNone/>
-              <a:defRPr b="0" i="0" sz="1000" u="none" cap="none" strike="noStrike">
+              <a:defRPr sz="1000" b="0" i="0" u="none" strike="noStrike" cap="none">
                 <a:solidFill>
                   <a:schemeClr val="dk2"/>
                 </a:solidFill>
@@ -4341,7 +4446,7 @@
                 <a:sym typeface="Arial"/>
               </a:defRPr>
             </a:lvl1pPr>
-            <a:lvl2pPr indent="0" lvl="1" marL="0" marR="0" algn="r">
+            <a:lvl2pPr marL="0" marR="0" lvl="1" indent="0" algn="r">
               <a:lnSpc>
                 <a:spcPct val="100000"/>
               </a:lnSpc>
@@ -4357,7 +4462,7 @@
               <a:buSzPts val="1000"/>
               <a:buFont typeface="Arial"/>
               <a:buNone/>
-              <a:defRPr b="0" i="0" sz="1000" u="none" cap="none" strike="noStrike">
+              <a:defRPr sz="1000" b="0" i="0" u="none" strike="noStrike" cap="none">
                 <a:solidFill>
                   <a:schemeClr val="dk2"/>
                 </a:solidFill>
@@ -4367,7 +4472,7 @@
                 <a:sym typeface="Arial"/>
               </a:defRPr>
             </a:lvl2pPr>
-            <a:lvl3pPr indent="0" lvl="2" marL="0" marR="0" algn="r">
+            <a:lvl3pPr marL="0" marR="0" lvl="2" indent="0" algn="r">
               <a:lnSpc>
                 <a:spcPct val="100000"/>
               </a:lnSpc>
@@ -4383,7 +4488,7 @@
               <a:buSzPts val="1000"/>
               <a:buFont typeface="Arial"/>
               <a:buNone/>
-              <a:defRPr b="0" i="0" sz="1000" u="none" cap="none" strike="noStrike">
+              <a:defRPr sz="1000" b="0" i="0" u="none" strike="noStrike" cap="none">
                 <a:solidFill>
                   <a:schemeClr val="dk2"/>
                 </a:solidFill>
@@ -4393,7 +4498,7 @@
                 <a:sym typeface="Arial"/>
               </a:defRPr>
             </a:lvl3pPr>
-            <a:lvl4pPr indent="0" lvl="3" marL="0" marR="0" algn="r">
+            <a:lvl4pPr marL="0" marR="0" lvl="3" indent="0" algn="r">
               <a:lnSpc>
                 <a:spcPct val="100000"/>
               </a:lnSpc>
@@ -4409,7 +4514,7 @@
               <a:buSzPts val="1000"/>
               <a:buFont typeface="Arial"/>
               <a:buNone/>
-              <a:defRPr b="0" i="0" sz="1000" u="none" cap="none" strike="noStrike">
+              <a:defRPr sz="1000" b="0" i="0" u="none" strike="noStrike" cap="none">
                 <a:solidFill>
                   <a:schemeClr val="dk2"/>
                 </a:solidFill>
@@ -4419,7 +4524,7 @@
                 <a:sym typeface="Arial"/>
               </a:defRPr>
             </a:lvl4pPr>
-            <a:lvl5pPr indent="0" lvl="4" marL="0" marR="0" algn="r">
+            <a:lvl5pPr marL="0" marR="0" lvl="4" indent="0" algn="r">
               <a:lnSpc>
                 <a:spcPct val="100000"/>
               </a:lnSpc>
@@ -4435,7 +4540,7 @@
               <a:buSzPts val="1000"/>
               <a:buFont typeface="Arial"/>
               <a:buNone/>
-              <a:defRPr b="0" i="0" sz="1000" u="none" cap="none" strike="noStrike">
+              <a:defRPr sz="1000" b="0" i="0" u="none" strike="noStrike" cap="none">
                 <a:solidFill>
                   <a:schemeClr val="dk2"/>
                 </a:solidFill>
@@ -4445,7 +4550,7 @@
                 <a:sym typeface="Arial"/>
               </a:defRPr>
             </a:lvl5pPr>
-            <a:lvl6pPr indent="0" lvl="5" marL="0" marR="0" algn="r">
+            <a:lvl6pPr marL="0" marR="0" lvl="5" indent="0" algn="r">
               <a:lnSpc>
                 <a:spcPct val="100000"/>
               </a:lnSpc>
@@ -4461,7 +4566,7 @@
               <a:buSzPts val="1000"/>
               <a:buFont typeface="Arial"/>
               <a:buNone/>
-              <a:defRPr b="0" i="0" sz="1000" u="none" cap="none" strike="noStrike">
+              <a:defRPr sz="1000" b="0" i="0" u="none" strike="noStrike" cap="none">
                 <a:solidFill>
                   <a:schemeClr val="dk2"/>
                 </a:solidFill>
@@ -4471,7 +4576,7 @@
                 <a:sym typeface="Arial"/>
               </a:defRPr>
             </a:lvl6pPr>
-            <a:lvl7pPr indent="0" lvl="6" marL="0" marR="0" algn="r">
+            <a:lvl7pPr marL="0" marR="0" lvl="6" indent="0" algn="r">
               <a:lnSpc>
                 <a:spcPct val="100000"/>
               </a:lnSpc>
@@ -4487,7 +4592,7 @@
               <a:buSzPts val="1000"/>
               <a:buFont typeface="Arial"/>
               <a:buNone/>
-              <a:defRPr b="0" i="0" sz="1000" u="none" cap="none" strike="noStrike">
+              <a:defRPr sz="1000" b="0" i="0" u="none" strike="noStrike" cap="none">
                 <a:solidFill>
                   <a:schemeClr val="dk2"/>
                 </a:solidFill>
@@ -4497,7 +4602,7 @@
                 <a:sym typeface="Arial"/>
               </a:defRPr>
             </a:lvl7pPr>
-            <a:lvl8pPr indent="0" lvl="7" marL="0" marR="0" algn="r">
+            <a:lvl8pPr marL="0" marR="0" lvl="7" indent="0" algn="r">
               <a:lnSpc>
                 <a:spcPct val="100000"/>
               </a:lnSpc>
@@ -4513,7 +4618,7 @@
               <a:buSzPts val="1000"/>
               <a:buFont typeface="Arial"/>
               <a:buNone/>
-              <a:defRPr b="0" i="0" sz="1000" u="none" cap="none" strike="noStrike">
+              <a:defRPr sz="1000" b="0" i="0" u="none" strike="noStrike" cap="none">
                 <a:solidFill>
                   <a:schemeClr val="dk2"/>
                 </a:solidFill>
@@ -4523,7 +4628,7 @@
                 <a:sym typeface="Arial"/>
               </a:defRPr>
             </a:lvl8pPr>
-            <a:lvl9pPr indent="0" lvl="8" marL="0" marR="0" algn="r">
+            <a:lvl9pPr marL="0" marR="0" lvl="8" indent="0" algn="r">
               <a:lnSpc>
                 <a:spcPct val="100000"/>
               </a:lnSpc>
@@ -4539,7 +4644,7 @@
               <a:buSzPts val="1000"/>
               <a:buFont typeface="Arial"/>
               <a:buNone/>
-              <a:defRPr b="0" i="0" sz="1000" u="none" cap="none" strike="noStrike">
+              <a:defRPr sz="1000" b="0" i="0" u="none" strike="noStrike" cap="none">
                 <a:solidFill>
                   <a:schemeClr val="dk2"/>
                 </a:solidFill>
@@ -4551,7 +4656,7 @@
             </a:lvl9pPr>
           </a:lstStyle>
           <a:p>
-            <a:pPr indent="0" lvl="0" marL="0" rtl="0" algn="r">
+            <a:pPr marL="0" lvl="0" indent="0" algn="r" rtl="0">
               <a:spcBef>
                 <a:spcPts val="0"/>
               </a:spcBef>
@@ -4562,7 +4667,7 @@
             </a:pPr>
             <a:fld id="{00000000-1234-1234-1234-123412341234}" type="slidenum">
               <a:rPr lang="en-US"/>
-              <a:t>‹#›</a:t>
+              <a:t>‹nº›</a:t>
             </a:fld>
             <a:endParaRPr/>
           </a:p>
@@ -4577,11 +4682,11 @@
 </file>
 
 <file path=ppt/slideLayouts/slideLayout6.xml><?xml version="1.0" encoding="utf-8"?>
-<p:sldLayout xmlns:a="http://schemas.openxmlformats.org/drawingml/2006/main" xmlns:r="http://schemas.openxmlformats.org/officeDocument/2006/relationships" xmlns:mc="http://schemas.openxmlformats.org/markup-compatibility/2006" xmlns:mv="urn:schemas-microsoft-com:mac:vml" xmlns:p="http://schemas.openxmlformats.org/presentationml/2006/main" xmlns:c="http://schemas.openxmlformats.org/drawingml/2006/chart" xmlns:dgm="http://schemas.openxmlformats.org/drawingml/2006/diagram" xmlns:o="urn:schemas-microsoft-com:office:office" xmlns:v="urn:schemas-microsoft-com:vml" xmlns:pvml="urn:schemas-microsoft-com:office:powerpoint" xmlns:com="http://schemas.openxmlformats.org/drawingml/2006/compatibility" xmlns:p14="http://schemas.microsoft.com/office/powerpoint/2010/main" xmlns:p15="http://schemas.microsoft.com/office/powerpoint/2012/main" xmlns:ahyp="http://schemas.microsoft.com/office/drawing/2018/hyperlinkcolor" matchingName="Blank" type="blank">
+<p:sldLayout xmlns:a="http://schemas.openxmlformats.org/drawingml/2006/main" xmlns:r="http://schemas.openxmlformats.org/officeDocument/2006/relationships" xmlns:p="http://schemas.openxmlformats.org/presentationml/2006/main" matchingName="Blank" type="blank">
   <p:cSld name="BLANK">
     <p:spTree>
       <p:nvGrpSpPr>
-        <p:cNvPr id="29" name="Shape 29"/>
+        <p:cNvPr id="1" name="Shape 29"/>
         <p:cNvGrpSpPr/>
         <p:nvPr/>
       </p:nvGrpSpPr>
@@ -4596,9 +4701,11 @@
       <p:sp>
         <p:nvSpPr>
           <p:cNvPr id="30" name="Google Shape;30;p32"/>
-          <p:cNvSpPr txBox="1"/>
+          <p:cNvSpPr txBox="1">
+            <a:spLocks noGrp="1"/>
+          </p:cNvSpPr>
           <p:nvPr>
-            <p:ph idx="12" type="sldNum"/>
+            <p:ph type="sldNum" idx="12"/>
           </p:nvPr>
         </p:nvSpPr>
         <p:spPr>
@@ -4615,11 +4722,11 @@
           </a:ln>
         </p:spPr>
         <p:txBody>
-          <a:bodyPr anchorCtr="0" anchor="ctr" bIns="91425" lIns="91425" spcFirstLastPara="1" rIns="91425" wrap="square" tIns="91425">
+          <a:bodyPr spcFirstLastPara="1" wrap="square" lIns="91425" tIns="91425" rIns="91425" bIns="91425" anchor="ctr" anchorCtr="0">
             <a:noAutofit/>
           </a:bodyPr>
           <a:lstStyle>
-            <a:lvl1pPr indent="0" lvl="0" marL="0" marR="0" algn="r">
+            <a:lvl1pPr marL="0" marR="0" lvl="0" indent="0" algn="r">
               <a:lnSpc>
                 <a:spcPct val="100000"/>
               </a:lnSpc>
@@ -4635,7 +4742,7 @@
               <a:buSzPts val="1000"/>
               <a:buFont typeface="Arial"/>
               <a:buNone/>
-              <a:defRPr b="0" i="0" sz="1000" u="none" cap="none" strike="noStrike">
+              <a:defRPr sz="1000" b="0" i="0" u="none" strike="noStrike" cap="none">
                 <a:solidFill>
                   <a:schemeClr val="dk2"/>
                 </a:solidFill>
@@ -4645,7 +4752,7 @@
                 <a:sym typeface="Arial"/>
               </a:defRPr>
             </a:lvl1pPr>
-            <a:lvl2pPr indent="0" lvl="1" marL="0" marR="0" algn="r">
+            <a:lvl2pPr marL="0" marR="0" lvl="1" indent="0" algn="r">
               <a:lnSpc>
                 <a:spcPct val="100000"/>
               </a:lnSpc>
@@ -4661,7 +4768,7 @@
               <a:buSzPts val="1000"/>
               <a:buFont typeface="Arial"/>
               <a:buNone/>
-              <a:defRPr b="0" i="0" sz="1000" u="none" cap="none" strike="noStrike">
+              <a:defRPr sz="1000" b="0" i="0" u="none" strike="noStrike" cap="none">
                 <a:solidFill>
                   <a:schemeClr val="dk2"/>
                 </a:solidFill>
@@ -4671,7 +4778,7 @@
                 <a:sym typeface="Arial"/>
               </a:defRPr>
             </a:lvl2pPr>
-            <a:lvl3pPr indent="0" lvl="2" marL="0" marR="0" algn="r">
+            <a:lvl3pPr marL="0" marR="0" lvl="2" indent="0" algn="r">
               <a:lnSpc>
                 <a:spcPct val="100000"/>
               </a:lnSpc>
@@ -4687,7 +4794,7 @@
               <a:buSzPts val="1000"/>
               <a:buFont typeface="Arial"/>
               <a:buNone/>
-              <a:defRPr b="0" i="0" sz="1000" u="none" cap="none" strike="noStrike">
+              <a:defRPr sz="1000" b="0" i="0" u="none" strike="noStrike" cap="none">
                 <a:solidFill>
                   <a:schemeClr val="dk2"/>
                 </a:solidFill>
@@ -4697,7 +4804,7 @@
                 <a:sym typeface="Arial"/>
               </a:defRPr>
             </a:lvl3pPr>
-            <a:lvl4pPr indent="0" lvl="3" marL="0" marR="0" algn="r">
+            <a:lvl4pPr marL="0" marR="0" lvl="3" indent="0" algn="r">
               <a:lnSpc>
                 <a:spcPct val="100000"/>
               </a:lnSpc>
@@ -4713,7 +4820,7 @@
               <a:buSzPts val="1000"/>
               <a:buFont typeface="Arial"/>
               <a:buNone/>
-              <a:defRPr b="0" i="0" sz="1000" u="none" cap="none" strike="noStrike">
+              <a:defRPr sz="1000" b="0" i="0" u="none" strike="noStrike" cap="none">
                 <a:solidFill>
                   <a:schemeClr val="dk2"/>
                 </a:solidFill>
@@ -4723,7 +4830,7 @@
                 <a:sym typeface="Arial"/>
               </a:defRPr>
             </a:lvl4pPr>
-            <a:lvl5pPr indent="0" lvl="4" marL="0" marR="0" algn="r">
+            <a:lvl5pPr marL="0" marR="0" lvl="4" indent="0" algn="r">
               <a:lnSpc>
                 <a:spcPct val="100000"/>
               </a:lnSpc>
@@ -4739,7 +4846,7 @@
               <a:buSzPts val="1000"/>
               <a:buFont typeface="Arial"/>
               <a:buNone/>
-              <a:defRPr b="0" i="0" sz="1000" u="none" cap="none" strike="noStrike">
+              <a:defRPr sz="1000" b="0" i="0" u="none" strike="noStrike" cap="none">
                 <a:solidFill>
                   <a:schemeClr val="dk2"/>
                 </a:solidFill>
@@ -4749,7 +4856,7 @@
                 <a:sym typeface="Arial"/>
               </a:defRPr>
             </a:lvl5pPr>
-            <a:lvl6pPr indent="0" lvl="5" marL="0" marR="0" algn="r">
+            <a:lvl6pPr marL="0" marR="0" lvl="5" indent="0" algn="r">
               <a:lnSpc>
                 <a:spcPct val="100000"/>
               </a:lnSpc>
@@ -4765,7 +4872,7 @@
               <a:buSzPts val="1000"/>
               <a:buFont typeface="Arial"/>
               <a:buNone/>
-              <a:defRPr b="0" i="0" sz="1000" u="none" cap="none" strike="noStrike">
+              <a:defRPr sz="1000" b="0" i="0" u="none" strike="noStrike" cap="none">
                 <a:solidFill>
                   <a:schemeClr val="dk2"/>
                 </a:solidFill>
@@ -4775,7 +4882,7 @@
                 <a:sym typeface="Arial"/>
               </a:defRPr>
             </a:lvl6pPr>
-            <a:lvl7pPr indent="0" lvl="6" marL="0" marR="0" algn="r">
+            <a:lvl7pPr marL="0" marR="0" lvl="6" indent="0" algn="r">
               <a:lnSpc>
                 <a:spcPct val="100000"/>
               </a:lnSpc>
@@ -4791,7 +4898,7 @@
               <a:buSzPts val="1000"/>
               <a:buFont typeface="Arial"/>
               <a:buNone/>
-              <a:defRPr b="0" i="0" sz="1000" u="none" cap="none" strike="noStrike">
+              <a:defRPr sz="1000" b="0" i="0" u="none" strike="noStrike" cap="none">
                 <a:solidFill>
                   <a:schemeClr val="dk2"/>
                 </a:solidFill>
@@ -4801,7 +4908,7 @@
                 <a:sym typeface="Arial"/>
               </a:defRPr>
             </a:lvl7pPr>
-            <a:lvl8pPr indent="0" lvl="7" marL="0" marR="0" algn="r">
+            <a:lvl8pPr marL="0" marR="0" lvl="7" indent="0" algn="r">
               <a:lnSpc>
                 <a:spcPct val="100000"/>
               </a:lnSpc>
@@ -4817,7 +4924,7 @@
               <a:buSzPts val="1000"/>
               <a:buFont typeface="Arial"/>
               <a:buNone/>
-              <a:defRPr b="0" i="0" sz="1000" u="none" cap="none" strike="noStrike">
+              <a:defRPr sz="1000" b="0" i="0" u="none" strike="noStrike" cap="none">
                 <a:solidFill>
                   <a:schemeClr val="dk2"/>
                 </a:solidFill>
@@ -4827,7 +4934,7 @@
                 <a:sym typeface="Arial"/>
               </a:defRPr>
             </a:lvl8pPr>
-            <a:lvl9pPr indent="0" lvl="8" marL="0" marR="0" algn="r">
+            <a:lvl9pPr marL="0" marR="0" lvl="8" indent="0" algn="r">
               <a:lnSpc>
                 <a:spcPct val="100000"/>
               </a:lnSpc>
@@ -4843,7 +4950,7 @@
               <a:buSzPts val="1000"/>
               <a:buFont typeface="Arial"/>
               <a:buNone/>
-              <a:defRPr b="0" i="0" sz="1000" u="none" cap="none" strike="noStrike">
+              <a:defRPr sz="1000" b="0" i="0" u="none" strike="noStrike" cap="none">
                 <a:solidFill>
                   <a:schemeClr val="dk2"/>
                 </a:solidFill>
@@ -4855,7 +4962,7 @@
             </a:lvl9pPr>
           </a:lstStyle>
           <a:p>
-            <a:pPr indent="0" lvl="0" marL="0" rtl="0" algn="r">
+            <a:pPr marL="0" lvl="0" indent="0" algn="r" rtl="0">
               <a:spcBef>
                 <a:spcPts val="0"/>
               </a:spcBef>
@@ -4866,7 +4973,7 @@
             </a:pPr>
             <a:fld id="{00000000-1234-1234-1234-123412341234}" type="slidenum">
               <a:rPr lang="en-US"/>
-              <a:t>‹#›</a:t>
+              <a:t>‹nº›</a:t>
             </a:fld>
             <a:endParaRPr/>
           </a:p>
@@ -4881,18 +4988,19 @@
 </file>
 
 <file path=ppt/slideMasters/slideMaster1.xml><?xml version="1.0" encoding="utf-8"?>
-<p:sldMaster xmlns:a="http://schemas.openxmlformats.org/drawingml/2006/main" xmlns:r="http://schemas.openxmlformats.org/officeDocument/2006/relationships" xmlns:mc="http://schemas.openxmlformats.org/markup-compatibility/2006" xmlns:mv="urn:schemas-microsoft-com:mac:vml" xmlns:p="http://schemas.openxmlformats.org/presentationml/2006/main" xmlns:c="http://schemas.openxmlformats.org/drawingml/2006/chart" xmlns:dgm="http://schemas.openxmlformats.org/drawingml/2006/diagram" xmlns:o="urn:schemas-microsoft-com:office:office" xmlns:v="urn:schemas-microsoft-com:vml" xmlns:pvml="urn:schemas-microsoft-com:office:powerpoint" xmlns:com="http://schemas.openxmlformats.org/drawingml/2006/compatibility" xmlns:p14="http://schemas.microsoft.com/office/powerpoint/2010/main" xmlns:p15="http://schemas.microsoft.com/office/powerpoint/2012/main" xmlns:ahyp="http://schemas.microsoft.com/office/drawing/2018/hyperlinkcolor">
+<p:sldMaster xmlns:a="http://schemas.openxmlformats.org/drawingml/2006/main" xmlns:r="http://schemas.openxmlformats.org/officeDocument/2006/relationships" xmlns:p="http://schemas.openxmlformats.org/presentationml/2006/main">
   <p:cSld name="simple-light-2">
     <p:bg>
       <p:bgPr>
         <a:solidFill>
           <a:schemeClr val="lt1"/>
         </a:solidFill>
+        <a:effectLst/>
       </p:bgPr>
     </p:bg>
     <p:spTree>
       <p:nvGrpSpPr>
-        <p:cNvPr id="5" name="Shape 5"/>
+        <p:cNvPr id="1" name="Shape 5"/>
         <p:cNvGrpSpPr/>
         <p:nvPr/>
       </p:nvGrpSpPr>
@@ -4907,7 +5015,9 @@
       <p:sp>
         <p:nvSpPr>
           <p:cNvPr id="6" name="Google Shape;6;p24"/>
-          <p:cNvSpPr txBox="1"/>
+          <p:cNvSpPr txBox="1">
+            <a:spLocks noGrp="1"/>
+          </p:cNvSpPr>
           <p:nvPr>
             <p:ph type="title"/>
           </p:nvPr>
@@ -4926,11 +5036,11 @@
           </a:ln>
         </p:spPr>
         <p:txBody>
-          <a:bodyPr anchorCtr="0" anchor="t" bIns="91425" lIns="91425" spcFirstLastPara="1" rIns="91425" wrap="square" tIns="91425">
+          <a:bodyPr spcFirstLastPara="1" wrap="square" lIns="91425" tIns="91425" rIns="91425" bIns="91425" anchor="t" anchorCtr="0">
             <a:noAutofit/>
           </a:bodyPr>
           <a:lstStyle>
-            <a:lvl1pPr lvl="0" marR="0" rtl="0" algn="l">
+            <a:lvl1pPr marR="0" lvl="0" algn="l" rtl="0">
               <a:lnSpc>
                 <a:spcPct val="100000"/>
               </a:lnSpc>
@@ -4946,7 +5056,7 @@
               <a:buSzPts val="2800"/>
               <a:buFont typeface="Arial"/>
               <a:buNone/>
-              <a:defRPr b="0" i="0" sz="2800" u="none" cap="none" strike="noStrike">
+              <a:defRPr sz="2800" b="0" i="0" u="none" strike="noStrike" cap="none">
                 <a:solidFill>
                   <a:schemeClr val="dk1"/>
                 </a:solidFill>
@@ -4956,7 +5066,7 @@
                 <a:sym typeface="Arial"/>
               </a:defRPr>
             </a:lvl1pPr>
-            <a:lvl2pPr lvl="1" marR="0" rtl="0" algn="l">
+            <a:lvl2pPr marR="0" lvl="1" algn="l" rtl="0">
               <a:lnSpc>
                 <a:spcPct val="100000"/>
               </a:lnSpc>
@@ -4972,7 +5082,7 @@
               <a:buSzPts val="2800"/>
               <a:buFont typeface="Arial"/>
               <a:buNone/>
-              <a:defRPr b="0" i="0" sz="2800" u="none" cap="none" strike="noStrike">
+              <a:defRPr sz="2800" b="0" i="0" u="none" strike="noStrike" cap="none">
                 <a:solidFill>
                   <a:schemeClr val="dk1"/>
                 </a:solidFill>
@@ -4982,7 +5092,7 @@
                 <a:sym typeface="Arial"/>
               </a:defRPr>
             </a:lvl2pPr>
-            <a:lvl3pPr lvl="2" marR="0" rtl="0" algn="l">
+            <a:lvl3pPr marR="0" lvl="2" algn="l" rtl="0">
               <a:lnSpc>
                 <a:spcPct val="100000"/>
               </a:lnSpc>
@@ -4998,7 +5108,7 @@
               <a:buSzPts val="2800"/>
               <a:buFont typeface="Arial"/>
               <a:buNone/>
-              <a:defRPr b="0" i="0" sz="2800" u="none" cap="none" strike="noStrike">
+              <a:defRPr sz="2800" b="0" i="0" u="none" strike="noStrike" cap="none">
                 <a:solidFill>
                   <a:schemeClr val="dk1"/>
                 </a:solidFill>
@@ -5008,7 +5118,7 @@
                 <a:sym typeface="Arial"/>
               </a:defRPr>
             </a:lvl3pPr>
-            <a:lvl4pPr lvl="3" marR="0" rtl="0" algn="l">
+            <a:lvl4pPr marR="0" lvl="3" algn="l" rtl="0">
               <a:lnSpc>
                 <a:spcPct val="100000"/>
               </a:lnSpc>
@@ -5024,7 +5134,7 @@
               <a:buSzPts val="2800"/>
               <a:buFont typeface="Arial"/>
               <a:buNone/>
-              <a:defRPr b="0" i="0" sz="2800" u="none" cap="none" strike="noStrike">
+              <a:defRPr sz="2800" b="0" i="0" u="none" strike="noStrike" cap="none">
                 <a:solidFill>
                   <a:schemeClr val="dk1"/>
                 </a:solidFill>
@@ -5034,7 +5144,7 @@
                 <a:sym typeface="Arial"/>
               </a:defRPr>
             </a:lvl4pPr>
-            <a:lvl5pPr lvl="4" marR="0" rtl="0" algn="l">
+            <a:lvl5pPr marR="0" lvl="4" algn="l" rtl="0">
               <a:lnSpc>
                 <a:spcPct val="100000"/>
               </a:lnSpc>
@@ -5050,7 +5160,7 @@
               <a:buSzPts val="2800"/>
               <a:buFont typeface="Arial"/>
               <a:buNone/>
-              <a:defRPr b="0" i="0" sz="2800" u="none" cap="none" strike="noStrike">
+              <a:defRPr sz="2800" b="0" i="0" u="none" strike="noStrike" cap="none">
                 <a:solidFill>
                   <a:schemeClr val="dk1"/>
                 </a:solidFill>
@@ -5060,7 +5170,7 @@
                 <a:sym typeface="Arial"/>
               </a:defRPr>
             </a:lvl5pPr>
-            <a:lvl6pPr lvl="5" marR="0" rtl="0" algn="l">
+            <a:lvl6pPr marR="0" lvl="5" algn="l" rtl="0">
               <a:lnSpc>
                 <a:spcPct val="100000"/>
               </a:lnSpc>
@@ -5076,7 +5186,7 @@
               <a:buSzPts val="2800"/>
               <a:buFont typeface="Arial"/>
               <a:buNone/>
-              <a:defRPr b="0" i="0" sz="2800" u="none" cap="none" strike="noStrike">
+              <a:defRPr sz="2800" b="0" i="0" u="none" strike="noStrike" cap="none">
                 <a:solidFill>
                   <a:schemeClr val="dk1"/>
                 </a:solidFill>
@@ -5086,7 +5196,7 @@
                 <a:sym typeface="Arial"/>
               </a:defRPr>
             </a:lvl6pPr>
-            <a:lvl7pPr lvl="6" marR="0" rtl="0" algn="l">
+            <a:lvl7pPr marR="0" lvl="6" algn="l" rtl="0">
               <a:lnSpc>
                 <a:spcPct val="100000"/>
               </a:lnSpc>
@@ -5102,7 +5212,7 @@
               <a:buSzPts val="2800"/>
               <a:buFont typeface="Arial"/>
               <a:buNone/>
-              <a:defRPr b="0" i="0" sz="2800" u="none" cap="none" strike="noStrike">
+              <a:defRPr sz="2800" b="0" i="0" u="none" strike="noStrike" cap="none">
                 <a:solidFill>
                   <a:schemeClr val="dk1"/>
                 </a:solidFill>
@@ -5112,7 +5222,7 @@
                 <a:sym typeface="Arial"/>
               </a:defRPr>
             </a:lvl7pPr>
-            <a:lvl8pPr lvl="7" marR="0" rtl="0" algn="l">
+            <a:lvl8pPr marR="0" lvl="7" algn="l" rtl="0">
               <a:lnSpc>
                 <a:spcPct val="100000"/>
               </a:lnSpc>
@@ -5128,7 +5238,7 @@
               <a:buSzPts val="2800"/>
               <a:buFont typeface="Arial"/>
               <a:buNone/>
-              <a:defRPr b="0" i="0" sz="2800" u="none" cap="none" strike="noStrike">
+              <a:defRPr sz="2800" b="0" i="0" u="none" strike="noStrike" cap="none">
                 <a:solidFill>
                   <a:schemeClr val="dk1"/>
                 </a:solidFill>
@@ -5138,7 +5248,7 @@
                 <a:sym typeface="Arial"/>
               </a:defRPr>
             </a:lvl8pPr>
-            <a:lvl9pPr lvl="8" marR="0" rtl="0" algn="l">
+            <a:lvl9pPr marR="0" lvl="8" algn="l" rtl="0">
               <a:lnSpc>
                 <a:spcPct val="100000"/>
               </a:lnSpc>
@@ -5154,7 +5264,7 @@
               <a:buSzPts val="2800"/>
               <a:buFont typeface="Arial"/>
               <a:buNone/>
-              <a:defRPr b="0" i="0" sz="2800" u="none" cap="none" strike="noStrike">
+              <a:defRPr sz="2800" b="0" i="0" u="none" strike="noStrike" cap="none">
                 <a:solidFill>
                   <a:schemeClr val="dk1"/>
                 </a:solidFill>
@@ -5165,15 +5275,19 @@
               </a:defRPr>
             </a:lvl9pPr>
           </a:lstStyle>
-          <a:p/>
+          <a:p>
+            <a:endParaRPr/>
+          </a:p>
         </p:txBody>
       </p:sp>
       <p:sp>
         <p:nvSpPr>
           <p:cNvPr id="7" name="Google Shape;7;p24"/>
-          <p:cNvSpPr txBox="1"/>
+          <p:cNvSpPr txBox="1">
+            <a:spLocks noGrp="1"/>
+          </p:cNvSpPr>
           <p:nvPr>
-            <p:ph idx="1" type="body"/>
+            <p:ph type="body" idx="1"/>
           </p:nvPr>
         </p:nvSpPr>
         <p:spPr>
@@ -5190,11 +5304,11 @@
           </a:ln>
         </p:spPr>
         <p:txBody>
-          <a:bodyPr anchorCtr="0" anchor="t" bIns="91425" lIns="91425" spcFirstLastPara="1" rIns="91425" wrap="square" tIns="91425">
+          <a:bodyPr spcFirstLastPara="1" wrap="square" lIns="91425" tIns="91425" rIns="91425" bIns="91425" anchor="t" anchorCtr="0">
             <a:noAutofit/>
           </a:bodyPr>
           <a:lstStyle>
-            <a:lvl1pPr indent="-342900" lvl="0" marL="457200" marR="0" rtl="0" algn="l">
+            <a:lvl1pPr marL="457200" marR="0" lvl="0" indent="-342900" algn="l" rtl="0">
               <a:lnSpc>
                 <a:spcPct val="115000"/>
               </a:lnSpc>
@@ -5210,7 +5324,7 @@
               <a:buSzPts val="1800"/>
               <a:buFont typeface="Arial"/>
               <a:buChar char="●"/>
-              <a:defRPr b="0" i="0" sz="1800" u="none" cap="none" strike="noStrike">
+              <a:defRPr sz="1800" b="0" i="0" u="none" strike="noStrike" cap="none">
                 <a:solidFill>
                   <a:schemeClr val="dk2"/>
                 </a:solidFill>
@@ -5220,7 +5334,7 @@
                 <a:sym typeface="Arial"/>
               </a:defRPr>
             </a:lvl1pPr>
-            <a:lvl2pPr indent="-317500" lvl="1" marL="914400" marR="0" rtl="0" algn="l">
+            <a:lvl2pPr marL="914400" marR="0" lvl="1" indent="-317500" algn="l" rtl="0">
               <a:lnSpc>
                 <a:spcPct val="115000"/>
               </a:lnSpc>
@@ -5236,7 +5350,7 @@
               <a:buSzPts val="1400"/>
               <a:buFont typeface="Arial"/>
               <a:buChar char="○"/>
-              <a:defRPr b="0" i="0" sz="1400" u="none" cap="none" strike="noStrike">
+              <a:defRPr sz="1400" b="0" i="0" u="none" strike="noStrike" cap="none">
                 <a:solidFill>
                   <a:schemeClr val="dk2"/>
                 </a:solidFill>
@@ -5246,7 +5360,7 @@
                 <a:sym typeface="Arial"/>
               </a:defRPr>
             </a:lvl2pPr>
-            <a:lvl3pPr indent="-317500" lvl="2" marL="1371600" marR="0" rtl="0" algn="l">
+            <a:lvl3pPr marL="1371600" marR="0" lvl="2" indent="-317500" algn="l" rtl="0">
               <a:lnSpc>
                 <a:spcPct val="115000"/>
               </a:lnSpc>
@@ -5262,7 +5376,7 @@
               <a:buSzPts val="1400"/>
               <a:buFont typeface="Arial"/>
               <a:buChar char="■"/>
-              <a:defRPr b="0" i="0" sz="1400" u="none" cap="none" strike="noStrike">
+              <a:defRPr sz="1400" b="0" i="0" u="none" strike="noStrike" cap="none">
                 <a:solidFill>
                   <a:schemeClr val="dk2"/>
                 </a:solidFill>
@@ -5272,7 +5386,7 @@
                 <a:sym typeface="Arial"/>
               </a:defRPr>
             </a:lvl3pPr>
-            <a:lvl4pPr indent="-317500" lvl="3" marL="1828800" marR="0" rtl="0" algn="l">
+            <a:lvl4pPr marL="1828800" marR="0" lvl="3" indent="-317500" algn="l" rtl="0">
               <a:lnSpc>
                 <a:spcPct val="115000"/>
               </a:lnSpc>
@@ -5288,7 +5402,7 @@
               <a:buSzPts val="1400"/>
               <a:buFont typeface="Arial"/>
               <a:buChar char="●"/>
-              <a:defRPr b="0" i="0" sz="1400" u="none" cap="none" strike="noStrike">
+              <a:defRPr sz="1400" b="0" i="0" u="none" strike="noStrike" cap="none">
                 <a:solidFill>
                   <a:schemeClr val="dk2"/>
                 </a:solidFill>
@@ -5298,7 +5412,7 @@
                 <a:sym typeface="Arial"/>
               </a:defRPr>
             </a:lvl4pPr>
-            <a:lvl5pPr indent="-317500" lvl="4" marL="2286000" marR="0" rtl="0" algn="l">
+            <a:lvl5pPr marL="2286000" marR="0" lvl="4" indent="-317500" algn="l" rtl="0">
               <a:lnSpc>
                 <a:spcPct val="115000"/>
               </a:lnSpc>
@@ -5314,7 +5428,7 @@
               <a:buSzPts val="1400"/>
               <a:buFont typeface="Arial"/>
               <a:buChar char="○"/>
-              <a:defRPr b="0" i="0" sz="1400" u="none" cap="none" strike="noStrike">
+              <a:defRPr sz="1400" b="0" i="0" u="none" strike="noStrike" cap="none">
                 <a:solidFill>
                   <a:schemeClr val="dk2"/>
                 </a:solidFill>
@@ -5324,7 +5438,7 @@
                 <a:sym typeface="Arial"/>
               </a:defRPr>
             </a:lvl5pPr>
-            <a:lvl6pPr indent="-317500" lvl="5" marL="2743200" marR="0" rtl="0" algn="l">
+            <a:lvl6pPr marL="2743200" marR="0" lvl="5" indent="-317500" algn="l" rtl="0">
               <a:lnSpc>
                 <a:spcPct val="115000"/>
               </a:lnSpc>
@@ -5340,7 +5454,7 @@
               <a:buSzPts val="1400"/>
               <a:buFont typeface="Arial"/>
               <a:buChar char="■"/>
-              <a:defRPr b="0" i="0" sz="1400" u="none" cap="none" strike="noStrike">
+              <a:defRPr sz="1400" b="0" i="0" u="none" strike="noStrike" cap="none">
                 <a:solidFill>
                   <a:schemeClr val="dk2"/>
                 </a:solidFill>
@@ -5350,7 +5464,7 @@
                 <a:sym typeface="Arial"/>
               </a:defRPr>
             </a:lvl6pPr>
-            <a:lvl7pPr indent="-317500" lvl="6" marL="3200400" marR="0" rtl="0" algn="l">
+            <a:lvl7pPr marL="3200400" marR="0" lvl="6" indent="-317500" algn="l" rtl="0">
               <a:lnSpc>
                 <a:spcPct val="115000"/>
               </a:lnSpc>
@@ -5366,7 +5480,7 @@
               <a:buSzPts val="1400"/>
               <a:buFont typeface="Arial"/>
               <a:buChar char="●"/>
-              <a:defRPr b="0" i="0" sz="1400" u="none" cap="none" strike="noStrike">
+              <a:defRPr sz="1400" b="0" i="0" u="none" strike="noStrike" cap="none">
                 <a:solidFill>
                   <a:schemeClr val="dk2"/>
                 </a:solidFill>
@@ -5376,7 +5490,7 @@
                 <a:sym typeface="Arial"/>
               </a:defRPr>
             </a:lvl7pPr>
-            <a:lvl8pPr indent="-317500" lvl="7" marL="3657600" marR="0" rtl="0" algn="l">
+            <a:lvl8pPr marL="3657600" marR="0" lvl="7" indent="-317500" algn="l" rtl="0">
               <a:lnSpc>
                 <a:spcPct val="115000"/>
               </a:lnSpc>
@@ -5392,7 +5506,7 @@
               <a:buSzPts val="1400"/>
               <a:buFont typeface="Arial"/>
               <a:buChar char="○"/>
-              <a:defRPr b="0" i="0" sz="1400" u="none" cap="none" strike="noStrike">
+              <a:defRPr sz="1400" b="0" i="0" u="none" strike="noStrike" cap="none">
                 <a:solidFill>
                   <a:schemeClr val="dk2"/>
                 </a:solidFill>
@@ -5402,7 +5516,7 @@
                 <a:sym typeface="Arial"/>
               </a:defRPr>
             </a:lvl8pPr>
-            <a:lvl9pPr indent="-317500" lvl="8" marL="4114800" marR="0" rtl="0" algn="l">
+            <a:lvl9pPr marL="4114800" marR="0" lvl="8" indent="-317500" algn="l" rtl="0">
               <a:lnSpc>
                 <a:spcPct val="115000"/>
               </a:lnSpc>
@@ -5418,7 +5532,7 @@
               <a:buSzPts val="1400"/>
               <a:buFont typeface="Arial"/>
               <a:buChar char="■"/>
-              <a:defRPr b="0" i="0" sz="1400" u="none" cap="none" strike="noStrike">
+              <a:defRPr sz="1400" b="0" i="0" u="none" strike="noStrike" cap="none">
                 <a:solidFill>
                   <a:schemeClr val="dk2"/>
                 </a:solidFill>
@@ -5429,15 +5543,19 @@
               </a:defRPr>
             </a:lvl9pPr>
           </a:lstStyle>
-          <a:p/>
+          <a:p>
+            <a:endParaRPr/>
+          </a:p>
         </p:txBody>
       </p:sp>
       <p:sp>
         <p:nvSpPr>
           <p:cNvPr id="8" name="Google Shape;8;p24"/>
-          <p:cNvSpPr txBox="1"/>
+          <p:cNvSpPr txBox="1">
+            <a:spLocks noGrp="1"/>
+          </p:cNvSpPr>
           <p:nvPr>
-            <p:ph idx="12" type="sldNum"/>
+            <p:ph type="sldNum" idx="12"/>
           </p:nvPr>
         </p:nvSpPr>
         <p:spPr>
@@ -5454,11 +5572,11 @@
           </a:ln>
         </p:spPr>
         <p:txBody>
-          <a:bodyPr anchorCtr="0" anchor="ctr" bIns="91425" lIns="91425" spcFirstLastPara="1" rIns="91425" wrap="square" tIns="91425">
+          <a:bodyPr spcFirstLastPara="1" wrap="square" lIns="91425" tIns="91425" rIns="91425" bIns="91425" anchor="ctr" anchorCtr="0">
             <a:noAutofit/>
           </a:bodyPr>
           <a:lstStyle>
-            <a:lvl1pPr indent="0" lvl="0" marL="0" marR="0" rtl="0" algn="r">
+            <a:lvl1pPr marL="0" marR="0" lvl="0" indent="0" algn="r" rtl="0">
               <a:lnSpc>
                 <a:spcPct val="100000"/>
               </a:lnSpc>
@@ -5474,7 +5592,7 @@
               <a:buSzPts val="1000"/>
               <a:buFont typeface="Arial"/>
               <a:buNone/>
-              <a:defRPr b="0" i="0" sz="1000" u="none" cap="none" strike="noStrike">
+              <a:defRPr sz="1000" b="0" i="0" u="none" strike="noStrike" cap="none">
                 <a:solidFill>
                   <a:schemeClr val="dk2"/>
                 </a:solidFill>
@@ -5484,7 +5602,7 @@
                 <a:sym typeface="Arial"/>
               </a:defRPr>
             </a:lvl1pPr>
-            <a:lvl2pPr indent="0" lvl="1" marL="0" marR="0" rtl="0" algn="r">
+            <a:lvl2pPr marL="0" marR="0" lvl="1" indent="0" algn="r" rtl="0">
               <a:lnSpc>
                 <a:spcPct val="100000"/>
               </a:lnSpc>
@@ -5500,7 +5618,7 @@
               <a:buSzPts val="1000"/>
               <a:buFont typeface="Arial"/>
               <a:buNone/>
-              <a:defRPr b="0" i="0" sz="1000" u="none" cap="none" strike="noStrike">
+              <a:defRPr sz="1000" b="0" i="0" u="none" strike="noStrike" cap="none">
                 <a:solidFill>
                   <a:schemeClr val="dk2"/>
                 </a:solidFill>
@@ -5510,7 +5628,7 @@
                 <a:sym typeface="Arial"/>
               </a:defRPr>
             </a:lvl2pPr>
-            <a:lvl3pPr indent="0" lvl="2" marL="0" marR="0" rtl="0" algn="r">
+            <a:lvl3pPr marL="0" marR="0" lvl="2" indent="0" algn="r" rtl="0">
               <a:lnSpc>
                 <a:spcPct val="100000"/>
               </a:lnSpc>
@@ -5526,7 +5644,7 @@
               <a:buSzPts val="1000"/>
               <a:buFont typeface="Arial"/>
               <a:buNone/>
-              <a:defRPr b="0" i="0" sz="1000" u="none" cap="none" strike="noStrike">
+              <a:defRPr sz="1000" b="0" i="0" u="none" strike="noStrike" cap="none">
                 <a:solidFill>
                   <a:schemeClr val="dk2"/>
                 </a:solidFill>
@@ -5536,7 +5654,7 @@
                 <a:sym typeface="Arial"/>
               </a:defRPr>
             </a:lvl3pPr>
-            <a:lvl4pPr indent="0" lvl="3" marL="0" marR="0" rtl="0" algn="r">
+            <a:lvl4pPr marL="0" marR="0" lvl="3" indent="0" algn="r" rtl="0">
               <a:lnSpc>
                 <a:spcPct val="100000"/>
               </a:lnSpc>
@@ -5552,7 +5670,7 @@
               <a:buSzPts val="1000"/>
               <a:buFont typeface="Arial"/>
               <a:buNone/>
-              <a:defRPr b="0" i="0" sz="1000" u="none" cap="none" strike="noStrike">
+              <a:defRPr sz="1000" b="0" i="0" u="none" strike="noStrike" cap="none">
                 <a:solidFill>
                   <a:schemeClr val="dk2"/>
                 </a:solidFill>
@@ -5562,7 +5680,7 @@
                 <a:sym typeface="Arial"/>
               </a:defRPr>
             </a:lvl4pPr>
-            <a:lvl5pPr indent="0" lvl="4" marL="0" marR="0" rtl="0" algn="r">
+            <a:lvl5pPr marL="0" marR="0" lvl="4" indent="0" algn="r" rtl="0">
               <a:lnSpc>
                 <a:spcPct val="100000"/>
               </a:lnSpc>
@@ -5578,7 +5696,7 @@
               <a:buSzPts val="1000"/>
               <a:buFont typeface="Arial"/>
               <a:buNone/>
-              <a:defRPr b="0" i="0" sz="1000" u="none" cap="none" strike="noStrike">
+              <a:defRPr sz="1000" b="0" i="0" u="none" strike="noStrike" cap="none">
                 <a:solidFill>
                   <a:schemeClr val="dk2"/>
                 </a:solidFill>
@@ -5588,7 +5706,7 @@
                 <a:sym typeface="Arial"/>
               </a:defRPr>
             </a:lvl5pPr>
-            <a:lvl6pPr indent="0" lvl="5" marL="0" marR="0" rtl="0" algn="r">
+            <a:lvl6pPr marL="0" marR="0" lvl="5" indent="0" algn="r" rtl="0">
               <a:lnSpc>
                 <a:spcPct val="100000"/>
               </a:lnSpc>
@@ -5604,7 +5722,7 @@
               <a:buSzPts val="1000"/>
               <a:buFont typeface="Arial"/>
               <a:buNone/>
-              <a:defRPr b="0" i="0" sz="1000" u="none" cap="none" strike="noStrike">
+              <a:defRPr sz="1000" b="0" i="0" u="none" strike="noStrike" cap="none">
                 <a:solidFill>
                   <a:schemeClr val="dk2"/>
                 </a:solidFill>
@@ -5614,7 +5732,7 @@
                 <a:sym typeface="Arial"/>
               </a:defRPr>
             </a:lvl6pPr>
-            <a:lvl7pPr indent="0" lvl="6" marL="0" marR="0" rtl="0" algn="r">
+            <a:lvl7pPr marL="0" marR="0" lvl="6" indent="0" algn="r" rtl="0">
               <a:lnSpc>
                 <a:spcPct val="100000"/>
               </a:lnSpc>
@@ -5630,7 +5748,7 @@
               <a:buSzPts val="1000"/>
               <a:buFont typeface="Arial"/>
               <a:buNone/>
-              <a:defRPr b="0" i="0" sz="1000" u="none" cap="none" strike="noStrike">
+              <a:defRPr sz="1000" b="0" i="0" u="none" strike="noStrike" cap="none">
                 <a:solidFill>
                   <a:schemeClr val="dk2"/>
                 </a:solidFill>
@@ -5640,7 +5758,7 @@
                 <a:sym typeface="Arial"/>
               </a:defRPr>
             </a:lvl7pPr>
-            <a:lvl8pPr indent="0" lvl="7" marL="0" marR="0" rtl="0" algn="r">
+            <a:lvl8pPr marL="0" marR="0" lvl="7" indent="0" algn="r" rtl="0">
               <a:lnSpc>
                 <a:spcPct val="100000"/>
               </a:lnSpc>
@@ -5656,7 +5774,7 @@
               <a:buSzPts val="1000"/>
               <a:buFont typeface="Arial"/>
               <a:buNone/>
-              <a:defRPr b="0" i="0" sz="1000" u="none" cap="none" strike="noStrike">
+              <a:defRPr sz="1000" b="0" i="0" u="none" strike="noStrike" cap="none">
                 <a:solidFill>
                   <a:schemeClr val="dk2"/>
                 </a:solidFill>
@@ -5666,7 +5784,7 @@
                 <a:sym typeface="Arial"/>
               </a:defRPr>
             </a:lvl8pPr>
-            <a:lvl9pPr indent="0" lvl="8" marL="0" marR="0" rtl="0" algn="r">
+            <a:lvl9pPr marL="0" marR="0" lvl="8" indent="0" algn="r" rtl="0">
               <a:lnSpc>
                 <a:spcPct val="100000"/>
               </a:lnSpc>
@@ -5682,7 +5800,7 @@
               <a:buSzPts val="1000"/>
               <a:buFont typeface="Arial"/>
               <a:buNone/>
-              <a:defRPr b="0" i="0" sz="1000" u="none" cap="none" strike="noStrike">
+              <a:defRPr sz="1000" b="0" i="0" u="none" strike="noStrike" cap="none">
                 <a:solidFill>
                   <a:schemeClr val="dk2"/>
                 </a:solidFill>
@@ -5694,7 +5812,7 @@
             </a:lvl9pPr>
           </a:lstStyle>
           <a:p>
-            <a:pPr indent="0" lvl="0" marL="0" rtl="0" algn="r">
+            <a:pPr marL="0" lvl="0" indent="0" algn="r" rtl="0">
               <a:spcBef>
                 <a:spcPts val="0"/>
               </a:spcBef>
@@ -5705,7 +5823,7 @@
             </a:pPr>
             <a:fld id="{00000000-1234-1234-1234-123412341234}" type="slidenum">
               <a:rPr lang="en-US"/>
-              <a:t>‹#›</a:t>
+              <a:t>‹nº›</a:t>
             </a:fld>
             <a:endParaRPr/>
           </a:p>
@@ -5713,7 +5831,7 @@
       </p:sp>
     </p:spTree>
   </p:cSld>
-  <p:clrMap accent1="accent1" accent2="accent2" accent3="accent3" accent4="accent4" accent5="accent5" accent6="accent6" bg1="lt1" bg2="dk2" tx1="dk1" tx2="lt2" folHlink="folHlink" hlink="hlink"/>
+  <p:clrMap bg1="lt1" tx1="dk1" bg2="dk2" tx2="lt2" accent1="accent1" accent2="accent2" accent3="accent3" accent4="accent4" accent5="accent5" accent6="accent6" hlink="hlink" folHlink="folHlink"/>
   <p:sldLayoutIdLst>
     <p:sldLayoutId id="2147483649" r:id="rId1"/>
     <p:sldLayoutId id="2147483650" r:id="rId2"/>
@@ -5722,10 +5840,10 @@
     <p:sldLayoutId id="2147483653" r:id="rId5"/>
     <p:sldLayoutId id="2147483654" r:id="rId6"/>
   </p:sldLayoutIdLst>
-  <p:hf dt="0" ftr="0" hdr="0" sldNum="0"/>
+  <p:hf sldNum="0" hdr="0" ftr="0" dt="0"/>
   <p:txStyles>
     <p:titleStyle>
-      <a:defPPr lvl="0" marR="0" rtl="0" algn="l">
+      <a:defPPr marR="0" lvl="0" algn="l" rtl="0">
         <a:lnSpc>
           <a:spcPct val="100000"/>
         </a:lnSpc>
@@ -5736,7 +5854,7 @@
           <a:spcPts val="0"/>
         </a:spcAft>
       </a:defPPr>
-      <a:lvl1pPr lvl="0" marR="0" rtl="0" algn="l">
+      <a:lvl1pPr marR="0" lvl="0" algn="l" rtl="0">
         <a:lnSpc>
           <a:spcPct val="100000"/>
         </a:lnSpc>
@@ -5750,7 +5868,7 @@
           <a:srgbClr val="000000"/>
         </a:buClr>
         <a:buFont typeface="Arial"/>
-        <a:defRPr b="0" i="0" sz="1400" u="none" cap="none" strike="noStrike">
+        <a:defRPr sz="1400" b="0" i="0" u="none" strike="noStrike" cap="none">
           <a:solidFill>
             <a:srgbClr val="000000"/>
           </a:solidFill>
@@ -5760,7 +5878,7 @@
           <a:sym typeface="Arial"/>
         </a:defRPr>
       </a:lvl1pPr>
-      <a:lvl2pPr lvl="1" marR="0" rtl="0" algn="l">
+      <a:lvl2pPr marR="0" lvl="1" algn="l" rtl="0">
         <a:lnSpc>
           <a:spcPct val="100000"/>
         </a:lnSpc>
@@ -5774,7 +5892,7 @@
           <a:srgbClr val="000000"/>
         </a:buClr>
         <a:buFont typeface="Arial"/>
-        <a:defRPr b="0" i="0" sz="1400" u="none" cap="none" strike="noStrike">
+        <a:defRPr sz="1400" b="0" i="0" u="none" strike="noStrike" cap="none">
           <a:solidFill>
             <a:srgbClr val="000000"/>
           </a:solidFill>
@@ -5784,7 +5902,7 @@
           <a:sym typeface="Arial"/>
         </a:defRPr>
       </a:lvl2pPr>
-      <a:lvl3pPr lvl="2" marR="0" rtl="0" algn="l">
+      <a:lvl3pPr marR="0" lvl="2" algn="l" rtl="0">
         <a:lnSpc>
           <a:spcPct val="100000"/>
         </a:lnSpc>
@@ -5798,7 +5916,7 @@
           <a:srgbClr val="000000"/>
         </a:buClr>
         <a:buFont typeface="Arial"/>
-        <a:defRPr b="0" i="0" sz="1400" u="none" cap="none" strike="noStrike">
+        <a:defRPr sz="1400" b="0" i="0" u="none" strike="noStrike" cap="none">
           <a:solidFill>
             <a:srgbClr val="000000"/>
           </a:solidFill>
@@ -5808,7 +5926,7 @@
           <a:sym typeface="Arial"/>
         </a:defRPr>
       </a:lvl3pPr>
-      <a:lvl4pPr lvl="3" marR="0" rtl="0" algn="l">
+      <a:lvl4pPr marR="0" lvl="3" algn="l" rtl="0">
         <a:lnSpc>
           <a:spcPct val="100000"/>
         </a:lnSpc>
@@ -5822,7 +5940,7 @@
           <a:srgbClr val="000000"/>
         </a:buClr>
         <a:buFont typeface="Arial"/>
-        <a:defRPr b="0" i="0" sz="1400" u="none" cap="none" strike="noStrike">
+        <a:defRPr sz="1400" b="0" i="0" u="none" strike="noStrike" cap="none">
           <a:solidFill>
             <a:srgbClr val="000000"/>
           </a:solidFill>
@@ -5832,7 +5950,7 @@
           <a:sym typeface="Arial"/>
         </a:defRPr>
       </a:lvl4pPr>
-      <a:lvl5pPr lvl="4" marR="0" rtl="0" algn="l">
+      <a:lvl5pPr marR="0" lvl="4" algn="l" rtl="0">
         <a:lnSpc>
           <a:spcPct val="100000"/>
         </a:lnSpc>
@@ -5846,7 +5964,7 @@
           <a:srgbClr val="000000"/>
         </a:buClr>
         <a:buFont typeface="Arial"/>
-        <a:defRPr b="0" i="0" sz="1400" u="none" cap="none" strike="noStrike">
+        <a:defRPr sz="1400" b="0" i="0" u="none" strike="noStrike" cap="none">
           <a:solidFill>
             <a:srgbClr val="000000"/>
           </a:solidFill>
@@ -5856,7 +5974,7 @@
           <a:sym typeface="Arial"/>
         </a:defRPr>
       </a:lvl5pPr>
-      <a:lvl6pPr lvl="5" marR="0" rtl="0" algn="l">
+      <a:lvl6pPr marR="0" lvl="5" algn="l" rtl="0">
         <a:lnSpc>
           <a:spcPct val="100000"/>
         </a:lnSpc>
@@ -5870,7 +5988,7 @@
           <a:srgbClr val="000000"/>
         </a:buClr>
         <a:buFont typeface="Arial"/>
-        <a:defRPr b="0" i="0" sz="1400" u="none" cap="none" strike="noStrike">
+        <a:defRPr sz="1400" b="0" i="0" u="none" strike="noStrike" cap="none">
           <a:solidFill>
             <a:srgbClr val="000000"/>
           </a:solidFill>
@@ -5880,7 +5998,7 @@
           <a:sym typeface="Arial"/>
         </a:defRPr>
       </a:lvl6pPr>
-      <a:lvl7pPr lvl="6" marR="0" rtl="0" algn="l">
+      <a:lvl7pPr marR="0" lvl="6" algn="l" rtl="0">
         <a:lnSpc>
           <a:spcPct val="100000"/>
         </a:lnSpc>
@@ -5894,7 +6012,7 @@
           <a:srgbClr val="000000"/>
         </a:buClr>
         <a:buFont typeface="Arial"/>
-        <a:defRPr b="0" i="0" sz="1400" u="none" cap="none" strike="noStrike">
+        <a:defRPr sz="1400" b="0" i="0" u="none" strike="noStrike" cap="none">
           <a:solidFill>
             <a:srgbClr val="000000"/>
           </a:solidFill>
@@ -5904,7 +6022,7 @@
           <a:sym typeface="Arial"/>
         </a:defRPr>
       </a:lvl7pPr>
-      <a:lvl8pPr lvl="7" marR="0" rtl="0" algn="l">
+      <a:lvl8pPr marR="0" lvl="7" algn="l" rtl="0">
         <a:lnSpc>
           <a:spcPct val="100000"/>
         </a:lnSpc>
@@ -5918,7 +6036,7 @@
           <a:srgbClr val="000000"/>
         </a:buClr>
         <a:buFont typeface="Arial"/>
-        <a:defRPr b="0" i="0" sz="1400" u="none" cap="none" strike="noStrike">
+        <a:defRPr sz="1400" b="0" i="0" u="none" strike="noStrike" cap="none">
           <a:solidFill>
             <a:srgbClr val="000000"/>
           </a:solidFill>
@@ -5928,7 +6046,7 @@
           <a:sym typeface="Arial"/>
         </a:defRPr>
       </a:lvl8pPr>
-      <a:lvl9pPr lvl="8" marR="0" rtl="0" algn="l">
+      <a:lvl9pPr marR="0" lvl="8" algn="l" rtl="0">
         <a:lnSpc>
           <a:spcPct val="100000"/>
         </a:lnSpc>
@@ -5942,7 +6060,7 @@
           <a:srgbClr val="000000"/>
         </a:buClr>
         <a:buFont typeface="Arial"/>
-        <a:defRPr b="0" i="0" sz="1400" u="none" cap="none" strike="noStrike">
+        <a:defRPr sz="1400" b="0" i="0" u="none" strike="noStrike" cap="none">
           <a:solidFill>
             <a:srgbClr val="000000"/>
           </a:solidFill>
@@ -5954,7 +6072,7 @@
       </a:lvl9pPr>
     </p:titleStyle>
     <p:bodyStyle>
-      <a:defPPr lvl="0" marR="0" rtl="0" algn="l">
+      <a:defPPr marR="0" lvl="0" algn="l" rtl="0">
         <a:lnSpc>
           <a:spcPct val="100000"/>
         </a:lnSpc>
@@ -5965,7 +6083,7 @@
           <a:spcPts val="0"/>
         </a:spcAft>
       </a:defPPr>
-      <a:lvl1pPr lvl="0" marR="0" rtl="0" algn="l">
+      <a:lvl1pPr marR="0" lvl="0" algn="l" rtl="0">
         <a:lnSpc>
           <a:spcPct val="100000"/>
         </a:lnSpc>
@@ -5979,7 +6097,7 @@
           <a:srgbClr val="000000"/>
         </a:buClr>
         <a:buFont typeface="Arial"/>
-        <a:defRPr b="0" i="0" sz="1400" u="none" cap="none" strike="noStrike">
+        <a:defRPr sz="1400" b="0" i="0" u="none" strike="noStrike" cap="none">
           <a:solidFill>
             <a:srgbClr val="000000"/>
           </a:solidFill>
@@ -5989,7 +6107,7 @@
           <a:sym typeface="Arial"/>
         </a:defRPr>
       </a:lvl1pPr>
-      <a:lvl2pPr lvl="1" marR="0" rtl="0" algn="l">
+      <a:lvl2pPr marR="0" lvl="1" algn="l" rtl="0">
         <a:lnSpc>
           <a:spcPct val="100000"/>
         </a:lnSpc>
@@ -6003,7 +6121,7 @@
           <a:srgbClr val="000000"/>
         </a:buClr>
         <a:buFont typeface="Arial"/>
-        <a:defRPr b="0" i="0" sz="1400" u="none" cap="none" strike="noStrike">
+        <a:defRPr sz="1400" b="0" i="0" u="none" strike="noStrike" cap="none">
           <a:solidFill>
             <a:srgbClr val="000000"/>
           </a:solidFill>
@@ -6013,7 +6131,7 @@
           <a:sym typeface="Arial"/>
         </a:defRPr>
       </a:lvl2pPr>
-      <a:lvl3pPr lvl="2" marR="0" rtl="0" algn="l">
+      <a:lvl3pPr marR="0" lvl="2" algn="l" rtl="0">
         <a:lnSpc>
           <a:spcPct val="100000"/>
         </a:lnSpc>
@@ -6027,7 +6145,7 @@
           <a:srgbClr val="000000"/>
         </a:buClr>
         <a:buFont typeface="Arial"/>
-        <a:defRPr b="0" i="0" sz="1400" u="none" cap="none" strike="noStrike">
+        <a:defRPr sz="1400" b="0" i="0" u="none" strike="noStrike" cap="none">
           <a:solidFill>
             <a:srgbClr val="000000"/>
           </a:solidFill>
@@ -6037,7 +6155,7 @@
           <a:sym typeface="Arial"/>
         </a:defRPr>
       </a:lvl3pPr>
-      <a:lvl4pPr lvl="3" marR="0" rtl="0" algn="l">
+      <a:lvl4pPr marR="0" lvl="3" algn="l" rtl="0">
         <a:lnSpc>
           <a:spcPct val="100000"/>
         </a:lnSpc>
@@ -6051,7 +6169,7 @@
           <a:srgbClr val="000000"/>
         </a:buClr>
         <a:buFont typeface="Arial"/>
-        <a:defRPr b="0" i="0" sz="1400" u="none" cap="none" strike="noStrike">
+        <a:defRPr sz="1400" b="0" i="0" u="none" strike="noStrike" cap="none">
           <a:solidFill>
             <a:srgbClr val="000000"/>
           </a:solidFill>
@@ -6061,7 +6179,7 @@
           <a:sym typeface="Arial"/>
         </a:defRPr>
       </a:lvl4pPr>
-      <a:lvl5pPr lvl="4" marR="0" rtl="0" algn="l">
+      <a:lvl5pPr marR="0" lvl="4" algn="l" rtl="0">
         <a:lnSpc>
           <a:spcPct val="100000"/>
         </a:lnSpc>
@@ -6075,7 +6193,7 @@
           <a:srgbClr val="000000"/>
         </a:buClr>
         <a:buFont typeface="Arial"/>
-        <a:defRPr b="0" i="0" sz="1400" u="none" cap="none" strike="noStrike">
+        <a:defRPr sz="1400" b="0" i="0" u="none" strike="noStrike" cap="none">
           <a:solidFill>
             <a:srgbClr val="000000"/>
           </a:solidFill>
@@ -6085,7 +6203,7 @@
           <a:sym typeface="Arial"/>
         </a:defRPr>
       </a:lvl5pPr>
-      <a:lvl6pPr lvl="5" marR="0" rtl="0" algn="l">
+      <a:lvl6pPr marR="0" lvl="5" algn="l" rtl="0">
         <a:lnSpc>
           <a:spcPct val="100000"/>
         </a:lnSpc>
@@ -6099,7 +6217,7 @@
           <a:srgbClr val="000000"/>
         </a:buClr>
         <a:buFont typeface="Arial"/>
-        <a:defRPr b="0" i="0" sz="1400" u="none" cap="none" strike="noStrike">
+        <a:defRPr sz="1400" b="0" i="0" u="none" strike="noStrike" cap="none">
           <a:solidFill>
             <a:srgbClr val="000000"/>
           </a:solidFill>
@@ -6109,7 +6227,7 @@
           <a:sym typeface="Arial"/>
         </a:defRPr>
       </a:lvl6pPr>
-      <a:lvl7pPr lvl="6" marR="0" rtl="0" algn="l">
+      <a:lvl7pPr marR="0" lvl="6" algn="l" rtl="0">
         <a:lnSpc>
           <a:spcPct val="100000"/>
         </a:lnSpc>
@@ -6123,7 +6241,7 @@
           <a:srgbClr val="000000"/>
         </a:buClr>
         <a:buFont typeface="Arial"/>
-        <a:defRPr b="0" i="0" sz="1400" u="none" cap="none" strike="noStrike">
+        <a:defRPr sz="1400" b="0" i="0" u="none" strike="noStrike" cap="none">
           <a:solidFill>
             <a:srgbClr val="000000"/>
           </a:solidFill>
@@ -6133,7 +6251,7 @@
           <a:sym typeface="Arial"/>
         </a:defRPr>
       </a:lvl7pPr>
-      <a:lvl8pPr lvl="7" marR="0" rtl="0" algn="l">
+      <a:lvl8pPr marR="0" lvl="7" algn="l" rtl="0">
         <a:lnSpc>
           <a:spcPct val="100000"/>
         </a:lnSpc>
@@ -6147,7 +6265,7 @@
           <a:srgbClr val="000000"/>
         </a:buClr>
         <a:buFont typeface="Arial"/>
-        <a:defRPr b="0" i="0" sz="1400" u="none" cap="none" strike="noStrike">
+        <a:defRPr sz="1400" b="0" i="0" u="none" strike="noStrike" cap="none">
           <a:solidFill>
             <a:srgbClr val="000000"/>
           </a:solidFill>
@@ -6157,7 +6275,7 @@
           <a:sym typeface="Arial"/>
         </a:defRPr>
       </a:lvl8pPr>
-      <a:lvl9pPr lvl="8" marR="0" rtl="0" algn="l">
+      <a:lvl9pPr marR="0" lvl="8" algn="l" rtl="0">
         <a:lnSpc>
           <a:spcPct val="100000"/>
         </a:lnSpc>
@@ -6171,7 +6289,7 @@
           <a:srgbClr val="000000"/>
         </a:buClr>
         <a:buFont typeface="Arial"/>
-        <a:defRPr b="0" i="0" sz="1400" u="none" cap="none" strike="noStrike">
+        <a:defRPr sz="1400" b="0" i="0" u="none" strike="noStrike" cap="none">
           <a:solidFill>
             <a:srgbClr val="000000"/>
           </a:solidFill>
@@ -6183,7 +6301,7 @@
       </a:lvl9pPr>
     </p:bodyStyle>
     <p:otherStyle>
-      <a:defPPr lvl="0" marR="0" rtl="0" algn="l">
+      <a:defPPr marR="0" lvl="0" algn="l" rtl="0">
         <a:lnSpc>
           <a:spcPct val="100000"/>
         </a:lnSpc>
@@ -6194,7 +6312,7 @@
           <a:spcPts val="0"/>
         </a:spcAft>
       </a:defPPr>
-      <a:lvl1pPr lvl="0" marR="0" rtl="0" algn="l">
+      <a:lvl1pPr marR="0" lvl="0" algn="l" rtl="0">
         <a:lnSpc>
           <a:spcPct val="100000"/>
         </a:lnSpc>
@@ -6208,7 +6326,7 @@
           <a:srgbClr val="000000"/>
         </a:buClr>
         <a:buFont typeface="Arial"/>
-        <a:defRPr b="0" i="0" sz="1400" u="none" cap="none" strike="noStrike">
+        <a:defRPr sz="1400" b="0" i="0" u="none" strike="noStrike" cap="none">
           <a:solidFill>
             <a:srgbClr val="000000"/>
           </a:solidFill>
@@ -6218,7 +6336,7 @@
           <a:sym typeface="Arial"/>
         </a:defRPr>
       </a:lvl1pPr>
-      <a:lvl2pPr lvl="1" marR="0" rtl="0" algn="l">
+      <a:lvl2pPr marR="0" lvl="1" algn="l" rtl="0">
         <a:lnSpc>
           <a:spcPct val="100000"/>
         </a:lnSpc>
@@ -6232,7 +6350,7 @@
           <a:srgbClr val="000000"/>
         </a:buClr>
         <a:buFont typeface="Arial"/>
-        <a:defRPr b="0" i="0" sz="1400" u="none" cap="none" strike="noStrike">
+        <a:defRPr sz="1400" b="0" i="0" u="none" strike="noStrike" cap="none">
           <a:solidFill>
             <a:srgbClr val="000000"/>
           </a:solidFill>
@@ -6242,7 +6360,7 @@
           <a:sym typeface="Arial"/>
         </a:defRPr>
       </a:lvl2pPr>
-      <a:lvl3pPr lvl="2" marR="0" rtl="0" algn="l">
+      <a:lvl3pPr marR="0" lvl="2" algn="l" rtl="0">
         <a:lnSpc>
           <a:spcPct val="100000"/>
         </a:lnSpc>
@@ -6256,7 +6374,7 @@
           <a:srgbClr val="000000"/>
         </a:buClr>
         <a:buFont typeface="Arial"/>
-        <a:defRPr b="0" i="0" sz="1400" u="none" cap="none" strike="noStrike">
+        <a:defRPr sz="1400" b="0" i="0" u="none" strike="noStrike" cap="none">
           <a:solidFill>
             <a:srgbClr val="000000"/>
           </a:solidFill>
@@ -6266,7 +6384,7 @@
           <a:sym typeface="Arial"/>
         </a:defRPr>
       </a:lvl3pPr>
-      <a:lvl4pPr lvl="3" marR="0" rtl="0" algn="l">
+      <a:lvl4pPr marR="0" lvl="3" algn="l" rtl="0">
         <a:lnSpc>
           <a:spcPct val="100000"/>
         </a:lnSpc>
@@ -6280,7 +6398,7 @@
           <a:srgbClr val="000000"/>
         </a:buClr>
         <a:buFont typeface="Arial"/>
-        <a:defRPr b="0" i="0" sz="1400" u="none" cap="none" strike="noStrike">
+        <a:defRPr sz="1400" b="0" i="0" u="none" strike="noStrike" cap="none">
           <a:solidFill>
             <a:srgbClr val="000000"/>
           </a:solidFill>
@@ -6290,7 +6408,7 @@
           <a:sym typeface="Arial"/>
         </a:defRPr>
       </a:lvl4pPr>
-      <a:lvl5pPr lvl="4" marR="0" rtl="0" algn="l">
+      <a:lvl5pPr marR="0" lvl="4" algn="l" rtl="0">
         <a:lnSpc>
           <a:spcPct val="100000"/>
         </a:lnSpc>
@@ -6304,7 +6422,7 @@
           <a:srgbClr val="000000"/>
         </a:buClr>
         <a:buFont typeface="Arial"/>
-        <a:defRPr b="0" i="0" sz="1400" u="none" cap="none" strike="noStrike">
+        <a:defRPr sz="1400" b="0" i="0" u="none" strike="noStrike" cap="none">
           <a:solidFill>
             <a:srgbClr val="000000"/>
           </a:solidFill>
@@ -6314,7 +6432,7 @@
           <a:sym typeface="Arial"/>
         </a:defRPr>
       </a:lvl5pPr>
-      <a:lvl6pPr lvl="5" marR="0" rtl="0" algn="l">
+      <a:lvl6pPr marR="0" lvl="5" algn="l" rtl="0">
         <a:lnSpc>
           <a:spcPct val="100000"/>
         </a:lnSpc>
@@ -6328,7 +6446,7 @@
           <a:srgbClr val="000000"/>
         </a:buClr>
         <a:buFont typeface="Arial"/>
-        <a:defRPr b="0" i="0" sz="1400" u="none" cap="none" strike="noStrike">
+        <a:defRPr sz="1400" b="0" i="0" u="none" strike="noStrike" cap="none">
           <a:solidFill>
             <a:srgbClr val="000000"/>
           </a:solidFill>
@@ -6338,7 +6456,7 @@
           <a:sym typeface="Arial"/>
         </a:defRPr>
       </a:lvl6pPr>
-      <a:lvl7pPr lvl="6" marR="0" rtl="0" algn="l">
+      <a:lvl7pPr marR="0" lvl="6" algn="l" rtl="0">
         <a:lnSpc>
           <a:spcPct val="100000"/>
         </a:lnSpc>
@@ -6352,7 +6470,7 @@
           <a:srgbClr val="000000"/>
         </a:buClr>
         <a:buFont typeface="Arial"/>
-        <a:defRPr b="0" i="0" sz="1400" u="none" cap="none" strike="noStrike">
+        <a:defRPr sz="1400" b="0" i="0" u="none" strike="noStrike" cap="none">
           <a:solidFill>
             <a:srgbClr val="000000"/>
           </a:solidFill>
@@ -6362,7 +6480,7 @@
           <a:sym typeface="Arial"/>
         </a:defRPr>
       </a:lvl7pPr>
-      <a:lvl8pPr lvl="7" marR="0" rtl="0" algn="l">
+      <a:lvl8pPr marR="0" lvl="7" algn="l" rtl="0">
         <a:lnSpc>
           <a:spcPct val="100000"/>
         </a:lnSpc>
@@ -6376,7 +6494,7 @@
           <a:srgbClr val="000000"/>
         </a:buClr>
         <a:buFont typeface="Arial"/>
-        <a:defRPr b="0" i="0" sz="1400" u="none" cap="none" strike="noStrike">
+        <a:defRPr sz="1400" b="0" i="0" u="none" strike="noStrike" cap="none">
           <a:solidFill>
             <a:srgbClr val="000000"/>
           </a:solidFill>
@@ -6386,7 +6504,7 @@
           <a:sym typeface="Arial"/>
         </a:defRPr>
       </a:lvl8pPr>
-      <a:lvl9pPr lvl="8" marR="0" rtl="0" algn="l">
+      <a:lvl9pPr marR="0" lvl="8" algn="l" rtl="0">
         <a:lnSpc>
           <a:spcPct val="100000"/>
         </a:lnSpc>
@@ -6400,7 +6518,7 @@
           <a:srgbClr val="000000"/>
         </a:buClr>
         <a:buFont typeface="Arial"/>
-        <a:defRPr b="0" i="0" sz="1400" u="none" cap="none" strike="noStrike">
+        <a:defRPr sz="1400" b="0" i="0" u="none" strike="noStrike" cap="none">
           <a:solidFill>
             <a:srgbClr val="000000"/>
           </a:solidFill>
@@ -6416,11 +6534,11 @@
 </file>
 
 <file path=ppt/slides/slide1.xml><?xml version="1.0" encoding="utf-8"?>
-<p:sld xmlns:a="http://schemas.openxmlformats.org/drawingml/2006/main" xmlns:r="http://schemas.openxmlformats.org/officeDocument/2006/relationships" xmlns:mc="http://schemas.openxmlformats.org/markup-compatibility/2006" xmlns:mv="urn:schemas-microsoft-com:mac:vml" xmlns:p="http://schemas.openxmlformats.org/presentationml/2006/main" xmlns:c="http://schemas.openxmlformats.org/drawingml/2006/chart" xmlns:dgm="http://schemas.openxmlformats.org/drawingml/2006/diagram" xmlns:o="urn:schemas-microsoft-com:office:office" xmlns:v="urn:schemas-microsoft-com:vml" xmlns:pvml="urn:schemas-microsoft-com:office:powerpoint" xmlns:com="http://schemas.openxmlformats.org/drawingml/2006/compatibility" xmlns:p14="http://schemas.microsoft.com/office/powerpoint/2010/main" xmlns:p15="http://schemas.microsoft.com/office/powerpoint/2012/main" xmlns:ahyp="http://schemas.microsoft.com/office/drawing/2018/hyperlinkcolor">
+<p:sld xmlns:a="http://schemas.openxmlformats.org/drawingml/2006/main" xmlns:r="http://schemas.openxmlformats.org/officeDocument/2006/relationships" xmlns:p="http://schemas.openxmlformats.org/presentationml/2006/main">
   <p:cSld>
     <p:spTree>
       <p:nvGrpSpPr>
-        <p:cNvPr id="34" name="Shape 34"/>
+        <p:cNvPr id="1" name="Shape 34"/>
         <p:cNvGrpSpPr/>
         <p:nvPr/>
       </p:nvGrpSpPr>
@@ -6435,7 +6553,9 @@
       <p:sp>
         <p:nvSpPr>
           <p:cNvPr id="35" name="Google Shape;35;gc45dd6da3b_4_0"/>
-          <p:cNvSpPr txBox="1"/>
+          <p:cNvSpPr txBox="1">
+            <a:spLocks noGrp="1"/>
+          </p:cNvSpPr>
           <p:nvPr>
             <p:ph type="ctrTitle"/>
           </p:nvPr>
@@ -6454,12 +6574,12 @@
           </a:ln>
         </p:spPr>
         <p:txBody>
-          <a:bodyPr anchorCtr="0" anchor="ctr" bIns="91425" lIns="91425" spcFirstLastPara="1" rIns="91425" wrap="square" tIns="91425">
+          <a:bodyPr spcFirstLastPara="1" wrap="square" lIns="91425" tIns="91425" rIns="91425" bIns="91425" anchor="ctr" anchorCtr="0">
             <a:noAutofit/>
           </a:bodyPr>
           <a:lstStyle/>
           <a:p>
-            <a:pPr indent="0" lvl="0" marL="0" rtl="0" algn="l">
+            <a:pPr marL="0" lvl="0" indent="0" algn="l" rtl="0">
               <a:lnSpc>
                 <a:spcPct val="100000"/>
               </a:lnSpc>
@@ -6526,7 +6646,9 @@
       <p:sp>
         <p:nvSpPr>
           <p:cNvPr id="36" name="Google Shape;36;gc45dd6da3b_4_0"/>
-          <p:cNvSpPr txBox="1"/>
+          <p:cNvSpPr txBox="1">
+            <a:spLocks noGrp="1"/>
+          </p:cNvSpPr>
           <p:nvPr>
             <p:ph type="ctrTitle"/>
           </p:nvPr>
@@ -6545,12 +6667,12 @@
           </a:ln>
         </p:spPr>
         <p:txBody>
-          <a:bodyPr anchorCtr="0" anchor="ctr" bIns="91425" lIns="91425" spcFirstLastPara="1" rIns="91425" wrap="square" tIns="91425">
+          <a:bodyPr spcFirstLastPara="1" wrap="square" lIns="91425" tIns="91425" rIns="91425" bIns="91425" anchor="ctr" anchorCtr="0">
             <a:noAutofit/>
           </a:bodyPr>
           <a:lstStyle/>
           <a:p>
-            <a:pPr indent="0" lvl="0" marL="0" rtl="0" algn="l">
+            <a:pPr marL="0" lvl="0" indent="0" algn="l" rtl="0">
               <a:lnSpc>
                 <a:spcPct val="100000"/>
               </a:lnSpc>
@@ -6594,9 +6716,11 @@
       <p:sp>
         <p:nvSpPr>
           <p:cNvPr id="37" name="Google Shape;37;gc45dd6da3b_4_0"/>
-          <p:cNvSpPr txBox="1"/>
+          <p:cNvSpPr txBox="1">
+            <a:spLocks noGrp="1"/>
+          </p:cNvSpPr>
           <p:nvPr>
-            <p:ph idx="1" type="subTitle"/>
+            <p:ph type="subTitle" idx="1"/>
           </p:nvPr>
         </p:nvSpPr>
         <p:spPr>
@@ -6613,12 +6737,12 @@
           </a:ln>
         </p:spPr>
         <p:txBody>
-          <a:bodyPr anchorCtr="0" anchor="ctr" bIns="91425" lIns="91425" spcFirstLastPara="1" rIns="91425" wrap="square" tIns="91425">
+          <a:bodyPr spcFirstLastPara="1" wrap="square" lIns="91425" tIns="91425" rIns="91425" bIns="91425" anchor="ctr" anchorCtr="0">
             <a:noAutofit/>
           </a:bodyPr>
           <a:lstStyle/>
           <a:p>
-            <a:pPr indent="0" lvl="0" marL="0" rtl="0" algn="l">
+            <a:pPr marL="0" lvl="0" indent="0" algn="l" rtl="0">
               <a:lnSpc>
                 <a:spcPct val="100000"/>
               </a:lnSpc>
@@ -6636,7 +6760,7 @@
               <a:buNone/>
             </a:pPr>
             <a:r>
-              <a:rPr b="1" lang="en-US" sz="6600">
+              <a:rPr lang="en-US" sz="6600" b="1">
                 <a:solidFill>
                   <a:srgbClr val="404040"/>
                 </a:solidFill>
@@ -6647,7 +6771,7 @@
               </a:rPr>
               <a:t>[Nome da aula]</a:t>
             </a:r>
-            <a:endParaRPr b="1" sz="6600">
+            <a:endParaRPr sz="6600" b="1">
               <a:solidFill>
                 <a:srgbClr val="404040"/>
               </a:solidFill>
@@ -6676,23 +6800,23 @@
           <a:solidFill>
             <a:srgbClr val="F78321"/>
           </a:solidFill>
-          <a:ln cap="flat" cmpd="sng" w="9525">
+          <a:ln w="9525" cap="flat" cmpd="sng">
             <a:solidFill>
               <a:srgbClr val="F78321"/>
             </a:solidFill>
             <a:prstDash val="solid"/>
             <a:round/>
-            <a:headEnd len="sm" w="sm" type="none"/>
-            <a:tailEnd len="sm" w="sm" type="none"/>
+            <a:headEnd type="none" w="sm" len="sm"/>
+            <a:tailEnd type="none" w="sm" len="sm"/>
           </a:ln>
         </p:spPr>
         <p:txBody>
-          <a:bodyPr anchorCtr="0" anchor="ctr" bIns="91425" lIns="91425" spcFirstLastPara="1" rIns="91425" wrap="square" tIns="91425">
+          <a:bodyPr spcFirstLastPara="1" wrap="square" lIns="91425" tIns="91425" rIns="91425" bIns="91425" anchor="ctr" anchorCtr="0">
             <a:noAutofit/>
           </a:bodyPr>
           <a:lstStyle/>
           <a:p>
-            <a:pPr indent="0" lvl="0" marL="0" marR="0" rtl="0" algn="l">
+            <a:pPr marL="0" marR="0" lvl="0" indent="0" algn="l" rtl="0">
               <a:lnSpc>
                 <a:spcPct val="100000"/>
               </a:lnSpc>
@@ -6709,10 +6833,7 @@
               <a:buFont typeface="Arial"/>
               <a:buNone/>
             </a:pPr>
-            <a:r>
-              <a:t/>
-            </a:r>
-            <a:endParaRPr b="0" i="0" sz="1400" u="none" cap="none" strike="noStrike">
+            <a:endParaRPr sz="1400" b="0" i="0" u="none" strike="noStrike" cap="none">
               <a:solidFill>
                 <a:srgbClr val="000000"/>
               </a:solidFill>
@@ -6741,23 +6862,23 @@
           <a:solidFill>
             <a:srgbClr val="404040"/>
           </a:solidFill>
-          <a:ln cap="flat" cmpd="sng" w="9525">
+          <a:ln w="9525" cap="flat" cmpd="sng">
             <a:solidFill>
               <a:srgbClr val="404040"/>
             </a:solidFill>
             <a:prstDash val="solid"/>
             <a:round/>
-            <a:headEnd len="sm" w="sm" type="none"/>
-            <a:tailEnd len="sm" w="sm" type="none"/>
+            <a:headEnd type="none" w="sm" len="sm"/>
+            <a:tailEnd type="none" w="sm" len="sm"/>
           </a:ln>
         </p:spPr>
         <p:txBody>
-          <a:bodyPr anchorCtr="0" anchor="ctr" bIns="91425" lIns="91425" spcFirstLastPara="1" rIns="91425" wrap="square" tIns="91425">
+          <a:bodyPr spcFirstLastPara="1" wrap="square" lIns="91425" tIns="91425" rIns="91425" bIns="91425" anchor="ctr" anchorCtr="0">
             <a:noAutofit/>
           </a:bodyPr>
           <a:lstStyle/>
           <a:p>
-            <a:pPr indent="0" lvl="0" marL="0" marR="0" rtl="0" algn="l">
+            <a:pPr marL="0" marR="0" lvl="0" indent="0" algn="l" rtl="0">
               <a:lnSpc>
                 <a:spcPct val="100000"/>
               </a:lnSpc>
@@ -6774,10 +6895,7 @@
               <a:buFont typeface="Arial"/>
               <a:buNone/>
             </a:pPr>
-            <a:r>
-              <a:t/>
-            </a:r>
-            <a:endParaRPr b="0" i="0" sz="1400" u="none" cap="none" strike="noStrike">
+            <a:endParaRPr sz="1400" b="0" i="0" u="none" strike="noStrike" cap="none">
               <a:solidFill>
                 <a:srgbClr val="000000"/>
               </a:solidFill>
@@ -6806,23 +6924,23 @@
           <a:solidFill>
             <a:srgbClr val="F78321"/>
           </a:solidFill>
-          <a:ln cap="flat" cmpd="sng" w="9525">
+          <a:ln w="9525" cap="flat" cmpd="sng">
             <a:solidFill>
               <a:srgbClr val="F78321"/>
             </a:solidFill>
             <a:prstDash val="solid"/>
             <a:round/>
-            <a:headEnd len="sm" w="sm" type="none"/>
-            <a:tailEnd len="sm" w="sm" type="none"/>
+            <a:headEnd type="none" w="sm" len="sm"/>
+            <a:tailEnd type="none" w="sm" len="sm"/>
           </a:ln>
         </p:spPr>
         <p:txBody>
-          <a:bodyPr anchorCtr="0" anchor="ctr" bIns="91425" lIns="91425" spcFirstLastPara="1" rIns="91425" wrap="square" tIns="91425">
+          <a:bodyPr spcFirstLastPara="1" wrap="square" lIns="91425" tIns="91425" rIns="91425" bIns="91425" anchor="ctr" anchorCtr="0">
             <a:noAutofit/>
           </a:bodyPr>
           <a:lstStyle/>
           <a:p>
-            <a:pPr indent="0" lvl="0" marL="0" marR="0" rtl="0" algn="l">
+            <a:pPr marL="0" marR="0" lvl="0" indent="0" algn="l" rtl="0">
               <a:lnSpc>
                 <a:spcPct val="100000"/>
               </a:lnSpc>
@@ -6839,10 +6957,7 @@
               <a:buFont typeface="Arial"/>
               <a:buNone/>
             </a:pPr>
-            <a:r>
-              <a:t/>
-            </a:r>
-            <a:endParaRPr b="0" i="0" sz="1400" u="none" cap="none" strike="noStrike">
+            <a:endParaRPr sz="1400" b="0" i="0" u="none" strike="noStrike" cap="none">
               <a:solidFill>
                 <a:srgbClr val="000000"/>
               </a:solidFill>
@@ -6864,7 +6979,7 @@
           <a:blip r:embed="rId3">
             <a:alphaModFix/>
           </a:blip>
-          <a:srcRect b="0" l="0" r="0" t="0"/>
+          <a:srcRect/>
           <a:stretch/>
         </p:blipFill>
         <p:spPr>
@@ -6898,23 +7013,23 @@
           <a:solidFill>
             <a:schemeClr val="lt1"/>
           </a:solidFill>
-          <a:ln cap="flat" cmpd="sng" w="9525">
+          <a:ln w="9525" cap="flat" cmpd="sng">
             <a:solidFill>
               <a:schemeClr val="lt1"/>
             </a:solidFill>
             <a:prstDash val="solid"/>
             <a:round/>
-            <a:headEnd len="sm" w="sm" type="none"/>
-            <a:tailEnd len="sm" w="sm" type="none"/>
+            <a:headEnd type="none" w="sm" len="sm"/>
+            <a:tailEnd type="none" w="sm" len="sm"/>
           </a:ln>
         </p:spPr>
         <p:txBody>
-          <a:bodyPr anchorCtr="0" anchor="ctr" bIns="91425" lIns="91425" spcFirstLastPara="1" rIns="91425" wrap="square" tIns="91425">
+          <a:bodyPr spcFirstLastPara="1" wrap="square" lIns="91425" tIns="91425" rIns="91425" bIns="91425" anchor="ctr" anchorCtr="0">
             <a:noAutofit/>
           </a:bodyPr>
           <a:lstStyle/>
           <a:p>
-            <a:pPr indent="0" lvl="0" marL="0" marR="0" rtl="0" algn="l">
+            <a:pPr marL="0" marR="0" lvl="0" indent="0" algn="l" rtl="0">
               <a:lnSpc>
                 <a:spcPct val="100000"/>
               </a:lnSpc>
@@ -6931,10 +7046,7 @@
               <a:buFont typeface="Arial"/>
               <a:buNone/>
             </a:pPr>
-            <a:r>
-              <a:t/>
-            </a:r>
-            <a:endParaRPr b="0" i="0" sz="1400" u="none" cap="none" strike="noStrike">
+            <a:endParaRPr sz="1400" b="0" i="0" u="none" strike="noStrike" cap="none">
               <a:solidFill>
                 <a:schemeClr val="lt1"/>
               </a:solidFill>
@@ -6966,12 +7078,12 @@
           </a:ln>
         </p:spPr>
         <p:txBody>
-          <a:bodyPr anchorCtr="0" anchor="ctr" bIns="91425" lIns="91425" spcFirstLastPara="1" rIns="91425" wrap="square" tIns="91425">
+          <a:bodyPr spcFirstLastPara="1" wrap="square" lIns="91425" tIns="91425" rIns="91425" bIns="91425" anchor="ctr" anchorCtr="0">
             <a:noAutofit/>
           </a:bodyPr>
           <a:lstStyle/>
           <a:p>
-            <a:pPr indent="0" lvl="0" marL="0" marR="0" rtl="0" algn="l">
+            <a:pPr marL="0" marR="0" lvl="0" indent="0" algn="l" rtl="0">
               <a:lnSpc>
                 <a:spcPct val="100000"/>
               </a:lnSpc>
@@ -6989,7 +7101,7 @@
               <a:buNone/>
             </a:pPr>
             <a:r>
-              <a:rPr b="1" i="0" lang="en-US" sz="2800" u="none" cap="none" strike="noStrike">
+              <a:rPr lang="en-US" sz="2800" b="1" i="0" u="none" strike="noStrike" cap="none">
                 <a:solidFill>
                   <a:schemeClr val="lt1"/>
                 </a:solidFill>
@@ -7004,7 +7116,7 @@
               <a:rPr lang="en-US"/>
             </a:br>
             <a:r>
-              <a:rPr b="1" lang="en-US" sz="5400">
+              <a:rPr lang="en-US" sz="5400" b="1">
                 <a:solidFill>
                   <a:schemeClr val="lt1"/>
                 </a:solidFill>
@@ -7015,7 +7127,7 @@
               </a:rPr>
               <a:t>Coleções com iterações ordenadas: Listas </a:t>
             </a:r>
-            <a:endParaRPr b="1" i="0" sz="5400" u="none" cap="none" strike="noStrike">
+            <a:endParaRPr sz="5400" b="1" i="0" u="none" strike="noStrike" cap="none">
               <a:solidFill>
                 <a:schemeClr val="lt1"/>
               </a:solidFill>
@@ -7047,12 +7159,12 @@
           </a:ln>
         </p:spPr>
         <p:txBody>
-          <a:bodyPr anchorCtr="0" anchor="ctr" bIns="91425" lIns="91425" spcFirstLastPara="1" rIns="91425" wrap="square" tIns="91425">
+          <a:bodyPr spcFirstLastPara="1" wrap="square" lIns="91425" tIns="91425" rIns="91425" bIns="91425" anchor="ctr" anchorCtr="0">
             <a:noAutofit/>
           </a:bodyPr>
           <a:lstStyle/>
           <a:p>
-            <a:pPr indent="0" lvl="0" marL="0" marR="0" rtl="0" algn="l">
+            <a:pPr marL="0" marR="0" lvl="0" indent="0" algn="l" rtl="0">
               <a:lnSpc>
                 <a:spcPct val="100000"/>
               </a:lnSpc>
@@ -7081,7 +7193,7 @@
               </a:rPr>
               <a:t>Collections</a:t>
             </a:r>
-            <a:endParaRPr b="0" i="0" sz="3600" u="none" cap="none" strike="noStrike">
+            <a:endParaRPr sz="3600" b="0" i="0" u="none" strike="noStrike" cap="none">
               <a:solidFill>
                 <a:srgbClr val="F78321"/>
               </a:solidFill>
@@ -7098,13 +7210,13 @@
   <p:clrMapOvr>
     <a:masterClrMapping/>
   </p:clrMapOvr>
-  <mc:AlternateContent>
+  <mc:AlternateContent xmlns:mc="http://schemas.openxmlformats.org/markup-compatibility/2006" xmlns:p14="http://schemas.microsoft.com/office/powerpoint/2010/main">
     <mc:Choice Requires="p14">
-      <p:transition spd="slow" p14:dur="700">
+      <p:transition spd="med" p14:dur="700">
         <p:fade/>
       </p:transition>
     </mc:Choice>
-    <mc:Fallback>
+    <mc:Fallback xmlns:ahyp="http://schemas.microsoft.com/office/drawing/2018/hyperlinkcolor" xmlns:p15="http://schemas.microsoft.com/office/powerpoint/2012/main" xmlns:com="http://schemas.openxmlformats.org/drawingml/2006/compatibility" xmlns:pvml="urn:schemas-microsoft-com:office:powerpoint" xmlns:v="urn:schemas-microsoft-com:vml" xmlns:o="urn:schemas-microsoft-com:office:office" xmlns:dgm="http://schemas.openxmlformats.org/drawingml/2006/diagram" xmlns:c="http://schemas.openxmlformats.org/drawingml/2006/chart" xmlns:mv="urn:schemas-microsoft-com:mac:vml" xmlns="">
       <p:transition spd="slow">
         <p:fade/>
       </p:transition>
@@ -7114,18 +7226,19 @@
 </file>
 
 <file path=ppt/slides/slide2.xml><?xml version="1.0" encoding="utf-8"?>
-<p:sld xmlns:a="http://schemas.openxmlformats.org/drawingml/2006/main" xmlns:r="http://schemas.openxmlformats.org/officeDocument/2006/relationships" xmlns:mc="http://schemas.openxmlformats.org/markup-compatibility/2006" xmlns:mv="urn:schemas-microsoft-com:mac:vml" xmlns:p="http://schemas.openxmlformats.org/presentationml/2006/main" xmlns:c="http://schemas.openxmlformats.org/drawingml/2006/chart" xmlns:dgm="http://schemas.openxmlformats.org/drawingml/2006/diagram" xmlns:o="urn:schemas-microsoft-com:office:office" xmlns:v="urn:schemas-microsoft-com:vml" xmlns:pvml="urn:schemas-microsoft-com:office:powerpoint" xmlns:com="http://schemas.openxmlformats.org/drawingml/2006/compatibility" xmlns:p14="http://schemas.microsoft.com/office/powerpoint/2010/main" xmlns:p15="http://schemas.microsoft.com/office/powerpoint/2012/main" xmlns:ahyp="http://schemas.microsoft.com/office/drawing/2018/hyperlinkcolor">
+<p:sld xmlns:a="http://schemas.openxmlformats.org/drawingml/2006/main" xmlns:r="http://schemas.openxmlformats.org/officeDocument/2006/relationships" xmlns:p="http://schemas.openxmlformats.org/presentationml/2006/main">
   <p:cSld>
     <p:bg>
       <p:bgPr>
         <a:solidFill>
           <a:srgbClr val="FFFFFF"/>
         </a:solidFill>
+        <a:effectLst/>
       </p:bgPr>
     </p:bg>
     <p:spTree>
       <p:nvGrpSpPr>
-        <p:cNvPr id="48" name="Shape 48"/>
+        <p:cNvPr id="1" name="Shape 48"/>
         <p:cNvGrpSpPr/>
         <p:nvPr/>
       </p:nvGrpSpPr>
@@ -7140,9 +7253,11 @@
       <p:sp>
         <p:nvSpPr>
           <p:cNvPr id="49" name="Google Shape;49;p18"/>
-          <p:cNvSpPr txBox="1"/>
+          <p:cNvSpPr txBox="1">
+            <a:spLocks noGrp="1"/>
+          </p:cNvSpPr>
           <p:nvPr>
-            <p:ph idx="1" type="subTitle"/>
+            <p:ph type="subTitle" idx="1"/>
           </p:nvPr>
         </p:nvSpPr>
         <p:spPr>
@@ -7159,12 +7274,12 @@
           </a:ln>
         </p:spPr>
         <p:txBody>
-          <a:bodyPr anchorCtr="0" anchor="ctr" bIns="91425" lIns="91425" spcFirstLastPara="1" rIns="91425" wrap="square" tIns="91425">
+          <a:bodyPr spcFirstLastPara="1" wrap="square" lIns="91425" tIns="91425" rIns="91425" bIns="91425" anchor="ctr" anchorCtr="0">
             <a:noAutofit/>
           </a:bodyPr>
           <a:lstStyle/>
           <a:p>
-            <a:pPr indent="0" lvl="0" marL="0" rtl="0" algn="ctr">
+            <a:pPr marL="0" lvl="0" indent="0" algn="ctr" rtl="0">
               <a:lnSpc>
                 <a:spcPct val="100000"/>
               </a:lnSpc>
@@ -7182,7 +7297,7 @@
               <a:buNone/>
             </a:pPr>
             <a:r>
-              <a:rPr b="1" lang="en-US" sz="4000">
+              <a:rPr lang="en-US" sz="4000" b="1">
                 <a:solidFill>
                   <a:srgbClr val="073763"/>
                 </a:solidFill>
@@ -7193,7 +7308,7 @@
               </a:rPr>
               <a:t>Objetivos</a:t>
             </a:r>
-            <a:endParaRPr b="1" sz="4000">
+            <a:endParaRPr sz="4000" b="1">
               <a:solidFill>
                 <a:srgbClr val="073763"/>
               </a:solidFill>
@@ -7215,7 +7330,7 @@
           <a:blip r:embed="rId3">
             <a:alphaModFix/>
           </a:blip>
-          <a:srcRect b="0" l="0" r="0" t="0"/>
+          <a:srcRect/>
           <a:stretch/>
         </p:blipFill>
         <p:spPr>
@@ -7235,9 +7350,11 @@
       <p:sp>
         <p:nvSpPr>
           <p:cNvPr id="51" name="Google Shape;51;p18"/>
-          <p:cNvSpPr txBox="1"/>
+          <p:cNvSpPr txBox="1">
+            <a:spLocks noGrp="1"/>
+          </p:cNvSpPr>
           <p:nvPr>
-            <p:ph idx="1" type="subTitle"/>
+            <p:ph type="subTitle" idx="1"/>
           </p:nvPr>
         </p:nvSpPr>
         <p:spPr>
@@ -7254,12 +7371,12 @@
           </a:ln>
         </p:spPr>
         <p:txBody>
-          <a:bodyPr anchorCtr="0" anchor="ctr" bIns="91425" lIns="91425" spcFirstLastPara="1" rIns="91425" wrap="square" tIns="91425">
+          <a:bodyPr spcFirstLastPara="1" wrap="square" lIns="91425" tIns="91425" rIns="91425" bIns="91425" anchor="ctr" anchorCtr="0">
             <a:noAutofit/>
           </a:bodyPr>
           <a:lstStyle/>
           <a:p>
-            <a:pPr indent="-457200" lvl="0" marL="457200" rtl="0" algn="l">
+            <a:pPr marL="457200" lvl="0" indent="-457200" algn="l" rtl="0">
               <a:lnSpc>
                 <a:spcPct val="200000"/>
               </a:lnSpc>
@@ -7276,7 +7393,7 @@
               <a:buNone/>
             </a:pPr>
             <a:r>
-              <a:rPr b="1" lang="en-US" sz="2400">
+              <a:rPr lang="en-US" sz="2400" b="1">
                 <a:solidFill>
                   <a:srgbClr val="073763"/>
                 </a:solidFill>
@@ -7310,7 +7427,7 @@
             </a:endParaRPr>
           </a:p>
           <a:p>
-            <a:pPr indent="-457200" lvl="0" marL="914400" rtl="0" algn="l">
+            <a:pPr marL="914400" lvl="0" indent="-457200" algn="l" rtl="0">
               <a:lnSpc>
                 <a:spcPct val="200000"/>
               </a:lnSpc>
@@ -7327,7 +7444,7 @@
               <a:buNone/>
             </a:pPr>
             <a:r>
-              <a:rPr b="1" lang="en-US" sz="2400">
+              <a:rPr lang="en-US" sz="2400" b="1">
                 <a:solidFill>
                   <a:srgbClr val="073763"/>
                 </a:solidFill>
@@ -7361,7 +7478,7 @@
             </a:endParaRPr>
           </a:p>
           <a:p>
-            <a:pPr indent="-457200" lvl="0" marL="1371600" rtl="0" algn="l">
+            <a:pPr marL="1371600" lvl="0" indent="-457200" algn="l" rtl="0">
               <a:lnSpc>
                 <a:spcPct val="200000"/>
               </a:lnSpc>
@@ -7378,7 +7495,7 @@
               <a:buNone/>
             </a:pPr>
             <a:r>
-              <a:rPr b="1" lang="en-US" sz="2400">
+              <a:rPr lang="en-US" sz="2400" b="1">
                 <a:solidFill>
                   <a:srgbClr val="073763"/>
                 </a:solidFill>
@@ -7412,7 +7529,7 @@
             </a:endParaRPr>
           </a:p>
           <a:p>
-            <a:pPr indent="-457200" lvl="0" marL="457200" rtl="0" algn="l">
+            <a:pPr marL="457200" lvl="0" indent="-457200" algn="l" rtl="0">
               <a:lnSpc>
                 <a:spcPct val="100000"/>
               </a:lnSpc>
@@ -7428,9 +7545,6 @@
               <a:buSzPts val="1100"/>
               <a:buNone/>
             </a:pPr>
-            <a:r>
-              <a:t/>
-            </a:r>
             <a:endParaRPr sz="2400">
               <a:solidFill>
                 <a:srgbClr val="073763"/>
@@ -7442,7 +7556,7 @@
             </a:endParaRPr>
           </a:p>
           <a:p>
-            <a:pPr indent="-457200" lvl="0" marL="457200" rtl="0" algn="l">
+            <a:pPr marL="457200" lvl="0" indent="-457200" algn="l" rtl="0">
               <a:lnSpc>
                 <a:spcPct val="100000"/>
               </a:lnSpc>
@@ -7458,9 +7572,6 @@
               <a:buSzPts val="1100"/>
               <a:buNone/>
             </a:pPr>
-            <a:r>
-              <a:t/>
-            </a:r>
             <a:endParaRPr sz="2400">
               <a:solidFill>
                 <a:srgbClr val="073763"/>
@@ -7490,23 +7601,23 @@
           <a:solidFill>
             <a:srgbClr val="F78321"/>
           </a:solidFill>
-          <a:ln cap="flat" cmpd="sng" w="9525">
+          <a:ln w="9525" cap="flat" cmpd="sng">
             <a:solidFill>
               <a:srgbClr val="F78321"/>
             </a:solidFill>
             <a:prstDash val="solid"/>
             <a:round/>
-            <a:headEnd len="sm" w="sm" type="none"/>
-            <a:tailEnd len="sm" w="sm" type="none"/>
+            <a:headEnd type="none" w="sm" len="sm"/>
+            <a:tailEnd type="none" w="sm" len="sm"/>
           </a:ln>
         </p:spPr>
         <p:txBody>
-          <a:bodyPr anchorCtr="0" anchor="ctr" bIns="91425" lIns="91425" spcFirstLastPara="1" rIns="91425" wrap="square" tIns="91425">
+          <a:bodyPr spcFirstLastPara="1" wrap="square" lIns="91425" tIns="91425" rIns="91425" bIns="91425" anchor="ctr" anchorCtr="0">
             <a:noAutofit/>
           </a:bodyPr>
           <a:lstStyle/>
           <a:p>
-            <a:pPr indent="0" lvl="0" marL="0" marR="0" rtl="0" algn="l">
+            <a:pPr marL="0" marR="0" lvl="0" indent="0" algn="l" rtl="0">
               <a:lnSpc>
                 <a:spcPct val="100000"/>
               </a:lnSpc>
@@ -7523,10 +7634,7 @@
               <a:buFont typeface="Arial"/>
               <a:buNone/>
             </a:pPr>
-            <a:r>
-              <a:t/>
-            </a:r>
-            <a:endParaRPr b="0" i="0" sz="1400" u="none" cap="none" strike="noStrike">
+            <a:endParaRPr sz="1400" b="0" i="0" u="none" strike="noStrike" cap="none">
               <a:solidFill>
                 <a:srgbClr val="000000"/>
               </a:solidFill>
@@ -7543,13 +7651,13 @@
   <p:clrMapOvr>
     <a:masterClrMapping/>
   </p:clrMapOvr>
-  <mc:AlternateContent>
+  <mc:AlternateContent xmlns:mc="http://schemas.openxmlformats.org/markup-compatibility/2006" xmlns:p14="http://schemas.microsoft.com/office/powerpoint/2010/main">
     <mc:Choice Requires="p14">
-      <p:transition spd="slow" p14:dur="700">
+      <p:transition spd="med" p14:dur="700">
         <p:fade/>
       </p:transition>
     </mc:Choice>
-    <mc:Fallback>
+    <mc:Fallback xmlns:ahyp="http://schemas.microsoft.com/office/drawing/2018/hyperlinkcolor" xmlns:p15="http://schemas.microsoft.com/office/powerpoint/2012/main" xmlns:com="http://schemas.openxmlformats.org/drawingml/2006/compatibility" xmlns:pvml="urn:schemas-microsoft-com:office:powerpoint" xmlns:v="urn:schemas-microsoft-com:vml" xmlns:o="urn:schemas-microsoft-com:office:office" xmlns:dgm="http://schemas.openxmlformats.org/drawingml/2006/diagram" xmlns:c="http://schemas.openxmlformats.org/drawingml/2006/chart" xmlns:mv="urn:schemas-microsoft-com:mac:vml" xmlns="">
       <p:transition spd="slow">
         <p:fade/>
       </p:transition>
@@ -7558,32 +7666,32 @@
   <p:timing>
     <p:tnLst>
       <p:par>
-        <p:cTn dur="indefinite" nodeType="tmRoot" restart="never">
+        <p:cTn id="1" dur="indefinite" restart="never" nodeType="tmRoot">
           <p:childTnLst>
             <p:seq concurrent="1" nextAc="seek">
-              <p:cTn dur="indefinite" id="2" nodeType="mainSeq">
+              <p:cTn id="2" dur="indefinite" nodeType="mainSeq">
                 <p:childTnLst>
                   <p:par>
-                    <p:cTn fill="hold">
+                    <p:cTn id="3" fill="hold">
                       <p:stCondLst>
                         <p:cond delay="indefinite"/>
                       </p:stCondLst>
                       <p:childTnLst>
                         <p:par>
-                          <p:cTn fill="hold">
+                          <p:cTn id="4" fill="hold">
                             <p:stCondLst>
                               <p:cond delay="0"/>
                             </p:stCondLst>
                             <p:childTnLst>
                               <p:par>
-                                <p:cTn fill="hold" nodeType="clickEffect" presetClass="entr" presetID="1" presetSubtype="0">
+                                <p:cTn id="5" presetID="1" presetClass="entr" presetSubtype="0" fill="hold" nodeType="clickEffect">
                                   <p:stCondLst>
                                     <p:cond delay="0"/>
                                   </p:stCondLst>
                                   <p:childTnLst>
                                     <p:set>
                                       <p:cBhvr>
-                                        <p:cTn dur="1" fill="hold">
+                                        <p:cTn id="6" dur="1" fill="hold">
                                           <p:stCondLst>
                                             <p:cond delay="0"/>
                                           </p:stCondLst>
@@ -7591,7 +7699,7 @@
                                         <p:tgtEl>
                                           <p:spTgt spid="51">
                                             <p:txEl>
-                                              <p:pRg end="0" st="0"/>
+                                              <p:pRg st="0" end="0"/>
                                             </p:txEl>
                                           </p:spTgt>
                                         </p:tgtEl>
@@ -7613,26 +7721,26 @@
                     </p:cTn>
                   </p:par>
                   <p:par>
-                    <p:cTn fill="hold">
+                    <p:cTn id="7" fill="hold">
                       <p:stCondLst>
                         <p:cond delay="indefinite"/>
                       </p:stCondLst>
                       <p:childTnLst>
                         <p:par>
-                          <p:cTn fill="hold">
+                          <p:cTn id="8" fill="hold">
                             <p:stCondLst>
                               <p:cond delay="0"/>
                             </p:stCondLst>
                             <p:childTnLst>
                               <p:par>
-                                <p:cTn fill="hold" nodeType="clickEffect" presetClass="entr" presetID="1" presetSubtype="0">
+                                <p:cTn id="9" presetID="1" presetClass="entr" presetSubtype="0" fill="hold" nodeType="clickEffect">
                                   <p:stCondLst>
                                     <p:cond delay="0"/>
                                   </p:stCondLst>
                                   <p:childTnLst>
                                     <p:set>
                                       <p:cBhvr>
-                                        <p:cTn dur="1" fill="hold">
+                                        <p:cTn id="10" dur="1" fill="hold">
                                           <p:stCondLst>
                                             <p:cond delay="0"/>
                                           </p:stCondLst>
@@ -7640,7 +7748,7 @@
                                         <p:tgtEl>
                                           <p:spTgt spid="51">
                                             <p:txEl>
-                                              <p:pRg end="1" st="1"/>
+                                              <p:pRg st="1" end="1"/>
                                             </p:txEl>
                                           </p:spTgt>
                                         </p:tgtEl>
@@ -7662,26 +7770,26 @@
                     </p:cTn>
                   </p:par>
                   <p:par>
-                    <p:cTn fill="hold">
+                    <p:cTn id="11" fill="hold">
                       <p:stCondLst>
                         <p:cond delay="indefinite"/>
                       </p:stCondLst>
                       <p:childTnLst>
                         <p:par>
-                          <p:cTn fill="hold">
+                          <p:cTn id="12" fill="hold">
                             <p:stCondLst>
                               <p:cond delay="0"/>
                             </p:stCondLst>
                             <p:childTnLst>
                               <p:par>
-                                <p:cTn fill="hold" nodeType="clickEffect" presetClass="entr" presetID="1" presetSubtype="0">
+                                <p:cTn id="13" presetID="1" presetClass="entr" presetSubtype="0" fill="hold" nodeType="clickEffect">
                                   <p:stCondLst>
                                     <p:cond delay="0"/>
                                   </p:stCondLst>
                                   <p:childTnLst>
                                     <p:set>
                                       <p:cBhvr>
-                                        <p:cTn dur="1" fill="hold">
+                                        <p:cTn id="14" dur="1" fill="hold">
                                           <p:stCondLst>
                                             <p:cond delay="0"/>
                                           </p:stCondLst>
@@ -7689,7 +7797,7 @@
                                         <p:tgtEl>
                                           <p:spTgt spid="51">
                                             <p:txEl>
-                                              <p:pRg end="2" st="2"/>
+                                              <p:pRg st="2" end="2"/>
                                             </p:txEl>
                                           </p:spTgt>
                                         </p:tgtEl>
@@ -7711,26 +7819,26 @@
                     </p:cTn>
                   </p:par>
                   <p:par>
-                    <p:cTn fill="hold">
+                    <p:cTn id="15" fill="hold">
                       <p:stCondLst>
                         <p:cond delay="indefinite"/>
                       </p:stCondLst>
                       <p:childTnLst>
                         <p:par>
-                          <p:cTn fill="hold">
+                          <p:cTn id="16" fill="hold">
                             <p:stCondLst>
                               <p:cond delay="0"/>
                             </p:stCondLst>
                             <p:childTnLst>
                               <p:par>
-                                <p:cTn fill="hold" nodeType="clickEffect" presetClass="entr" presetID="1" presetSubtype="0">
+                                <p:cTn id="17" presetID="1" presetClass="entr" presetSubtype="0" fill="hold" nodeType="clickEffect">
                                   <p:stCondLst>
                                     <p:cond delay="0"/>
                                   </p:stCondLst>
                                   <p:childTnLst>
                                     <p:set>
                                       <p:cBhvr>
-                                        <p:cTn dur="1" fill="hold">
+                                        <p:cTn id="18" dur="1" fill="hold">
                                           <p:stCondLst>
                                             <p:cond delay="0"/>
                                           </p:stCondLst>
@@ -7738,7 +7846,7 @@
                                         <p:tgtEl>
                                           <p:spTgt spid="51">
                                             <p:txEl>
-                                              <p:pRg end="3" st="3"/>
+                                              <p:pRg st="3" end="3"/>
                                             </p:txEl>
                                           </p:spTgt>
                                         </p:tgtEl>
@@ -7760,26 +7868,26 @@
                     </p:cTn>
                   </p:par>
                   <p:par>
-                    <p:cTn fill="hold">
+                    <p:cTn id="19" fill="hold">
                       <p:stCondLst>
                         <p:cond delay="indefinite"/>
                       </p:stCondLst>
                       <p:childTnLst>
                         <p:par>
-                          <p:cTn fill="hold">
+                          <p:cTn id="20" fill="hold">
                             <p:stCondLst>
                               <p:cond delay="0"/>
                             </p:stCondLst>
                             <p:childTnLst>
                               <p:par>
-                                <p:cTn fill="hold" nodeType="clickEffect" presetClass="entr" presetID="1" presetSubtype="0">
+                                <p:cTn id="21" presetID="1" presetClass="entr" presetSubtype="0" fill="hold" nodeType="clickEffect">
                                   <p:stCondLst>
                                     <p:cond delay="0"/>
                                   </p:stCondLst>
                                   <p:childTnLst>
                                     <p:set>
                                       <p:cBhvr>
-                                        <p:cTn dur="1" fill="hold">
+                                        <p:cTn id="22" dur="1" fill="hold">
                                           <p:stCondLst>
                                             <p:cond delay="0"/>
                                           </p:stCondLst>
@@ -7787,7 +7895,7 @@
                                         <p:tgtEl>
                                           <p:spTgt spid="51">
                                             <p:txEl>
-                                              <p:pRg end="4" st="4"/>
+                                              <p:pRg st="4" end="4"/>
                                             </p:txEl>
                                           </p:spTgt>
                                         </p:tgtEl>
@@ -7811,14 +7919,14 @@
                 </p:childTnLst>
               </p:cTn>
               <p:prevCondLst>
-                <p:cond evt="onPrev">
+                <p:cond evt="onPrev" delay="0">
                   <p:tgtEl>
                     <p:sldTgt/>
                   </p:tgtEl>
                 </p:cond>
               </p:prevCondLst>
               <p:nextCondLst>
-                <p:cond evt="onNext">
+                <p:cond evt="onNext" delay="0">
                   <p:tgtEl>
                     <p:sldTgt/>
                   </p:tgtEl>
@@ -7834,18 +7942,19 @@
 </file>
 
 <file path=ppt/slides/slide3.xml><?xml version="1.0" encoding="utf-8"?>
-<p:sld xmlns:a="http://schemas.openxmlformats.org/drawingml/2006/main" xmlns:r="http://schemas.openxmlformats.org/officeDocument/2006/relationships" xmlns:mc="http://schemas.openxmlformats.org/markup-compatibility/2006" xmlns:mv="urn:schemas-microsoft-com:mac:vml" xmlns:p="http://schemas.openxmlformats.org/presentationml/2006/main" xmlns:c="http://schemas.openxmlformats.org/drawingml/2006/chart" xmlns:dgm="http://schemas.openxmlformats.org/drawingml/2006/diagram" xmlns:o="urn:schemas-microsoft-com:office:office" xmlns:v="urn:schemas-microsoft-com:vml" xmlns:pvml="urn:schemas-microsoft-com:office:powerpoint" xmlns:com="http://schemas.openxmlformats.org/drawingml/2006/compatibility" xmlns:p14="http://schemas.microsoft.com/office/powerpoint/2010/main" xmlns:p15="http://schemas.microsoft.com/office/powerpoint/2012/main" xmlns:ahyp="http://schemas.microsoft.com/office/drawing/2018/hyperlinkcolor">
+<p:sld xmlns:a="http://schemas.openxmlformats.org/drawingml/2006/main" xmlns:r="http://schemas.openxmlformats.org/officeDocument/2006/relationships" xmlns:p="http://schemas.openxmlformats.org/presentationml/2006/main">
   <p:cSld>
     <p:bg>
       <p:bgPr>
         <a:solidFill>
           <a:srgbClr val="FFFFFF"/>
         </a:solidFill>
+        <a:effectLst/>
       </p:bgPr>
     </p:bg>
     <p:spTree>
       <p:nvGrpSpPr>
-        <p:cNvPr id="56" name="Shape 56"/>
+        <p:cNvPr id="1" name="Shape 56"/>
         <p:cNvGrpSpPr/>
         <p:nvPr/>
       </p:nvGrpSpPr>
@@ -7860,9 +7969,11 @@
       <p:sp>
         <p:nvSpPr>
           <p:cNvPr id="57" name="Google Shape;57;p3"/>
-          <p:cNvSpPr txBox="1"/>
+          <p:cNvSpPr txBox="1">
+            <a:spLocks noGrp="1"/>
+          </p:cNvSpPr>
           <p:nvPr>
-            <p:ph idx="1" type="subTitle"/>
+            <p:ph type="subTitle" idx="1"/>
           </p:nvPr>
         </p:nvSpPr>
         <p:spPr>
@@ -7879,12 +7990,12 @@
           </a:ln>
         </p:spPr>
         <p:txBody>
-          <a:bodyPr anchorCtr="0" anchor="ctr" bIns="91425" lIns="91425" spcFirstLastPara="1" rIns="91425" wrap="square" tIns="91425">
+          <a:bodyPr spcFirstLastPara="1" wrap="square" lIns="91425" tIns="91425" rIns="91425" bIns="91425" anchor="ctr" anchorCtr="0">
             <a:noAutofit/>
           </a:bodyPr>
           <a:lstStyle/>
           <a:p>
-            <a:pPr indent="0" lvl="0" marL="0" rtl="0" algn="ctr">
+            <a:pPr marL="0" lvl="0" indent="0" algn="ctr" rtl="0">
               <a:lnSpc>
                 <a:spcPct val="100000"/>
               </a:lnSpc>
@@ -7902,7 +8013,7 @@
               <a:buNone/>
             </a:pPr>
             <a:r>
-              <a:rPr b="1" lang="en-US" sz="4000">
+              <a:rPr lang="en-US" sz="4000" b="1">
                 <a:solidFill>
                   <a:srgbClr val="073763"/>
                 </a:solidFill>
@@ -7913,7 +8024,7 @@
               </a:rPr>
               <a:t>java.util.List</a:t>
             </a:r>
-            <a:endParaRPr b="1" sz="4000">
+            <a:endParaRPr sz="4000" b="1">
               <a:solidFill>
                 <a:srgbClr val="073763"/>
               </a:solidFill>
@@ -7935,7 +8046,7 @@
           <a:blip r:embed="rId3">
             <a:alphaModFix/>
           </a:blip>
-          <a:srcRect b="0" l="0" r="0" t="0"/>
+          <a:srcRect/>
           <a:stretch/>
         </p:blipFill>
         <p:spPr>
@@ -7955,9 +8066,11 @@
       <p:sp>
         <p:nvSpPr>
           <p:cNvPr id="59" name="Google Shape;59;p3"/>
-          <p:cNvSpPr txBox="1"/>
+          <p:cNvSpPr txBox="1">
+            <a:spLocks noGrp="1"/>
+          </p:cNvSpPr>
           <p:nvPr>
-            <p:ph idx="1" type="subTitle"/>
+            <p:ph type="subTitle" idx="1"/>
           </p:nvPr>
         </p:nvSpPr>
         <p:spPr>
@@ -7974,12 +8087,12 @@
           </a:ln>
         </p:spPr>
         <p:txBody>
-          <a:bodyPr anchorCtr="0" anchor="ctr" bIns="91425" lIns="91425" spcFirstLastPara="1" rIns="91425" wrap="square" tIns="91425">
+          <a:bodyPr spcFirstLastPara="1" wrap="square" lIns="91425" tIns="91425" rIns="91425" bIns="91425" anchor="ctr" anchorCtr="0">
             <a:noAutofit/>
           </a:bodyPr>
           <a:lstStyle/>
           <a:p>
-            <a:pPr indent="-406400" lvl="0" marL="457200" rtl="0" algn="l">
+            <a:pPr marL="457200" lvl="0" indent="-406400" algn="l" rtl="0">
               <a:lnSpc>
                 <a:spcPct val="100000"/>
               </a:lnSpc>
@@ -8019,7 +8132,7 @@
             </a:endParaRPr>
           </a:p>
           <a:p>
-            <a:pPr indent="0" lvl="0" marL="0" rtl="0" algn="l">
+            <a:pPr marL="0" lvl="0" indent="0" algn="l" rtl="0">
               <a:lnSpc>
                 <a:spcPct val="100000"/>
               </a:lnSpc>
@@ -8031,9 +8144,6 @@
               </a:spcAft>
               <a:buNone/>
             </a:pPr>
-            <a:r>
-              <a:t/>
-            </a:r>
             <a:endParaRPr>
               <a:solidFill>
                 <a:srgbClr val="073763"/>
@@ -8063,23 +8173,23 @@
           <a:solidFill>
             <a:srgbClr val="F78321"/>
           </a:solidFill>
-          <a:ln cap="flat" cmpd="sng" w="9525">
+          <a:ln w="9525" cap="flat" cmpd="sng">
             <a:solidFill>
               <a:srgbClr val="F78321"/>
             </a:solidFill>
             <a:prstDash val="solid"/>
             <a:round/>
-            <a:headEnd len="sm" w="sm" type="none"/>
-            <a:tailEnd len="sm" w="sm" type="none"/>
+            <a:headEnd type="none" w="sm" len="sm"/>
+            <a:tailEnd type="none" w="sm" len="sm"/>
           </a:ln>
         </p:spPr>
         <p:txBody>
-          <a:bodyPr anchorCtr="0" anchor="ctr" bIns="91425" lIns="91425" spcFirstLastPara="1" rIns="91425" wrap="square" tIns="91425">
+          <a:bodyPr spcFirstLastPara="1" wrap="square" lIns="91425" tIns="91425" rIns="91425" bIns="91425" anchor="ctr" anchorCtr="0">
             <a:noAutofit/>
           </a:bodyPr>
           <a:lstStyle/>
           <a:p>
-            <a:pPr indent="0" lvl="0" marL="0" marR="0" rtl="0" algn="l">
+            <a:pPr marL="0" marR="0" lvl="0" indent="0" algn="l" rtl="0">
               <a:lnSpc>
                 <a:spcPct val="100000"/>
               </a:lnSpc>
@@ -8096,10 +8206,7 @@
               <a:buFont typeface="Arial"/>
               <a:buNone/>
             </a:pPr>
-            <a:r>
-              <a:t/>
-            </a:r>
-            <a:endParaRPr b="0" i="0" sz="1400" u="none" cap="none" strike="noStrike">
+            <a:endParaRPr sz="1400" b="0" i="0" u="none" strike="noStrike" cap="none">
               <a:solidFill>
                 <a:srgbClr val="000000"/>
               </a:solidFill>
@@ -8131,12 +8238,12 @@
           </a:ln>
         </p:spPr>
         <p:txBody>
-          <a:bodyPr anchorCtr="0" anchor="t" bIns="91425" lIns="91425" spcFirstLastPara="1" rIns="91425" wrap="square" tIns="91425">
+          <a:bodyPr spcFirstLastPara="1" wrap="square" lIns="91425" tIns="91425" rIns="91425" bIns="91425" anchor="t" anchorCtr="0">
             <a:spAutoFit/>
           </a:bodyPr>
           <a:lstStyle/>
           <a:p>
-            <a:pPr indent="0" lvl="0" marL="0" rtl="0" algn="ctr">
+            <a:pPr marL="0" lvl="0" indent="0" algn="ctr" rtl="0">
               <a:spcBef>
                 <a:spcPts val="0"/>
               </a:spcBef>
@@ -8155,19 +8262,7 @@
                 <a:cs typeface="Calibri"/>
                 <a:sym typeface="Calibri"/>
               </a:rPr>
-              <a:t>Fonte: </a:t>
-            </a:r>
-            <a:r>
-              <a:rPr lang="en-US" sz="600">
-                <a:solidFill>
-                  <a:srgbClr val="073763"/>
-                </a:solidFill>
-                <a:latin typeface="Calibri"/>
-                <a:ea typeface="Calibri"/>
-                <a:cs typeface="Calibri"/>
-                <a:sym typeface="Calibri"/>
-              </a:rPr>
-              <a:t>geeksforgeeks.org</a:t>
+              <a:t>Fonte: geeksforgeeks.org</a:t>
             </a:r>
             <a:endParaRPr sz="600">
               <a:solidFill>
@@ -8201,12 +8296,12 @@
           </a:ln>
         </p:spPr>
         <p:txBody>
-          <a:bodyPr anchorCtr="0" anchor="t" bIns="91425" lIns="91425" spcFirstLastPara="1" rIns="91425" wrap="square" tIns="91425">
+          <a:bodyPr spcFirstLastPara="1" wrap="square" lIns="91425" tIns="91425" rIns="91425" bIns="91425" anchor="t" anchorCtr="0">
             <a:spAutoFit/>
           </a:bodyPr>
           <a:lstStyle/>
           <a:p>
-            <a:pPr indent="0" lvl="0" marL="0" marR="38100" rtl="0" algn="ctr">
+            <a:pPr marL="0" marR="38100" lvl="0" indent="0" algn="ctr" rtl="0">
               <a:lnSpc>
                 <a:spcPct val="128571"/>
               </a:lnSpc>
@@ -8252,7 +8347,7 @@
             </a:endParaRPr>
           </a:p>
           <a:p>
-            <a:pPr indent="0" lvl="0" marL="0" rtl="0" algn="l">
+            <a:pPr marL="0" lvl="0" indent="0" algn="l" rtl="0">
               <a:spcBef>
                 <a:spcPts val="0"/>
               </a:spcBef>
@@ -8261,9 +8356,6 @@
               </a:spcAft>
               <a:buNone/>
             </a:pPr>
-            <a:r>
-              <a:t/>
-            </a:r>
             <a:endParaRPr sz="900">
               <a:latin typeface="Calibri"/>
               <a:ea typeface="Calibri"/>
@@ -8321,12 +8413,12 @@
           </a:ln>
         </p:spPr>
         <p:txBody>
-          <a:bodyPr anchorCtr="0" anchor="t" bIns="91425" lIns="91425" spcFirstLastPara="1" rIns="91425" wrap="square" tIns="91425">
+          <a:bodyPr spcFirstLastPara="1" wrap="square" lIns="91425" tIns="91425" rIns="91425" bIns="91425" anchor="t" anchorCtr="0">
             <a:spAutoFit/>
           </a:bodyPr>
           <a:lstStyle/>
           <a:p>
-            <a:pPr indent="0" lvl="0" marL="0" rtl="0" algn="ctr">
+            <a:pPr marL="0" lvl="0" indent="0" algn="ctr" rtl="0">
               <a:spcBef>
                 <a:spcPts val="0"/>
               </a:spcBef>
@@ -8345,19 +8437,7 @@
                 <a:cs typeface="Calibri"/>
                 <a:sym typeface="Calibri"/>
               </a:rPr>
-              <a:t>Fonte: </a:t>
-            </a:r>
-            <a:r>
-              <a:rPr lang="en-US" sz="600">
-                <a:solidFill>
-                  <a:srgbClr val="073763"/>
-                </a:solidFill>
-                <a:latin typeface="Calibri"/>
-                <a:ea typeface="Calibri"/>
-                <a:cs typeface="Calibri"/>
-                <a:sym typeface="Calibri"/>
-              </a:rPr>
-              <a:t>deviniciative.wordpress.com</a:t>
+              <a:t>Fonte: deviniciative.wordpress.com</a:t>
             </a:r>
             <a:endParaRPr sz="600">
               <a:solidFill>
@@ -8387,8 +8467,8 @@
         </p:blipFill>
         <p:spPr>
           <a:xfrm>
-            <a:off x="311700" y="2212950"/>
-            <a:ext cx="4643525" cy="2008375"/>
+            <a:off x="16275" y="2164308"/>
+            <a:ext cx="5554966" cy="2798808"/>
           </a:xfrm>
           <a:prstGeom prst="rect">
             <a:avLst/>
@@ -8414,23 +8494,23 @@
             <a:avLst/>
           </a:prstGeom>
           <a:noFill/>
-          <a:ln cap="flat" cmpd="sng" w="28575">
+          <a:ln w="28575" cap="flat" cmpd="sng">
             <a:solidFill>
               <a:srgbClr val="FF0000"/>
             </a:solidFill>
             <a:prstDash val="solid"/>
             <a:round/>
-            <a:headEnd len="sm" w="sm" type="none"/>
-            <a:tailEnd len="sm" w="sm" type="none"/>
+            <a:headEnd type="none" w="sm" len="sm"/>
+            <a:tailEnd type="none" w="sm" len="sm"/>
           </a:ln>
         </p:spPr>
         <p:txBody>
-          <a:bodyPr anchorCtr="0" anchor="ctr" bIns="91425" lIns="91425" spcFirstLastPara="1" rIns="91425" wrap="square" tIns="91425">
+          <a:bodyPr spcFirstLastPara="1" wrap="square" lIns="91425" tIns="91425" rIns="91425" bIns="91425" anchor="ctr" anchorCtr="0">
             <a:noAutofit/>
           </a:bodyPr>
           <a:lstStyle/>
           <a:p>
-            <a:pPr indent="0" lvl="0" marL="0" rtl="0" algn="l">
+            <a:pPr marL="0" lvl="0" indent="0" algn="l" rtl="0">
               <a:spcBef>
                 <a:spcPts val="0"/>
               </a:spcBef>
@@ -8439,9 +8519,6 @@
               </a:spcAft>
               <a:buNone/>
             </a:pPr>
-            <a:r>
-              <a:t/>
-            </a:r>
             <a:endParaRPr/>
           </a:p>
         </p:txBody>
@@ -8461,23 +8538,23 @@
             <a:avLst/>
           </a:prstGeom>
           <a:noFill/>
-          <a:ln cap="flat" cmpd="sng" w="28575">
+          <a:ln w="28575" cap="flat" cmpd="sng">
             <a:solidFill>
               <a:srgbClr val="FF00FF"/>
             </a:solidFill>
             <a:prstDash val="solid"/>
             <a:round/>
-            <a:headEnd len="sm" w="sm" type="none"/>
-            <a:tailEnd len="sm" w="sm" type="none"/>
+            <a:headEnd type="none" w="sm" len="sm"/>
+            <a:tailEnd type="none" w="sm" len="sm"/>
           </a:ln>
         </p:spPr>
         <p:txBody>
-          <a:bodyPr anchorCtr="0" anchor="ctr" bIns="91425" lIns="91425" spcFirstLastPara="1" rIns="91425" wrap="square" tIns="91425">
+          <a:bodyPr spcFirstLastPara="1" wrap="square" lIns="91425" tIns="91425" rIns="91425" bIns="91425" anchor="ctr" anchorCtr="0">
             <a:noAutofit/>
           </a:bodyPr>
           <a:lstStyle/>
           <a:p>
-            <a:pPr indent="0" lvl="0" marL="0" rtl="0" algn="l">
+            <a:pPr marL="0" lvl="0" indent="0" algn="l" rtl="0">
               <a:spcBef>
                 <a:spcPts val="0"/>
               </a:spcBef>
@@ -8486,9 +8563,6 @@
               </a:spcAft>
               <a:buNone/>
             </a:pPr>
-            <a:r>
-              <a:t/>
-            </a:r>
             <a:endParaRPr/>
           </a:p>
         </p:txBody>
@@ -8508,23 +8582,23 @@
             <a:avLst/>
           </a:prstGeom>
           <a:noFill/>
-          <a:ln cap="flat" cmpd="sng" w="28575">
+          <a:ln w="28575" cap="flat" cmpd="sng">
             <a:solidFill>
               <a:srgbClr val="FF00FF"/>
             </a:solidFill>
             <a:prstDash val="solid"/>
             <a:round/>
-            <a:headEnd len="sm" w="sm" type="none"/>
-            <a:tailEnd len="sm" w="sm" type="none"/>
+            <a:headEnd type="none" w="sm" len="sm"/>
+            <a:tailEnd type="none" w="sm" len="sm"/>
           </a:ln>
         </p:spPr>
         <p:txBody>
-          <a:bodyPr anchorCtr="0" anchor="ctr" bIns="91425" lIns="91425" spcFirstLastPara="1" rIns="91425" wrap="square" tIns="91425">
+          <a:bodyPr spcFirstLastPara="1" wrap="square" lIns="91425" tIns="91425" rIns="91425" bIns="91425" anchor="ctr" anchorCtr="0">
             <a:noAutofit/>
           </a:bodyPr>
           <a:lstStyle/>
           <a:p>
-            <a:pPr indent="0" lvl="0" marL="0" rtl="0" algn="l">
+            <a:pPr marL="0" lvl="0" indent="0" algn="l" rtl="0">
               <a:spcBef>
                 <a:spcPts val="0"/>
               </a:spcBef>
@@ -8533,9 +8607,6 @@
               </a:spcAft>
               <a:buNone/>
             </a:pPr>
-            <a:r>
-              <a:t/>
-            </a:r>
             <a:endParaRPr/>
           </a:p>
         </p:txBody>
@@ -8545,13 +8616,13 @@
   <p:clrMapOvr>
     <a:masterClrMapping/>
   </p:clrMapOvr>
-  <mc:AlternateContent>
+  <mc:AlternateContent xmlns:mc="http://schemas.openxmlformats.org/markup-compatibility/2006" xmlns:p14="http://schemas.microsoft.com/office/powerpoint/2010/main">
     <mc:Choice Requires="p14">
-      <p:transition spd="slow" p14:dur="700">
+      <p:transition spd="med" p14:dur="700">
         <p:fade/>
       </p:transition>
     </mc:Choice>
-    <mc:Fallback>
+    <mc:Fallback xmlns:ahyp="http://schemas.microsoft.com/office/drawing/2018/hyperlinkcolor" xmlns:p15="http://schemas.microsoft.com/office/powerpoint/2012/main" xmlns:com="http://schemas.openxmlformats.org/drawingml/2006/compatibility" xmlns:pvml="urn:schemas-microsoft-com:office:powerpoint" xmlns:v="urn:schemas-microsoft-com:vml" xmlns:o="urn:schemas-microsoft-com:office:office" xmlns:dgm="http://schemas.openxmlformats.org/drawingml/2006/diagram" xmlns:c="http://schemas.openxmlformats.org/drawingml/2006/chart" xmlns:mv="urn:schemas-microsoft-com:mac:vml" xmlns="">
       <p:transition spd="slow">
         <p:fade/>
       </p:transition>
@@ -8560,32 +8631,32 @@
   <p:timing>
     <p:tnLst>
       <p:par>
-        <p:cTn dur="indefinite" nodeType="tmRoot" restart="never">
+        <p:cTn id="1" dur="indefinite" restart="never" nodeType="tmRoot">
           <p:childTnLst>
             <p:seq concurrent="1" nextAc="seek">
-              <p:cTn dur="indefinite" id="2" nodeType="mainSeq">
+              <p:cTn id="2" dur="indefinite" nodeType="mainSeq">
                 <p:childTnLst>
                   <p:par>
-                    <p:cTn fill="hold">
+                    <p:cTn id="3" fill="hold">
                       <p:stCondLst>
                         <p:cond delay="indefinite"/>
                       </p:stCondLst>
                       <p:childTnLst>
                         <p:par>
-                          <p:cTn fill="hold">
+                          <p:cTn id="4" fill="hold">
                             <p:stCondLst>
                               <p:cond delay="0"/>
                             </p:stCondLst>
                             <p:childTnLst>
                               <p:par>
-                                <p:cTn fill="hold" nodeType="clickEffect" presetClass="entr" presetID="10" presetSubtype="0">
+                                <p:cTn id="5" presetID="10" presetClass="entr" presetSubtype="0" fill="hold" nodeType="clickEffect">
                                   <p:stCondLst>
                                     <p:cond delay="0"/>
                                   </p:stCondLst>
                                   <p:childTnLst>
                                     <p:set>
                                       <p:cBhvr>
-                                        <p:cTn dur="1" fill="hold">
+                                        <p:cTn id="6" dur="1" fill="hold">
                                           <p:stCondLst>
                                             <p:cond delay="0"/>
                                           </p:stCondLst>
@@ -8601,9 +8672,9 @@
                                         <p:strVal val="visible"/>
                                       </p:to>
                                     </p:set>
-                                    <p:animEffect filter="fade" transition="in">
+                                    <p:animEffect transition="in" filter="fade">
                                       <p:cBhvr>
-                                        <p:cTn dur="1000"/>
+                                        <p:cTn id="7" dur="1000"/>
                                         <p:tgtEl>
                                           <p:spTgt spid="59"/>
                                         </p:tgtEl>
@@ -8619,26 +8690,26 @@
                     </p:cTn>
                   </p:par>
                   <p:par>
-                    <p:cTn fill="hold">
+                    <p:cTn id="8" fill="hold">
                       <p:stCondLst>
                         <p:cond delay="indefinite"/>
                       </p:stCondLst>
                       <p:childTnLst>
                         <p:par>
-                          <p:cTn fill="hold">
+                          <p:cTn id="9" fill="hold">
                             <p:stCondLst>
                               <p:cond delay="0"/>
                             </p:stCondLst>
                             <p:childTnLst>
                               <p:par>
-                                <p:cTn fill="hold" nodeType="clickEffect" presetClass="entr" presetID="10" presetSubtype="0">
+                                <p:cTn id="10" presetID="10" presetClass="entr" presetSubtype="0" fill="hold" nodeType="clickEffect">
                                   <p:stCondLst>
                                     <p:cond delay="0"/>
                                   </p:stCondLst>
                                   <p:childTnLst>
                                     <p:set>
                                       <p:cBhvr>
-                                        <p:cTn dur="1" fill="hold">
+                                        <p:cTn id="11" dur="1" fill="hold">
                                           <p:stCondLst>
                                             <p:cond delay="0"/>
                                           </p:stCondLst>
@@ -8654,9 +8725,9 @@
                                         <p:strVal val="visible"/>
                                       </p:to>
                                     </p:set>
-                                    <p:animEffect filter="fade" transition="in">
+                                    <p:animEffect transition="in" filter="fade">
                                       <p:cBhvr>
-                                        <p:cTn dur="1000"/>
+                                        <p:cTn id="12" dur="1000"/>
                                         <p:tgtEl>
                                           <p:spTgt spid="63"/>
                                         </p:tgtEl>
@@ -8666,14 +8737,14 @@
                                 </p:cTn>
                               </p:par>
                               <p:par>
-                                <p:cTn fill="hold" nodeType="withEffect" presetClass="entr" presetID="10" presetSubtype="0">
+                                <p:cTn id="13" presetID="10" presetClass="entr" presetSubtype="0" fill="hold" nodeType="withEffect">
                                   <p:stCondLst>
                                     <p:cond delay="0"/>
                                   </p:stCondLst>
                                   <p:childTnLst>
                                     <p:set>
                                       <p:cBhvr>
-                                        <p:cTn dur="1" fill="hold">
+                                        <p:cTn id="14" dur="1" fill="hold">
                                           <p:stCondLst>
                                             <p:cond delay="0"/>
                                           </p:stCondLst>
@@ -8689,9 +8760,9 @@
                                         <p:strVal val="visible"/>
                                       </p:to>
                                     </p:set>
-                                    <p:animEffect filter="fade" transition="in">
+                                    <p:animEffect transition="in" filter="fade">
                                       <p:cBhvr>
-                                        <p:cTn dur="1000"/>
+                                        <p:cTn id="15" dur="1000"/>
                                         <p:tgtEl>
                                           <p:spTgt spid="64"/>
                                         </p:tgtEl>
@@ -8707,26 +8778,26 @@
                     </p:cTn>
                   </p:par>
                   <p:par>
-                    <p:cTn fill="hold">
+                    <p:cTn id="16" fill="hold">
                       <p:stCondLst>
                         <p:cond delay="indefinite"/>
                       </p:stCondLst>
                       <p:childTnLst>
                         <p:par>
-                          <p:cTn fill="hold">
+                          <p:cTn id="17" fill="hold">
                             <p:stCondLst>
                               <p:cond delay="0"/>
                             </p:stCondLst>
                             <p:childTnLst>
                               <p:par>
-                                <p:cTn fill="hold" nodeType="clickEffect" presetClass="entr" presetID="10" presetSubtype="0">
+                                <p:cTn id="18" presetID="10" presetClass="entr" presetSubtype="0" fill="hold" nodeType="clickEffect">
                                   <p:stCondLst>
                                     <p:cond delay="0"/>
                                   </p:stCondLst>
                                   <p:childTnLst>
                                     <p:set>
                                       <p:cBhvr>
-                                        <p:cTn dur="1" fill="hold">
+                                        <p:cTn id="19" dur="1" fill="hold">
                                           <p:stCondLst>
                                             <p:cond delay="0"/>
                                           </p:stCondLst>
@@ -8742,9 +8813,9 @@
                                         <p:strVal val="visible"/>
                                       </p:to>
                                     </p:set>
-                                    <p:animEffect filter="fade" transition="in">
+                                    <p:animEffect transition="in" filter="fade">
                                       <p:cBhvr>
-                                        <p:cTn dur="1000"/>
+                                        <p:cTn id="20" dur="1000"/>
                                         <p:tgtEl>
                                           <p:spTgt spid="66"/>
                                         </p:tgtEl>
@@ -8760,26 +8831,26 @@
                     </p:cTn>
                   </p:par>
                   <p:par>
-                    <p:cTn fill="hold">
+                    <p:cTn id="21" fill="hold">
                       <p:stCondLst>
                         <p:cond delay="indefinite"/>
                       </p:stCondLst>
                       <p:childTnLst>
                         <p:par>
-                          <p:cTn fill="hold">
+                          <p:cTn id="22" fill="hold">
                             <p:stCondLst>
                               <p:cond delay="0"/>
                             </p:stCondLst>
                             <p:childTnLst>
                               <p:par>
-                                <p:cTn fill="hold" nodeType="clickEffect" presetClass="entr" presetID="10" presetSubtype="0">
+                                <p:cTn id="23" presetID="10" presetClass="entr" presetSubtype="0" fill="hold" nodeType="clickEffect">
                                   <p:stCondLst>
                                     <p:cond delay="0"/>
                                   </p:stCondLst>
                                   <p:childTnLst>
                                     <p:set>
                                       <p:cBhvr>
-                                        <p:cTn dur="1" fill="hold">
+                                        <p:cTn id="24" dur="1" fill="hold">
                                           <p:stCondLst>
                                             <p:cond delay="0"/>
                                           </p:stCondLst>
@@ -8795,9 +8866,9 @@
                                         <p:strVal val="visible"/>
                                       </p:to>
                                     </p:set>
-                                    <p:animEffect filter="fade" transition="in">
+                                    <p:animEffect transition="in" filter="fade">
                                       <p:cBhvr>
-                                        <p:cTn dur="1000"/>
+                                        <p:cTn id="25" dur="1000"/>
                                         <p:tgtEl>
                                           <p:spTgt spid="67"/>
                                         </p:tgtEl>
@@ -8813,26 +8884,26 @@
                     </p:cTn>
                   </p:par>
                   <p:par>
-                    <p:cTn fill="hold">
+                    <p:cTn id="26" fill="hold">
                       <p:stCondLst>
                         <p:cond delay="indefinite"/>
                       </p:stCondLst>
                       <p:childTnLst>
                         <p:par>
-                          <p:cTn fill="hold">
+                          <p:cTn id="27" fill="hold">
                             <p:stCondLst>
                               <p:cond delay="0"/>
                             </p:stCondLst>
                             <p:childTnLst>
                               <p:par>
-                                <p:cTn fill="hold" nodeType="clickEffect" presetClass="entr" presetID="10" presetSubtype="0">
+                                <p:cTn id="28" presetID="10" presetClass="entr" presetSubtype="0" fill="hold" nodeType="clickEffect">
                                   <p:stCondLst>
                                     <p:cond delay="0"/>
                                   </p:stCondLst>
                                   <p:childTnLst>
                                     <p:set>
                                       <p:cBhvr>
-                                        <p:cTn dur="1" fill="hold">
+                                        <p:cTn id="29" dur="1" fill="hold">
                                           <p:stCondLst>
                                             <p:cond delay="0"/>
                                           </p:stCondLst>
@@ -8848,9 +8919,9 @@
                                         <p:strVal val="visible"/>
                                       </p:to>
                                     </p:set>
-                                    <p:animEffect filter="fade" transition="in">
+                                    <p:animEffect transition="in" filter="fade">
                                       <p:cBhvr>
-                                        <p:cTn dur="1000"/>
+                                        <p:cTn id="30" dur="1000"/>
                                         <p:tgtEl>
                                           <p:spTgt spid="68"/>
                                         </p:tgtEl>
@@ -8866,26 +8937,26 @@
                     </p:cTn>
                   </p:par>
                   <p:par>
-                    <p:cTn fill="hold">
+                    <p:cTn id="31" fill="hold">
                       <p:stCondLst>
                         <p:cond delay="indefinite"/>
                       </p:stCondLst>
                       <p:childTnLst>
                         <p:par>
-                          <p:cTn fill="hold">
+                          <p:cTn id="32" fill="hold">
                             <p:stCondLst>
                               <p:cond delay="0"/>
                             </p:stCondLst>
                             <p:childTnLst>
                               <p:par>
-                                <p:cTn fill="hold" nodeType="clickEffect" presetClass="entr" presetID="10" presetSubtype="0">
+                                <p:cTn id="33" presetID="10" presetClass="entr" presetSubtype="0" fill="hold" nodeType="clickEffect">
                                   <p:stCondLst>
                                     <p:cond delay="0"/>
                                   </p:stCondLst>
                                   <p:childTnLst>
                                     <p:set>
                                       <p:cBhvr>
-                                        <p:cTn dur="1" fill="hold">
+                                        <p:cTn id="34" dur="1" fill="hold">
                                           <p:stCondLst>
                                             <p:cond delay="0"/>
                                           </p:stCondLst>
@@ -8901,9 +8972,9 @@
                                         <p:strVal val="visible"/>
                                       </p:to>
                                     </p:set>
-                                    <p:animEffect filter="fade" transition="in">
+                                    <p:animEffect transition="in" filter="fade">
                                       <p:cBhvr>
-                                        <p:cTn dur="1000"/>
+                                        <p:cTn id="35" dur="1000"/>
                                         <p:tgtEl>
                                           <p:spTgt spid="62"/>
                                         </p:tgtEl>
@@ -8913,14 +8984,14 @@
                                 </p:cTn>
                               </p:par>
                               <p:par>
-                                <p:cTn fill="hold" nodeType="withEffect" presetClass="entr" presetID="10" presetSubtype="0">
+                                <p:cTn id="36" presetID="10" presetClass="entr" presetSubtype="0" fill="hold" nodeType="withEffect">
                                   <p:stCondLst>
                                     <p:cond delay="0"/>
                                   </p:stCondLst>
                                   <p:childTnLst>
                                     <p:set>
                                       <p:cBhvr>
-                                        <p:cTn dur="1" fill="hold">
+                                        <p:cTn id="37" dur="1" fill="hold">
                                           <p:stCondLst>
                                             <p:cond delay="0"/>
                                           </p:stCondLst>
@@ -8936,9 +9007,9 @@
                                         <p:strVal val="visible"/>
                                       </p:to>
                                     </p:set>
-                                    <p:animEffect filter="fade" transition="in">
+                                    <p:animEffect transition="in" filter="fade">
                                       <p:cBhvr>
-                                        <p:cTn dur="1000"/>
+                                        <p:cTn id="38" dur="1000"/>
                                         <p:tgtEl>
                                           <p:spTgt spid="65"/>
                                         </p:tgtEl>
@@ -8948,14 +9019,14 @@
                                 </p:cTn>
                               </p:par>
                               <p:par>
-                                <p:cTn fill="hold" nodeType="withEffect" presetClass="entr" presetID="10" presetSubtype="0">
+                                <p:cTn id="39" presetID="10" presetClass="entr" presetSubtype="0" fill="hold" nodeType="withEffect">
                                   <p:stCondLst>
                                     <p:cond delay="0"/>
                                   </p:stCondLst>
                                   <p:childTnLst>
                                     <p:set>
                                       <p:cBhvr>
-                                        <p:cTn dur="1" fill="hold">
+                                        <p:cTn id="40" dur="1" fill="hold">
                                           <p:stCondLst>
                                             <p:cond delay="0"/>
                                           </p:stCondLst>
@@ -8971,9 +9042,9 @@
                                         <p:strVal val="visible"/>
                                       </p:to>
                                     </p:set>
-                                    <p:animEffect filter="fade" transition="in">
+                                    <p:animEffect transition="in" filter="fade">
                                       <p:cBhvr>
-                                        <p:cTn dur="1000"/>
+                                        <p:cTn id="41" dur="1000"/>
                                         <p:tgtEl>
                                           <p:spTgt spid="61"/>
                                         </p:tgtEl>
@@ -8991,14 +9062,14 @@
                 </p:childTnLst>
               </p:cTn>
               <p:prevCondLst>
-                <p:cond evt="onPrev">
+                <p:cond evt="onPrev" delay="0">
                   <p:tgtEl>
                     <p:sldTgt/>
                   </p:tgtEl>
                 </p:cond>
               </p:prevCondLst>
               <p:nextCondLst>
-                <p:cond evt="onNext">
+                <p:cond evt="onNext" delay="0">
                   <p:tgtEl>
                     <p:sldTgt/>
                   </p:tgtEl>
@@ -9014,18 +9085,19 @@
 </file>
 
 <file path=ppt/slides/slide4.xml><?xml version="1.0" encoding="utf-8"?>
-<p:sld xmlns:a="http://schemas.openxmlformats.org/drawingml/2006/main" xmlns:r="http://schemas.openxmlformats.org/officeDocument/2006/relationships" xmlns:mc="http://schemas.openxmlformats.org/markup-compatibility/2006" xmlns:mv="urn:schemas-microsoft-com:mac:vml" xmlns:p="http://schemas.openxmlformats.org/presentationml/2006/main" xmlns:c="http://schemas.openxmlformats.org/drawingml/2006/chart" xmlns:dgm="http://schemas.openxmlformats.org/drawingml/2006/diagram" xmlns:o="urn:schemas-microsoft-com:office:office" xmlns:v="urn:schemas-microsoft-com:vml" xmlns:pvml="urn:schemas-microsoft-com:office:powerpoint" xmlns:com="http://schemas.openxmlformats.org/drawingml/2006/compatibility" xmlns:p14="http://schemas.microsoft.com/office/powerpoint/2010/main" xmlns:p15="http://schemas.microsoft.com/office/powerpoint/2012/main" xmlns:ahyp="http://schemas.microsoft.com/office/drawing/2018/hyperlinkcolor">
+<p:sld xmlns:a="http://schemas.openxmlformats.org/drawingml/2006/main" xmlns:r="http://schemas.openxmlformats.org/officeDocument/2006/relationships" xmlns:p="http://schemas.openxmlformats.org/presentationml/2006/main">
   <p:cSld>
     <p:bg>
       <p:bgPr>
         <a:solidFill>
           <a:srgbClr val="FFFFFF"/>
         </a:solidFill>
+        <a:effectLst/>
       </p:bgPr>
     </p:bg>
     <p:spTree>
       <p:nvGrpSpPr>
-        <p:cNvPr id="72" name="Shape 72"/>
+        <p:cNvPr id="1" name="Shape 72"/>
         <p:cNvGrpSpPr/>
         <p:nvPr/>
       </p:nvGrpSpPr>
@@ -9047,7 +9119,7 @@
           <a:blip r:embed="rId3">
             <a:alphaModFix/>
           </a:blip>
-          <a:srcRect b="0" l="0" r="0" t="0"/>
+          <a:srcRect/>
           <a:stretch/>
         </p:blipFill>
         <p:spPr>
@@ -9081,23 +9153,23 @@
           <a:solidFill>
             <a:srgbClr val="F78321"/>
           </a:solidFill>
-          <a:ln cap="flat" cmpd="sng" w="9525">
+          <a:ln w="9525" cap="flat" cmpd="sng">
             <a:solidFill>
               <a:srgbClr val="F78321"/>
             </a:solidFill>
             <a:prstDash val="solid"/>
             <a:round/>
-            <a:headEnd len="sm" w="sm" type="none"/>
-            <a:tailEnd len="sm" w="sm" type="none"/>
+            <a:headEnd type="none" w="sm" len="sm"/>
+            <a:tailEnd type="none" w="sm" len="sm"/>
           </a:ln>
         </p:spPr>
         <p:txBody>
-          <a:bodyPr anchorCtr="0" anchor="ctr" bIns="91425" lIns="91425" spcFirstLastPara="1" rIns="91425" wrap="square" tIns="91425">
+          <a:bodyPr spcFirstLastPara="1" wrap="square" lIns="91425" tIns="91425" rIns="91425" bIns="91425" anchor="ctr" anchorCtr="0">
             <a:noAutofit/>
           </a:bodyPr>
           <a:lstStyle/>
           <a:p>
-            <a:pPr indent="0" lvl="0" marL="0" marR="0" rtl="0" algn="l">
+            <a:pPr marL="0" marR="0" lvl="0" indent="0" algn="l" rtl="0">
               <a:lnSpc>
                 <a:spcPct val="100000"/>
               </a:lnSpc>
@@ -9114,10 +9186,7 @@
               <a:buFont typeface="Arial"/>
               <a:buNone/>
             </a:pPr>
-            <a:r>
-              <a:t/>
-            </a:r>
-            <a:endParaRPr b="0" i="0" sz="1400" u="none" cap="none" strike="noStrike">
+            <a:endParaRPr sz="1400" b="0" i="0" u="none" strike="noStrike" cap="none">
               <a:solidFill>
                 <a:srgbClr val="000000"/>
               </a:solidFill>
@@ -9132,9 +9201,11 @@
       <p:sp>
         <p:nvSpPr>
           <p:cNvPr id="75" name="Google Shape;75;gcb02b98ebe_1_0"/>
-          <p:cNvSpPr txBox="1"/>
+          <p:cNvSpPr txBox="1">
+            <a:spLocks noGrp="1"/>
+          </p:cNvSpPr>
           <p:nvPr>
-            <p:ph idx="1" type="subTitle"/>
+            <p:ph type="subTitle" idx="1"/>
           </p:nvPr>
         </p:nvSpPr>
         <p:spPr>
@@ -9151,12 +9222,12 @@
           </a:ln>
         </p:spPr>
         <p:txBody>
-          <a:bodyPr anchorCtr="0" anchor="ctr" bIns="91425" lIns="91425" spcFirstLastPara="1" rIns="91425" wrap="square" tIns="91425">
+          <a:bodyPr spcFirstLastPara="1" wrap="square" lIns="91425" tIns="91425" rIns="91425" bIns="91425" anchor="ctr" anchorCtr="0">
             <a:noAutofit/>
           </a:bodyPr>
           <a:lstStyle/>
           <a:p>
-            <a:pPr indent="0" lvl="0" marL="0" rtl="0" algn="ctr">
+            <a:pPr marL="0" lvl="0" indent="0" algn="ctr" rtl="0">
               <a:lnSpc>
                 <a:spcPct val="100000"/>
               </a:lnSpc>
@@ -9174,7 +9245,7 @@
               <a:buNone/>
             </a:pPr>
             <a:r>
-              <a:rPr b="1" lang="en-US" sz="4000">
+              <a:rPr lang="en-US" sz="4000" b="1">
                 <a:solidFill>
                   <a:srgbClr val="073763"/>
                 </a:solidFill>
@@ -9185,7 +9256,7 @@
               </a:rPr>
               <a:t>Exercícios Propostos</a:t>
             </a:r>
-            <a:endParaRPr b="1" sz="4000">
+            <a:endParaRPr sz="4000" b="1">
               <a:solidFill>
                 <a:srgbClr val="073763"/>
               </a:solidFill>
@@ -9217,12 +9288,12 @@
           </a:ln>
         </p:spPr>
         <p:txBody>
-          <a:bodyPr anchorCtr="0" anchor="t" bIns="91425" lIns="91425" spcFirstLastPara="1" rIns="91425" wrap="square" tIns="91425">
+          <a:bodyPr spcFirstLastPara="1" wrap="square" lIns="91425" tIns="91425" rIns="91425" bIns="91425" anchor="t" anchorCtr="0">
             <a:noAutofit/>
           </a:bodyPr>
           <a:lstStyle/>
           <a:p>
-            <a:pPr indent="-381000" lvl="0" marL="457200" rtl="0" algn="just">
+            <a:pPr marL="457200" lvl="0" indent="-381000" algn="just" rtl="0">
               <a:lnSpc>
                 <a:spcPct val="115000"/>
               </a:lnSpc>
@@ -9262,7 +9333,7 @@
             </a:endParaRPr>
           </a:p>
           <a:p>
-            <a:pPr indent="0" lvl="0" marL="457200" rtl="0" algn="just">
+            <a:pPr marL="457200" lvl="0" indent="0" algn="just" rtl="0">
               <a:lnSpc>
                 <a:spcPct val="115000"/>
               </a:lnSpc>
@@ -9297,7 +9368,7 @@
             </a:endParaRPr>
           </a:p>
           <a:p>
-            <a:pPr indent="0" lvl="0" marL="0" rtl="0" algn="l">
+            <a:pPr marL="0" lvl="0" indent="0" algn="l" rtl="0">
               <a:lnSpc>
                 <a:spcPct val="115000"/>
               </a:lnSpc>
@@ -9309,9 +9380,6 @@
               </a:spcAft>
               <a:buNone/>
             </a:pPr>
-            <a:r>
-              <a:t/>
-            </a:r>
             <a:endParaRPr sz="2400">
               <a:solidFill>
                 <a:srgbClr val="073763"/>
@@ -9329,13 +9397,13 @@
   <p:clrMapOvr>
     <a:masterClrMapping/>
   </p:clrMapOvr>
-  <mc:AlternateContent>
+  <mc:AlternateContent xmlns:mc="http://schemas.openxmlformats.org/markup-compatibility/2006" xmlns:p14="http://schemas.microsoft.com/office/powerpoint/2010/main">
     <mc:Choice Requires="p14">
-      <p:transition spd="slow" p14:dur="700">
+      <p:transition spd="med" p14:dur="700">
         <p:fade/>
       </p:transition>
     </mc:Choice>
-    <mc:Fallback>
+    <mc:Fallback xmlns:ahyp="http://schemas.microsoft.com/office/drawing/2018/hyperlinkcolor" xmlns:p15="http://schemas.microsoft.com/office/powerpoint/2012/main" xmlns:com="http://schemas.openxmlformats.org/drawingml/2006/compatibility" xmlns:pvml="urn:schemas-microsoft-com:office:powerpoint" xmlns:v="urn:schemas-microsoft-com:vml" xmlns:o="urn:schemas-microsoft-com:office:office" xmlns:dgm="http://schemas.openxmlformats.org/drawingml/2006/diagram" xmlns:c="http://schemas.openxmlformats.org/drawingml/2006/chart" xmlns:mv="urn:schemas-microsoft-com:mac:vml" xmlns="">
       <p:transition spd="slow">
         <p:fade/>
       </p:transition>
@@ -9344,32 +9412,32 @@
   <p:timing>
     <p:tnLst>
       <p:par>
-        <p:cTn dur="indefinite" nodeType="tmRoot" restart="never">
+        <p:cTn id="1" dur="indefinite" restart="never" nodeType="tmRoot">
           <p:childTnLst>
             <p:seq concurrent="1" nextAc="seek">
-              <p:cTn dur="indefinite" id="2" nodeType="mainSeq">
+              <p:cTn id="2" dur="indefinite" nodeType="mainSeq">
                 <p:childTnLst>
                   <p:par>
-                    <p:cTn fill="hold">
+                    <p:cTn id="3" fill="hold">
                       <p:stCondLst>
                         <p:cond delay="indefinite"/>
                       </p:stCondLst>
                       <p:childTnLst>
                         <p:par>
-                          <p:cTn fill="hold">
+                          <p:cTn id="4" fill="hold">
                             <p:stCondLst>
                               <p:cond delay="0"/>
                             </p:stCondLst>
                             <p:childTnLst>
                               <p:par>
-                                <p:cTn fill="hold" nodeType="clickEffect" presetClass="entr" presetID="10" presetSubtype="0">
+                                <p:cTn id="5" presetID="10" presetClass="entr" presetSubtype="0" fill="hold" nodeType="clickEffect">
                                   <p:stCondLst>
                                     <p:cond delay="0"/>
                                   </p:stCondLst>
                                   <p:childTnLst>
                                     <p:set>
                                       <p:cBhvr>
-                                        <p:cTn dur="1" fill="hold">
+                                        <p:cTn id="6" dur="1" fill="hold">
                                           <p:stCondLst>
                                             <p:cond delay="0"/>
                                           </p:stCondLst>
@@ -9377,7 +9445,7 @@
                                         <p:tgtEl>
                                           <p:spTgt spid="76">
                                             <p:txEl>
-                                              <p:pRg end="0" st="0"/>
+                                              <p:pRg st="0" end="0"/>
                                             </p:txEl>
                                           </p:spTgt>
                                         </p:tgtEl>
@@ -9389,13 +9457,13 @@
                                         <p:strVal val="visible"/>
                                       </p:to>
                                     </p:set>
-                                    <p:animEffect filter="fade" transition="in">
+                                    <p:animEffect transition="in" filter="fade">
                                       <p:cBhvr>
-                                        <p:cTn dur="1000"/>
+                                        <p:cTn id="7" dur="1000"/>
                                         <p:tgtEl>
                                           <p:spTgt spid="76">
                                             <p:txEl>
-                                              <p:pRg end="0" st="0"/>
+                                              <p:pRg st="0" end="0"/>
                                             </p:txEl>
                                           </p:spTgt>
                                         </p:tgtEl>
@@ -9411,26 +9479,26 @@
                     </p:cTn>
                   </p:par>
                   <p:par>
-                    <p:cTn fill="hold">
+                    <p:cTn id="8" fill="hold">
                       <p:stCondLst>
                         <p:cond delay="indefinite"/>
                       </p:stCondLst>
                       <p:childTnLst>
                         <p:par>
-                          <p:cTn fill="hold">
+                          <p:cTn id="9" fill="hold">
                             <p:stCondLst>
                               <p:cond delay="0"/>
                             </p:stCondLst>
                             <p:childTnLst>
                               <p:par>
-                                <p:cTn fill="hold" nodeType="clickEffect" presetClass="entr" presetID="10" presetSubtype="0">
+                                <p:cTn id="10" presetID="10" presetClass="entr" presetSubtype="0" fill="hold" nodeType="clickEffect">
                                   <p:stCondLst>
                                     <p:cond delay="0"/>
                                   </p:stCondLst>
                                   <p:childTnLst>
                                     <p:set>
                                       <p:cBhvr>
-                                        <p:cTn dur="1" fill="hold">
+                                        <p:cTn id="11" dur="1" fill="hold">
                                           <p:stCondLst>
                                             <p:cond delay="0"/>
                                           </p:stCondLst>
@@ -9438,7 +9506,7 @@
                                         <p:tgtEl>
                                           <p:spTgt spid="76">
                                             <p:txEl>
-                                              <p:pRg end="1" st="1"/>
+                                              <p:pRg st="1" end="1"/>
                                             </p:txEl>
                                           </p:spTgt>
                                         </p:tgtEl>
@@ -9450,13 +9518,13 @@
                                         <p:strVal val="visible"/>
                                       </p:to>
                                     </p:set>
-                                    <p:animEffect filter="fade" transition="in">
+                                    <p:animEffect transition="in" filter="fade">
                                       <p:cBhvr>
-                                        <p:cTn dur="1000"/>
+                                        <p:cTn id="12" dur="1000"/>
                                         <p:tgtEl>
                                           <p:spTgt spid="76">
                                             <p:txEl>
-                                              <p:pRg end="1" st="1"/>
+                                              <p:pRg st="1" end="1"/>
                                             </p:txEl>
                                           </p:spTgt>
                                         </p:tgtEl>
@@ -9472,26 +9540,26 @@
                     </p:cTn>
                   </p:par>
                   <p:par>
-                    <p:cTn fill="hold">
+                    <p:cTn id="13" fill="hold">
                       <p:stCondLst>
                         <p:cond delay="indefinite"/>
                       </p:stCondLst>
                       <p:childTnLst>
                         <p:par>
-                          <p:cTn fill="hold">
+                          <p:cTn id="14" fill="hold">
                             <p:stCondLst>
                               <p:cond delay="0"/>
                             </p:stCondLst>
                             <p:childTnLst>
                               <p:par>
-                                <p:cTn fill="hold" nodeType="clickEffect" presetClass="entr" presetID="10" presetSubtype="0">
+                                <p:cTn id="15" presetID="10" presetClass="entr" presetSubtype="0" fill="hold" nodeType="clickEffect">
                                   <p:stCondLst>
                                     <p:cond delay="0"/>
                                   </p:stCondLst>
                                   <p:childTnLst>
                                     <p:set>
                                       <p:cBhvr>
-                                        <p:cTn dur="1" fill="hold">
+                                        <p:cTn id="16" dur="1" fill="hold">
                                           <p:stCondLst>
                                             <p:cond delay="0"/>
                                           </p:stCondLst>
@@ -9499,7 +9567,7 @@
                                         <p:tgtEl>
                                           <p:spTgt spid="76">
                                             <p:txEl>
-                                              <p:pRg end="2" st="2"/>
+                                              <p:pRg st="2" end="2"/>
                                             </p:txEl>
                                           </p:spTgt>
                                         </p:tgtEl>
@@ -9511,13 +9579,13 @@
                                         <p:strVal val="visible"/>
                                       </p:to>
                                     </p:set>
-                                    <p:animEffect filter="fade" transition="in">
+                                    <p:animEffect transition="in" filter="fade">
                                       <p:cBhvr>
-                                        <p:cTn dur="1000"/>
+                                        <p:cTn id="17" dur="1000"/>
                                         <p:tgtEl>
                                           <p:spTgt spid="76">
                                             <p:txEl>
-                                              <p:pRg end="2" st="2"/>
+                                              <p:pRg st="2" end="2"/>
                                             </p:txEl>
                                           </p:spTgt>
                                         </p:tgtEl>
@@ -9535,14 +9603,14 @@
                 </p:childTnLst>
               </p:cTn>
               <p:prevCondLst>
-                <p:cond evt="onPrev">
+                <p:cond evt="onPrev" delay="0">
                   <p:tgtEl>
                     <p:sldTgt/>
                   </p:tgtEl>
                 </p:cond>
               </p:prevCondLst>
               <p:nextCondLst>
-                <p:cond evt="onNext">
+                <p:cond evt="onNext" delay="0">
                   <p:tgtEl>
                     <p:sldTgt/>
                   </p:tgtEl>
@@ -9558,18 +9626,19 @@
 </file>
 
 <file path=ppt/slides/slide5.xml><?xml version="1.0" encoding="utf-8"?>
-<p:sld xmlns:a="http://schemas.openxmlformats.org/drawingml/2006/main" xmlns:r="http://schemas.openxmlformats.org/officeDocument/2006/relationships" xmlns:mc="http://schemas.openxmlformats.org/markup-compatibility/2006" xmlns:mv="urn:schemas-microsoft-com:mac:vml" xmlns:p="http://schemas.openxmlformats.org/presentationml/2006/main" xmlns:c="http://schemas.openxmlformats.org/drawingml/2006/chart" xmlns:dgm="http://schemas.openxmlformats.org/drawingml/2006/diagram" xmlns:o="urn:schemas-microsoft-com:office:office" xmlns:v="urn:schemas-microsoft-com:vml" xmlns:pvml="urn:schemas-microsoft-com:office:powerpoint" xmlns:com="http://schemas.openxmlformats.org/drawingml/2006/compatibility" xmlns:p14="http://schemas.microsoft.com/office/powerpoint/2010/main" xmlns:p15="http://schemas.microsoft.com/office/powerpoint/2012/main" xmlns:ahyp="http://schemas.microsoft.com/office/drawing/2018/hyperlinkcolor">
+<p:sld xmlns:a="http://schemas.openxmlformats.org/drawingml/2006/main" xmlns:r="http://schemas.openxmlformats.org/officeDocument/2006/relationships" xmlns:p="http://schemas.openxmlformats.org/presentationml/2006/main">
   <p:cSld>
     <p:bg>
       <p:bgPr>
         <a:solidFill>
           <a:srgbClr val="FFFFFF"/>
         </a:solidFill>
+        <a:effectLst/>
       </p:bgPr>
     </p:bg>
     <p:spTree>
       <p:nvGrpSpPr>
-        <p:cNvPr id="80" name="Shape 80"/>
+        <p:cNvPr id="1" name="Shape 80"/>
         <p:cNvGrpSpPr/>
         <p:nvPr/>
       </p:nvGrpSpPr>
@@ -9591,7 +9660,7 @@
           <a:blip r:embed="rId3">
             <a:alphaModFix/>
           </a:blip>
-          <a:srcRect b="0" l="0" r="0" t="0"/>
+          <a:srcRect/>
           <a:stretch/>
         </p:blipFill>
         <p:spPr>
@@ -9625,23 +9694,23 @@
           <a:solidFill>
             <a:srgbClr val="F78321"/>
           </a:solidFill>
-          <a:ln cap="flat" cmpd="sng" w="9525">
+          <a:ln w="9525" cap="flat" cmpd="sng">
             <a:solidFill>
               <a:srgbClr val="F78321"/>
             </a:solidFill>
             <a:prstDash val="solid"/>
             <a:round/>
-            <a:headEnd len="sm" w="sm" type="none"/>
-            <a:tailEnd len="sm" w="sm" type="none"/>
+            <a:headEnd type="none" w="sm" len="sm"/>
+            <a:tailEnd type="none" w="sm" len="sm"/>
           </a:ln>
         </p:spPr>
         <p:txBody>
-          <a:bodyPr anchorCtr="0" anchor="ctr" bIns="91425" lIns="91425" spcFirstLastPara="1" rIns="91425" wrap="square" tIns="91425">
+          <a:bodyPr spcFirstLastPara="1" wrap="square" lIns="91425" tIns="91425" rIns="91425" bIns="91425" anchor="ctr" anchorCtr="0">
             <a:noAutofit/>
           </a:bodyPr>
           <a:lstStyle/>
           <a:p>
-            <a:pPr indent="0" lvl="0" marL="0" marR="0" rtl="0" algn="l">
+            <a:pPr marL="0" marR="0" lvl="0" indent="0" algn="l" rtl="0">
               <a:lnSpc>
                 <a:spcPct val="100000"/>
               </a:lnSpc>
@@ -9658,10 +9727,7 @@
               <a:buFont typeface="Arial"/>
               <a:buNone/>
             </a:pPr>
-            <a:r>
-              <a:t/>
-            </a:r>
-            <a:endParaRPr b="0" i="0" sz="1400" u="none" cap="none" strike="noStrike">
+            <a:endParaRPr sz="1400" b="0" i="0" u="none" strike="noStrike" cap="none">
               <a:solidFill>
                 <a:srgbClr val="000000"/>
               </a:solidFill>
@@ -9676,9 +9742,11 @@
       <p:sp>
         <p:nvSpPr>
           <p:cNvPr id="83" name="Google Shape;83;gcb02b98ebe_1_7"/>
-          <p:cNvSpPr txBox="1"/>
+          <p:cNvSpPr txBox="1">
+            <a:spLocks noGrp="1"/>
+          </p:cNvSpPr>
           <p:nvPr>
-            <p:ph idx="1" type="subTitle"/>
+            <p:ph type="subTitle" idx="1"/>
           </p:nvPr>
         </p:nvSpPr>
         <p:spPr>
@@ -9695,12 +9763,12 @@
           </a:ln>
         </p:spPr>
         <p:txBody>
-          <a:bodyPr anchorCtr="0" anchor="ctr" bIns="91425" lIns="91425" spcFirstLastPara="1" rIns="91425" wrap="square" tIns="91425">
+          <a:bodyPr spcFirstLastPara="1" wrap="square" lIns="91425" tIns="91425" rIns="91425" bIns="91425" anchor="ctr" anchorCtr="0">
             <a:noAutofit/>
           </a:bodyPr>
           <a:lstStyle/>
           <a:p>
-            <a:pPr indent="0" lvl="0" marL="0" rtl="0" algn="ctr">
+            <a:pPr marL="0" lvl="0" indent="0" algn="ctr" rtl="0">
               <a:lnSpc>
                 <a:spcPct val="100000"/>
               </a:lnSpc>
@@ -9718,7 +9786,7 @@
               <a:buNone/>
             </a:pPr>
             <a:r>
-              <a:rPr b="1" lang="en-US" sz="4000">
+              <a:rPr lang="en-US" sz="4000" b="1">
                 <a:solidFill>
                   <a:srgbClr val="073763"/>
                 </a:solidFill>
@@ -9729,7 +9797,7 @@
               </a:rPr>
               <a:t>Exercícios Propostos</a:t>
             </a:r>
-            <a:endParaRPr b="1" sz="4000">
+            <a:endParaRPr sz="4000" b="1">
               <a:solidFill>
                 <a:srgbClr val="073763"/>
               </a:solidFill>
@@ -9761,12 +9829,12 @@
           </a:ln>
         </p:spPr>
         <p:txBody>
-          <a:bodyPr anchorCtr="0" anchor="t" bIns="91425" lIns="91425" spcFirstLastPara="1" rIns="91425" wrap="square" tIns="91425">
+          <a:bodyPr spcFirstLastPara="1" wrap="square" lIns="91425" tIns="91425" rIns="91425" bIns="91425" anchor="t" anchorCtr="0">
             <a:noAutofit/>
           </a:bodyPr>
           <a:lstStyle/>
           <a:p>
-            <a:pPr indent="-368300" lvl="0" marL="457200" rtl="0" algn="just">
+            <a:pPr marL="457200" lvl="0" indent="-368300" algn="just" rtl="0">
               <a:lnSpc>
                 <a:spcPct val="115000"/>
               </a:lnSpc>
@@ -9806,7 +9874,7 @@
             </a:endParaRPr>
           </a:p>
           <a:p>
-            <a:pPr indent="-368300" lvl="0" marL="800100" rtl="0" algn="just">
+            <a:pPr marL="800100" lvl="0" indent="-368300" algn="just" rtl="0">
               <a:lnSpc>
                 <a:spcPct val="115000"/>
               </a:lnSpc>
@@ -9846,7 +9914,7 @@
             </a:endParaRPr>
           </a:p>
           <a:p>
-            <a:pPr indent="-368300" lvl="0" marL="800100" rtl="0" algn="just">
+            <a:pPr marL="800100" lvl="0" indent="-368300" algn="just" rtl="0">
               <a:lnSpc>
                 <a:spcPct val="115000"/>
               </a:lnSpc>
@@ -9886,7 +9954,7 @@
             </a:endParaRPr>
           </a:p>
           <a:p>
-            <a:pPr indent="-368300" lvl="0" marL="800100" rtl="0" algn="just">
+            <a:pPr marL="800100" lvl="0" indent="-368300" algn="just" rtl="0">
               <a:lnSpc>
                 <a:spcPct val="115000"/>
               </a:lnSpc>
@@ -9926,7 +9994,7 @@
             </a:endParaRPr>
           </a:p>
           <a:p>
-            <a:pPr indent="-368300" lvl="0" marL="800100" rtl="0" algn="just">
+            <a:pPr marL="800100" lvl="0" indent="-368300" algn="just" rtl="0">
               <a:lnSpc>
                 <a:spcPct val="115000"/>
               </a:lnSpc>
@@ -9966,7 +10034,7 @@
             </a:endParaRPr>
           </a:p>
           <a:p>
-            <a:pPr indent="-368300" lvl="0" marL="800100" rtl="0" algn="just">
+            <a:pPr marL="800100" lvl="0" indent="-368300" algn="just" rtl="0">
               <a:lnSpc>
                 <a:spcPct val="115000"/>
               </a:lnSpc>
@@ -10006,7 +10074,7 @@
             </a:endParaRPr>
           </a:p>
           <a:p>
-            <a:pPr indent="0" lvl="0" marL="0" rtl="0" algn="just">
+            <a:pPr marL="0" lvl="0" indent="0" algn="just" rtl="0">
               <a:lnSpc>
                 <a:spcPct val="115000"/>
               </a:lnSpc>
@@ -10041,7 +10109,7 @@
             </a:endParaRPr>
           </a:p>
           <a:p>
-            <a:pPr indent="0" lvl="0" marL="0" rtl="0" algn="just">
+            <a:pPr marL="0" lvl="0" indent="0" algn="just" rtl="0">
               <a:lnSpc>
                 <a:spcPct val="115000"/>
               </a:lnSpc>
@@ -10081,13 +10149,13 @@
   <p:clrMapOvr>
     <a:masterClrMapping/>
   </p:clrMapOvr>
-  <mc:AlternateContent>
+  <mc:AlternateContent xmlns:mc="http://schemas.openxmlformats.org/markup-compatibility/2006" xmlns:p14="http://schemas.microsoft.com/office/powerpoint/2010/main">
     <mc:Choice Requires="p14">
-      <p:transition spd="slow" p14:dur="700">
+      <p:transition spd="med" p14:dur="700">
         <p:fade/>
       </p:transition>
     </mc:Choice>
-    <mc:Fallback>
+    <mc:Fallback xmlns:ahyp="http://schemas.microsoft.com/office/drawing/2018/hyperlinkcolor" xmlns:p15="http://schemas.microsoft.com/office/powerpoint/2012/main" xmlns:com="http://schemas.openxmlformats.org/drawingml/2006/compatibility" xmlns:pvml="urn:schemas-microsoft-com:office:powerpoint" xmlns:v="urn:schemas-microsoft-com:vml" xmlns:o="urn:schemas-microsoft-com:office:office" xmlns:dgm="http://schemas.openxmlformats.org/drawingml/2006/diagram" xmlns:c="http://schemas.openxmlformats.org/drawingml/2006/chart" xmlns:mv="urn:schemas-microsoft-com:mac:vml" xmlns="">
       <p:transition spd="slow">
         <p:fade/>
       </p:transition>
@@ -10096,32 +10164,32 @@
   <p:timing>
     <p:tnLst>
       <p:par>
-        <p:cTn dur="indefinite" nodeType="tmRoot" restart="never">
+        <p:cTn id="1" dur="indefinite" restart="never" nodeType="tmRoot">
           <p:childTnLst>
             <p:seq concurrent="1" nextAc="seek">
-              <p:cTn dur="indefinite" id="2" nodeType="mainSeq">
+              <p:cTn id="2" dur="indefinite" nodeType="mainSeq">
                 <p:childTnLst>
                   <p:par>
-                    <p:cTn fill="hold">
+                    <p:cTn id="3" fill="hold">
                       <p:stCondLst>
                         <p:cond delay="indefinite"/>
                       </p:stCondLst>
                       <p:childTnLst>
                         <p:par>
-                          <p:cTn fill="hold">
+                          <p:cTn id="4" fill="hold">
                             <p:stCondLst>
                               <p:cond delay="0"/>
                             </p:stCondLst>
                             <p:childTnLst>
                               <p:par>
-                                <p:cTn fill="hold" nodeType="clickEffect" presetClass="entr" presetID="10" presetSubtype="0">
+                                <p:cTn id="5" presetID="10" presetClass="entr" presetSubtype="0" fill="hold" nodeType="clickEffect">
                                   <p:stCondLst>
                                     <p:cond delay="0"/>
                                   </p:stCondLst>
                                   <p:childTnLst>
                                     <p:set>
                                       <p:cBhvr>
-                                        <p:cTn dur="1" fill="hold">
+                                        <p:cTn id="6" dur="1" fill="hold">
                                           <p:stCondLst>
                                             <p:cond delay="0"/>
                                           </p:stCondLst>
@@ -10129,7 +10197,7 @@
                                         <p:tgtEl>
                                           <p:spTgt spid="84">
                                             <p:txEl>
-                                              <p:pRg end="0" st="0"/>
+                                              <p:pRg st="0" end="0"/>
                                             </p:txEl>
                                           </p:spTgt>
                                         </p:tgtEl>
@@ -10141,13 +10209,13 @@
                                         <p:strVal val="visible"/>
                                       </p:to>
                                     </p:set>
-                                    <p:animEffect filter="fade" transition="in">
+                                    <p:animEffect transition="in" filter="fade">
                                       <p:cBhvr>
-                                        <p:cTn dur="1000"/>
+                                        <p:cTn id="7" dur="1000"/>
                                         <p:tgtEl>
                                           <p:spTgt spid="84">
                                             <p:txEl>
-                                              <p:pRg end="0" st="0"/>
+                                              <p:pRg st="0" end="0"/>
                                             </p:txEl>
                                           </p:spTgt>
                                         </p:tgtEl>
@@ -10163,26 +10231,26 @@
                     </p:cTn>
                   </p:par>
                   <p:par>
-                    <p:cTn fill="hold">
+                    <p:cTn id="8" fill="hold">
                       <p:stCondLst>
                         <p:cond delay="indefinite"/>
                       </p:stCondLst>
                       <p:childTnLst>
                         <p:par>
-                          <p:cTn fill="hold">
+                          <p:cTn id="9" fill="hold">
                             <p:stCondLst>
                               <p:cond delay="0"/>
                             </p:stCondLst>
                             <p:childTnLst>
                               <p:par>
-                                <p:cTn fill="hold" nodeType="clickEffect" presetClass="entr" presetID="10" presetSubtype="0">
+                                <p:cTn id="10" presetID="10" presetClass="entr" presetSubtype="0" fill="hold" nodeType="clickEffect">
                                   <p:stCondLst>
                                     <p:cond delay="0"/>
                                   </p:stCondLst>
                                   <p:childTnLst>
                                     <p:set>
                                       <p:cBhvr>
-                                        <p:cTn dur="1" fill="hold">
+                                        <p:cTn id="11" dur="1" fill="hold">
                                           <p:stCondLst>
                                             <p:cond delay="0"/>
                                           </p:stCondLst>
@@ -10190,7 +10258,7 @@
                                         <p:tgtEl>
                                           <p:spTgt spid="84">
                                             <p:txEl>
-                                              <p:pRg end="1" st="1"/>
+                                              <p:pRg st="1" end="1"/>
                                             </p:txEl>
                                           </p:spTgt>
                                         </p:tgtEl>
@@ -10202,13 +10270,13 @@
                                         <p:strVal val="visible"/>
                                       </p:to>
                                     </p:set>
-                                    <p:animEffect filter="fade" transition="in">
+                                    <p:animEffect transition="in" filter="fade">
                                       <p:cBhvr>
-                                        <p:cTn dur="1000"/>
+                                        <p:cTn id="12" dur="1000"/>
                                         <p:tgtEl>
                                           <p:spTgt spid="84">
                                             <p:txEl>
-                                              <p:pRg end="1" st="1"/>
+                                              <p:pRg st="1" end="1"/>
                                             </p:txEl>
                                           </p:spTgt>
                                         </p:tgtEl>
@@ -10224,26 +10292,26 @@
                     </p:cTn>
                   </p:par>
                   <p:par>
-                    <p:cTn fill="hold">
+                    <p:cTn id="13" fill="hold">
                       <p:stCondLst>
                         <p:cond delay="indefinite"/>
                       </p:stCondLst>
                       <p:childTnLst>
                         <p:par>
-                          <p:cTn fill="hold">
+                          <p:cTn id="14" fill="hold">
                             <p:stCondLst>
                               <p:cond delay="0"/>
                             </p:stCondLst>
                             <p:childTnLst>
                               <p:par>
-                                <p:cTn fill="hold" nodeType="clickEffect" presetClass="entr" presetID="10" presetSubtype="0">
+                                <p:cTn id="15" presetID="10" presetClass="entr" presetSubtype="0" fill="hold" nodeType="clickEffect">
                                   <p:stCondLst>
                                     <p:cond delay="0"/>
                                   </p:stCondLst>
                                   <p:childTnLst>
                                     <p:set>
                                       <p:cBhvr>
-                                        <p:cTn dur="1" fill="hold">
+                                        <p:cTn id="16" dur="1" fill="hold">
                                           <p:stCondLst>
                                             <p:cond delay="0"/>
                                           </p:stCondLst>
@@ -10251,7 +10319,7 @@
                                         <p:tgtEl>
                                           <p:spTgt spid="84">
                                             <p:txEl>
-                                              <p:pRg end="2" st="2"/>
+                                              <p:pRg st="2" end="2"/>
                                             </p:txEl>
                                           </p:spTgt>
                                         </p:tgtEl>
@@ -10263,13 +10331,13 @@
                                         <p:strVal val="visible"/>
                                       </p:to>
                                     </p:set>
-                                    <p:animEffect filter="fade" transition="in">
+                                    <p:animEffect transition="in" filter="fade">
                                       <p:cBhvr>
-                                        <p:cTn dur="1000"/>
+                                        <p:cTn id="17" dur="1000"/>
                                         <p:tgtEl>
                                           <p:spTgt spid="84">
                                             <p:txEl>
-                                              <p:pRg end="2" st="2"/>
+                                              <p:pRg st="2" end="2"/>
                                             </p:txEl>
                                           </p:spTgt>
                                         </p:tgtEl>
@@ -10285,26 +10353,26 @@
                     </p:cTn>
                   </p:par>
                   <p:par>
-                    <p:cTn fill="hold">
+                    <p:cTn id="18" fill="hold">
                       <p:stCondLst>
                         <p:cond delay="indefinite"/>
                       </p:stCondLst>
                       <p:childTnLst>
                         <p:par>
-                          <p:cTn fill="hold">
+                          <p:cTn id="19" fill="hold">
                             <p:stCondLst>
                               <p:cond delay="0"/>
                             </p:stCondLst>
                             <p:childTnLst>
                               <p:par>
-                                <p:cTn fill="hold" nodeType="clickEffect" presetClass="entr" presetID="10" presetSubtype="0">
+                                <p:cTn id="20" presetID="10" presetClass="entr" presetSubtype="0" fill="hold" nodeType="clickEffect">
                                   <p:stCondLst>
                                     <p:cond delay="0"/>
                                   </p:stCondLst>
                                   <p:childTnLst>
                                     <p:set>
                                       <p:cBhvr>
-                                        <p:cTn dur="1" fill="hold">
+                                        <p:cTn id="21" dur="1" fill="hold">
                                           <p:stCondLst>
                                             <p:cond delay="0"/>
                                           </p:stCondLst>
@@ -10312,7 +10380,7 @@
                                         <p:tgtEl>
                                           <p:spTgt spid="84">
                                             <p:txEl>
-                                              <p:pRg end="3" st="3"/>
+                                              <p:pRg st="3" end="3"/>
                                             </p:txEl>
                                           </p:spTgt>
                                         </p:tgtEl>
@@ -10324,13 +10392,13 @@
                                         <p:strVal val="visible"/>
                                       </p:to>
                                     </p:set>
-                                    <p:animEffect filter="fade" transition="in">
+                                    <p:animEffect transition="in" filter="fade">
                                       <p:cBhvr>
-                                        <p:cTn dur="1000"/>
+                                        <p:cTn id="22" dur="1000"/>
                                         <p:tgtEl>
                                           <p:spTgt spid="84">
                                             <p:txEl>
-                                              <p:pRg end="3" st="3"/>
+                                              <p:pRg st="3" end="3"/>
                                             </p:txEl>
                                           </p:spTgt>
                                         </p:tgtEl>
@@ -10346,26 +10414,26 @@
                     </p:cTn>
                   </p:par>
                   <p:par>
-                    <p:cTn fill="hold">
+                    <p:cTn id="23" fill="hold">
                       <p:stCondLst>
                         <p:cond delay="indefinite"/>
                       </p:stCondLst>
                       <p:childTnLst>
                         <p:par>
-                          <p:cTn fill="hold">
+                          <p:cTn id="24" fill="hold">
                             <p:stCondLst>
                               <p:cond delay="0"/>
                             </p:stCondLst>
                             <p:childTnLst>
                               <p:par>
-                                <p:cTn fill="hold" nodeType="clickEffect" presetClass="entr" presetID="10" presetSubtype="0">
+                                <p:cTn id="25" presetID="10" presetClass="entr" presetSubtype="0" fill="hold" nodeType="clickEffect">
                                   <p:stCondLst>
                                     <p:cond delay="0"/>
                                   </p:stCondLst>
                                   <p:childTnLst>
                                     <p:set>
                                       <p:cBhvr>
-                                        <p:cTn dur="1" fill="hold">
+                                        <p:cTn id="26" dur="1" fill="hold">
                                           <p:stCondLst>
                                             <p:cond delay="0"/>
                                           </p:stCondLst>
@@ -10373,7 +10441,7 @@
                                         <p:tgtEl>
                                           <p:spTgt spid="84">
                                             <p:txEl>
-                                              <p:pRg end="4" st="4"/>
+                                              <p:pRg st="4" end="4"/>
                                             </p:txEl>
                                           </p:spTgt>
                                         </p:tgtEl>
@@ -10385,13 +10453,13 @@
                                         <p:strVal val="visible"/>
                                       </p:to>
                                     </p:set>
-                                    <p:animEffect filter="fade" transition="in">
+                                    <p:animEffect transition="in" filter="fade">
                                       <p:cBhvr>
-                                        <p:cTn dur="1000"/>
+                                        <p:cTn id="27" dur="1000"/>
                                         <p:tgtEl>
                                           <p:spTgt spid="84">
                                             <p:txEl>
-                                              <p:pRg end="4" st="4"/>
+                                              <p:pRg st="4" end="4"/>
                                             </p:txEl>
                                           </p:spTgt>
                                         </p:tgtEl>
@@ -10407,26 +10475,26 @@
                     </p:cTn>
                   </p:par>
                   <p:par>
-                    <p:cTn fill="hold">
+                    <p:cTn id="28" fill="hold">
                       <p:stCondLst>
                         <p:cond delay="indefinite"/>
                       </p:stCondLst>
                       <p:childTnLst>
                         <p:par>
-                          <p:cTn fill="hold">
+                          <p:cTn id="29" fill="hold">
                             <p:stCondLst>
                               <p:cond delay="0"/>
                             </p:stCondLst>
                             <p:childTnLst>
                               <p:par>
-                                <p:cTn fill="hold" nodeType="clickEffect" presetClass="entr" presetID="10" presetSubtype="0">
+                                <p:cTn id="30" presetID="10" presetClass="entr" presetSubtype="0" fill="hold" nodeType="clickEffect">
                                   <p:stCondLst>
                                     <p:cond delay="0"/>
                                   </p:stCondLst>
                                   <p:childTnLst>
                                     <p:set>
                                       <p:cBhvr>
-                                        <p:cTn dur="1" fill="hold">
+                                        <p:cTn id="31" dur="1" fill="hold">
                                           <p:stCondLst>
                                             <p:cond delay="0"/>
                                           </p:stCondLst>
@@ -10434,7 +10502,7 @@
                                         <p:tgtEl>
                                           <p:spTgt spid="84">
                                             <p:txEl>
-                                              <p:pRg end="5" st="5"/>
+                                              <p:pRg st="5" end="5"/>
                                             </p:txEl>
                                           </p:spTgt>
                                         </p:tgtEl>
@@ -10446,13 +10514,13 @@
                                         <p:strVal val="visible"/>
                                       </p:to>
                                     </p:set>
-                                    <p:animEffect filter="fade" transition="in">
+                                    <p:animEffect transition="in" filter="fade">
                                       <p:cBhvr>
-                                        <p:cTn dur="1000"/>
+                                        <p:cTn id="32" dur="1000"/>
                                         <p:tgtEl>
                                           <p:spTgt spid="84">
                                             <p:txEl>
-                                              <p:pRg end="5" st="5"/>
+                                              <p:pRg st="5" end="5"/>
                                             </p:txEl>
                                           </p:spTgt>
                                         </p:tgtEl>
@@ -10468,26 +10536,26 @@
                     </p:cTn>
                   </p:par>
                   <p:par>
-                    <p:cTn fill="hold">
+                    <p:cTn id="33" fill="hold">
                       <p:stCondLst>
                         <p:cond delay="indefinite"/>
                       </p:stCondLst>
                       <p:childTnLst>
                         <p:par>
-                          <p:cTn fill="hold">
+                          <p:cTn id="34" fill="hold">
                             <p:stCondLst>
                               <p:cond delay="0"/>
                             </p:stCondLst>
                             <p:childTnLst>
                               <p:par>
-                                <p:cTn fill="hold" nodeType="clickEffect" presetClass="entr" presetID="10" presetSubtype="0">
+                                <p:cTn id="35" presetID="10" presetClass="entr" presetSubtype="0" fill="hold" nodeType="clickEffect">
                                   <p:stCondLst>
                                     <p:cond delay="0"/>
                                   </p:stCondLst>
                                   <p:childTnLst>
                                     <p:set>
                                       <p:cBhvr>
-                                        <p:cTn dur="1" fill="hold">
+                                        <p:cTn id="36" dur="1" fill="hold">
                                           <p:stCondLst>
                                             <p:cond delay="0"/>
                                           </p:stCondLst>
@@ -10495,7 +10563,7 @@
                                         <p:tgtEl>
                                           <p:spTgt spid="84">
                                             <p:txEl>
-                                              <p:pRg end="6" st="6"/>
+                                              <p:pRg st="6" end="6"/>
                                             </p:txEl>
                                           </p:spTgt>
                                         </p:tgtEl>
@@ -10507,13 +10575,13 @@
                                         <p:strVal val="visible"/>
                                       </p:to>
                                     </p:set>
-                                    <p:animEffect filter="fade" transition="in">
+                                    <p:animEffect transition="in" filter="fade">
                                       <p:cBhvr>
-                                        <p:cTn dur="1000"/>
+                                        <p:cTn id="37" dur="1000"/>
                                         <p:tgtEl>
                                           <p:spTgt spid="84">
                                             <p:txEl>
-                                              <p:pRg end="6" st="6"/>
+                                              <p:pRg st="6" end="6"/>
                                             </p:txEl>
                                           </p:spTgt>
                                         </p:tgtEl>
@@ -10529,26 +10597,26 @@
                     </p:cTn>
                   </p:par>
                   <p:par>
-                    <p:cTn fill="hold">
+                    <p:cTn id="38" fill="hold">
                       <p:stCondLst>
                         <p:cond delay="indefinite"/>
                       </p:stCondLst>
                       <p:childTnLst>
                         <p:par>
-                          <p:cTn fill="hold">
+                          <p:cTn id="39" fill="hold">
                             <p:stCondLst>
                               <p:cond delay="0"/>
                             </p:stCondLst>
                             <p:childTnLst>
                               <p:par>
-                                <p:cTn fill="hold" nodeType="clickEffect" presetClass="entr" presetID="10" presetSubtype="0">
+                                <p:cTn id="40" presetID="10" presetClass="entr" presetSubtype="0" fill="hold" nodeType="clickEffect">
                                   <p:stCondLst>
                                     <p:cond delay="0"/>
                                   </p:stCondLst>
                                   <p:childTnLst>
                                     <p:set>
                                       <p:cBhvr>
-                                        <p:cTn dur="1" fill="hold">
+                                        <p:cTn id="41" dur="1" fill="hold">
                                           <p:stCondLst>
                                             <p:cond delay="0"/>
                                           </p:stCondLst>
@@ -10556,7 +10624,7 @@
                                         <p:tgtEl>
                                           <p:spTgt spid="84">
                                             <p:txEl>
-                                              <p:pRg end="7" st="7"/>
+                                              <p:pRg st="7" end="7"/>
                                             </p:txEl>
                                           </p:spTgt>
                                         </p:tgtEl>
@@ -10568,13 +10636,13 @@
                                         <p:strVal val="visible"/>
                                       </p:to>
                                     </p:set>
-                                    <p:animEffect filter="fade" transition="in">
+                                    <p:animEffect transition="in" filter="fade">
                                       <p:cBhvr>
-                                        <p:cTn dur="1000"/>
+                                        <p:cTn id="42" dur="1000"/>
                                         <p:tgtEl>
                                           <p:spTgt spid="84">
                                             <p:txEl>
-                                              <p:pRg end="7" st="7"/>
+                                              <p:pRg st="7" end="7"/>
                                             </p:txEl>
                                           </p:spTgt>
                                         </p:tgtEl>
@@ -10592,14 +10660,14 @@
                 </p:childTnLst>
               </p:cTn>
               <p:prevCondLst>
-                <p:cond evt="onPrev">
+                <p:cond evt="onPrev" delay="0">
                   <p:tgtEl>
                     <p:sldTgt/>
                   </p:tgtEl>
                 </p:cond>
               </p:prevCondLst>
               <p:nextCondLst>
-                <p:cond evt="onNext">
+                <p:cond evt="onNext" delay="0">
                   <p:tgtEl>
                     <p:sldTgt/>
                   </p:tgtEl>
@@ -10615,18 +10683,19 @@
 </file>
 
 <file path=ppt/slides/slide6.xml><?xml version="1.0" encoding="utf-8"?>
-<p:sld xmlns:a="http://schemas.openxmlformats.org/drawingml/2006/main" xmlns:r="http://schemas.openxmlformats.org/officeDocument/2006/relationships" xmlns:mc="http://schemas.openxmlformats.org/markup-compatibility/2006" xmlns:mv="urn:schemas-microsoft-com:mac:vml" xmlns:p="http://schemas.openxmlformats.org/presentationml/2006/main" xmlns:c="http://schemas.openxmlformats.org/drawingml/2006/chart" xmlns:dgm="http://schemas.openxmlformats.org/drawingml/2006/diagram" xmlns:o="urn:schemas-microsoft-com:office:office" xmlns:v="urn:schemas-microsoft-com:vml" xmlns:pvml="urn:schemas-microsoft-com:office:powerpoint" xmlns:com="http://schemas.openxmlformats.org/drawingml/2006/compatibility" xmlns:p14="http://schemas.microsoft.com/office/powerpoint/2010/main" xmlns:p15="http://schemas.microsoft.com/office/powerpoint/2012/main" xmlns:ahyp="http://schemas.microsoft.com/office/drawing/2018/hyperlinkcolor">
+<p:sld xmlns:a="http://schemas.openxmlformats.org/drawingml/2006/main" xmlns:r="http://schemas.openxmlformats.org/officeDocument/2006/relationships" xmlns:p="http://schemas.openxmlformats.org/presentationml/2006/main">
   <p:cSld>
     <p:bg>
       <p:bgPr>
         <a:solidFill>
           <a:srgbClr val="FFFFFF"/>
         </a:solidFill>
+        <a:effectLst/>
       </p:bgPr>
     </p:bg>
     <p:spTree>
       <p:nvGrpSpPr>
-        <p:cNvPr id="88" name="Shape 88"/>
+        <p:cNvPr id="1" name="Shape 88"/>
         <p:cNvGrpSpPr/>
         <p:nvPr/>
       </p:nvGrpSpPr>
@@ -10641,9 +10710,11 @@
       <p:sp>
         <p:nvSpPr>
           <p:cNvPr id="89" name="Google Shape;89;gcb02b98ebe_1_14"/>
-          <p:cNvSpPr txBox="1"/>
+          <p:cNvSpPr txBox="1">
+            <a:spLocks noGrp="1"/>
+          </p:cNvSpPr>
           <p:nvPr>
-            <p:ph idx="1" type="subTitle"/>
+            <p:ph type="subTitle" idx="1"/>
           </p:nvPr>
         </p:nvSpPr>
         <p:spPr>
@@ -10660,12 +10731,12 @@
           </a:ln>
         </p:spPr>
         <p:txBody>
-          <a:bodyPr anchorCtr="0" anchor="ctr" bIns="91425" lIns="91425" spcFirstLastPara="1" rIns="91425" wrap="square" tIns="91425">
+          <a:bodyPr spcFirstLastPara="1" wrap="square" lIns="91425" tIns="91425" rIns="91425" bIns="91425" anchor="ctr" anchorCtr="0">
             <a:noAutofit/>
           </a:bodyPr>
           <a:lstStyle/>
           <a:p>
-            <a:pPr indent="0" lvl="0" marL="0" rtl="0" algn="ctr">
+            <a:pPr marL="0" lvl="0" indent="0" algn="ctr" rtl="0">
               <a:lnSpc>
                 <a:spcPct val="100000"/>
               </a:lnSpc>
@@ -10683,7 +10754,7 @@
               <a:buNone/>
             </a:pPr>
             <a:r>
-              <a:rPr b="1" lang="en-US" sz="4000">
+              <a:rPr lang="en-US" sz="4000" b="1">
                 <a:solidFill>
                   <a:srgbClr val="073763"/>
                 </a:solidFill>
@@ -10694,7 +10765,7 @@
               </a:rPr>
               <a:t>REDES SOCIAIS</a:t>
             </a:r>
-            <a:endParaRPr b="1" sz="4000">
+            <a:endParaRPr sz="4000" b="1">
               <a:solidFill>
                 <a:srgbClr val="073763"/>
               </a:solidFill>
@@ -10716,7 +10787,7 @@
           <a:blip r:embed="rId3">
             <a:alphaModFix/>
           </a:blip>
-          <a:srcRect b="0" l="0" r="0" t="0"/>
+          <a:srcRect/>
           <a:stretch/>
         </p:blipFill>
         <p:spPr>
@@ -10750,23 +10821,23 @@
           <a:solidFill>
             <a:srgbClr val="F78321"/>
           </a:solidFill>
-          <a:ln cap="flat" cmpd="sng" w="9525">
+          <a:ln w="9525" cap="flat" cmpd="sng">
             <a:solidFill>
               <a:srgbClr val="F78321"/>
             </a:solidFill>
             <a:prstDash val="solid"/>
             <a:round/>
-            <a:headEnd len="sm" w="sm" type="none"/>
-            <a:tailEnd len="sm" w="sm" type="none"/>
+            <a:headEnd type="none" w="sm" len="sm"/>
+            <a:tailEnd type="none" w="sm" len="sm"/>
           </a:ln>
         </p:spPr>
         <p:txBody>
-          <a:bodyPr anchorCtr="0" anchor="ctr" bIns="91425" lIns="91425" spcFirstLastPara="1" rIns="91425" wrap="square" tIns="91425">
+          <a:bodyPr spcFirstLastPara="1" wrap="square" lIns="91425" tIns="91425" rIns="91425" bIns="91425" anchor="ctr" anchorCtr="0">
             <a:noAutofit/>
           </a:bodyPr>
           <a:lstStyle/>
           <a:p>
-            <a:pPr indent="0" lvl="0" marL="0" marR="0" rtl="0" algn="l">
+            <a:pPr marL="0" marR="0" lvl="0" indent="0" algn="l" rtl="0">
               <a:lnSpc>
                 <a:spcPct val="100000"/>
               </a:lnSpc>
@@ -10783,10 +10854,7 @@
               <a:buFont typeface="Arial"/>
               <a:buNone/>
             </a:pPr>
-            <a:r>
-              <a:t/>
-            </a:r>
-            <a:endParaRPr b="0" i="0" sz="1400" u="none" cap="none" strike="noStrike">
+            <a:endParaRPr sz="1400" b="0" i="0" u="none" strike="noStrike" cap="none">
               <a:solidFill>
                 <a:srgbClr val="000000"/>
               </a:solidFill>
@@ -10818,12 +10886,12 @@
           </a:ln>
         </p:spPr>
         <p:txBody>
-          <a:bodyPr anchorCtr="0" anchor="t" bIns="91425" lIns="91425" spcFirstLastPara="1" rIns="91425" wrap="square" tIns="91425">
+          <a:bodyPr spcFirstLastPara="1" wrap="square" lIns="91425" tIns="91425" rIns="91425" bIns="91425" anchor="t" anchorCtr="0">
             <a:noAutofit/>
           </a:bodyPr>
           <a:lstStyle/>
           <a:p>
-            <a:pPr indent="0" lvl="0" marL="457200" marR="0" rtl="0" algn="l">
+            <a:pPr marL="457200" marR="0" lvl="0" indent="0" algn="l" rtl="0">
               <a:lnSpc>
                 <a:spcPct val="100000"/>
               </a:lnSpc>
@@ -10835,10 +10903,7 @@
               </a:spcAft>
               <a:buNone/>
             </a:pPr>
-            <a:r>
-              <a:t/>
-            </a:r>
-            <a:endParaRPr b="1" sz="2400">
+            <a:endParaRPr sz="2400" b="1">
               <a:solidFill>
                 <a:srgbClr val="073763"/>
               </a:solidFill>
@@ -10954,12 +11019,12 @@
           </a:ln>
         </p:spPr>
         <p:txBody>
-          <a:bodyPr anchorCtr="0" anchor="t" bIns="91425" lIns="91425" spcFirstLastPara="1" rIns="91425" wrap="square" tIns="91425">
+          <a:bodyPr spcFirstLastPara="1" wrap="square" lIns="91425" tIns="91425" rIns="91425" bIns="91425" anchor="t" anchorCtr="0">
             <a:spAutoFit/>
           </a:bodyPr>
           <a:lstStyle/>
           <a:p>
-            <a:pPr indent="0" lvl="0" marL="0" rtl="0" algn="l">
+            <a:pPr marL="0" lvl="0" indent="0" algn="l" rtl="0">
               <a:spcBef>
                 <a:spcPts val="0"/>
               </a:spcBef>
@@ -11013,12 +11078,12 @@
           </a:ln>
         </p:spPr>
         <p:txBody>
-          <a:bodyPr anchorCtr="0" anchor="t" bIns="91425" lIns="91425" spcFirstLastPara="1" rIns="91425" wrap="square" tIns="91425">
+          <a:bodyPr spcFirstLastPara="1" wrap="square" lIns="91425" tIns="91425" rIns="91425" bIns="91425" anchor="t" anchorCtr="0">
             <a:spAutoFit/>
           </a:bodyPr>
           <a:lstStyle/>
           <a:p>
-            <a:pPr indent="0" lvl="0" marL="0" rtl="0" algn="l">
+            <a:pPr marL="0" lvl="0" indent="0" algn="l" rtl="0">
               <a:spcBef>
                 <a:spcPts val="0"/>
               </a:spcBef>
@@ -11072,12 +11137,12 @@
           </a:ln>
         </p:spPr>
         <p:txBody>
-          <a:bodyPr anchorCtr="0" anchor="t" bIns="91425" lIns="91425" spcFirstLastPara="1" rIns="91425" wrap="square" tIns="91425">
+          <a:bodyPr spcFirstLastPara="1" wrap="square" lIns="91425" tIns="91425" rIns="91425" bIns="91425" anchor="t" anchorCtr="0">
             <a:spAutoFit/>
           </a:bodyPr>
           <a:lstStyle/>
           <a:p>
-            <a:pPr indent="0" lvl="0" marL="0" rtl="0" algn="l">
+            <a:pPr marL="0" lvl="0" indent="0" algn="l" rtl="0">
               <a:spcBef>
                 <a:spcPts val="0"/>
               </a:spcBef>
@@ -11116,13 +11181,13 @@
   <p:clrMapOvr>
     <a:masterClrMapping/>
   </p:clrMapOvr>
-  <mc:AlternateContent>
+  <mc:AlternateContent xmlns:mc="http://schemas.openxmlformats.org/markup-compatibility/2006" xmlns:p14="http://schemas.microsoft.com/office/powerpoint/2010/main">
     <mc:Choice Requires="p14">
-      <p:transition spd="slow" p14:dur="700">
+      <p:transition spd="med" p14:dur="700">
         <p:fade/>
       </p:transition>
     </mc:Choice>
-    <mc:Fallback>
+    <mc:Fallback xmlns:ahyp="http://schemas.microsoft.com/office/drawing/2018/hyperlinkcolor" xmlns:p15="http://schemas.microsoft.com/office/powerpoint/2012/main" xmlns:com="http://schemas.openxmlformats.org/drawingml/2006/compatibility" xmlns:pvml="urn:schemas-microsoft-com:office:powerpoint" xmlns:v="urn:schemas-microsoft-com:vml" xmlns:o="urn:schemas-microsoft-com:office:office" xmlns:dgm="http://schemas.openxmlformats.org/drawingml/2006/diagram" xmlns:c="http://schemas.openxmlformats.org/drawingml/2006/chart" xmlns:mv="urn:schemas-microsoft-com:mac:vml" xmlns="">
       <p:transition spd="slow">
         <p:fade/>
       </p:transition>
@@ -11132,11 +11197,11 @@
 </file>
 
 <file path=ppt/slides/slide7.xml><?xml version="1.0" encoding="utf-8"?>
-<p:sld xmlns:a="http://schemas.openxmlformats.org/drawingml/2006/main" xmlns:r="http://schemas.openxmlformats.org/officeDocument/2006/relationships" xmlns:mc="http://schemas.openxmlformats.org/markup-compatibility/2006" xmlns:mv="urn:schemas-microsoft-com:mac:vml" xmlns:p="http://schemas.openxmlformats.org/presentationml/2006/main" xmlns:c="http://schemas.openxmlformats.org/drawingml/2006/chart" xmlns:dgm="http://schemas.openxmlformats.org/drawingml/2006/diagram" xmlns:o="urn:schemas-microsoft-com:office:office" xmlns:v="urn:schemas-microsoft-com:vml" xmlns:pvml="urn:schemas-microsoft-com:office:powerpoint" xmlns:com="http://schemas.openxmlformats.org/drawingml/2006/compatibility" xmlns:p14="http://schemas.microsoft.com/office/powerpoint/2010/main" xmlns:p15="http://schemas.microsoft.com/office/powerpoint/2012/main" xmlns:ahyp="http://schemas.microsoft.com/office/drawing/2018/hyperlinkcolor">
+<p:sld xmlns:a="http://schemas.openxmlformats.org/drawingml/2006/main" xmlns:r="http://schemas.openxmlformats.org/officeDocument/2006/relationships" xmlns:p="http://schemas.openxmlformats.org/presentationml/2006/main">
   <p:cSld>
     <p:spTree>
       <p:nvGrpSpPr>
-        <p:cNvPr id="102" name="Shape 102"/>
+        <p:cNvPr id="1" name="Shape 102"/>
         <p:cNvGrpSpPr/>
         <p:nvPr/>
       </p:nvGrpSpPr>
@@ -11151,7 +11216,9 @@
       <p:sp>
         <p:nvSpPr>
           <p:cNvPr id="103" name="Google Shape;103;gcb02b98ebe_1_27"/>
-          <p:cNvSpPr txBox="1"/>
+          <p:cNvSpPr txBox="1">
+            <a:spLocks noGrp="1"/>
+          </p:cNvSpPr>
           <p:nvPr>
             <p:ph type="ctrTitle"/>
           </p:nvPr>
@@ -11170,12 +11237,12 @@
           </a:ln>
         </p:spPr>
         <p:txBody>
-          <a:bodyPr anchorCtr="0" anchor="ctr" bIns="91425" lIns="91425" spcFirstLastPara="1" rIns="91425" wrap="square" tIns="91425">
+          <a:bodyPr spcFirstLastPara="1" wrap="square" lIns="91425" tIns="91425" rIns="91425" bIns="91425" anchor="ctr" anchorCtr="0">
             <a:noAutofit/>
           </a:bodyPr>
           <a:lstStyle/>
           <a:p>
-            <a:pPr indent="0" lvl="0" marL="0" rtl="0" algn="l">
+            <a:pPr marL="0" lvl="0" indent="0" algn="l" rtl="0">
               <a:lnSpc>
                 <a:spcPct val="100000"/>
               </a:lnSpc>
@@ -11242,7 +11309,9 @@
       <p:sp>
         <p:nvSpPr>
           <p:cNvPr id="104" name="Google Shape;104;gcb02b98ebe_1_27"/>
-          <p:cNvSpPr txBox="1"/>
+          <p:cNvSpPr txBox="1">
+            <a:spLocks noGrp="1"/>
+          </p:cNvSpPr>
           <p:nvPr>
             <p:ph type="ctrTitle"/>
           </p:nvPr>
@@ -11261,12 +11330,12 @@
           </a:ln>
         </p:spPr>
         <p:txBody>
-          <a:bodyPr anchorCtr="0" anchor="ctr" bIns="91425" lIns="91425" spcFirstLastPara="1" rIns="91425" wrap="square" tIns="91425">
+          <a:bodyPr spcFirstLastPara="1" wrap="square" lIns="91425" tIns="91425" rIns="91425" bIns="91425" anchor="ctr" anchorCtr="0">
             <a:noAutofit/>
           </a:bodyPr>
           <a:lstStyle/>
           <a:p>
-            <a:pPr indent="0" lvl="0" marL="0" rtl="0" algn="l">
+            <a:pPr marL="0" lvl="0" indent="0" algn="l" rtl="0">
               <a:lnSpc>
                 <a:spcPct val="100000"/>
               </a:lnSpc>
@@ -11310,9 +11379,11 @@
       <p:sp>
         <p:nvSpPr>
           <p:cNvPr id="105" name="Google Shape;105;gcb02b98ebe_1_27"/>
-          <p:cNvSpPr txBox="1"/>
+          <p:cNvSpPr txBox="1">
+            <a:spLocks noGrp="1"/>
+          </p:cNvSpPr>
           <p:nvPr>
-            <p:ph idx="1" type="subTitle"/>
+            <p:ph type="subTitle" idx="1"/>
           </p:nvPr>
         </p:nvSpPr>
         <p:spPr>
@@ -11329,12 +11400,12 @@
           </a:ln>
         </p:spPr>
         <p:txBody>
-          <a:bodyPr anchorCtr="0" anchor="ctr" bIns="91425" lIns="91425" spcFirstLastPara="1" rIns="91425" wrap="square" tIns="91425">
+          <a:bodyPr spcFirstLastPara="1" wrap="square" lIns="91425" tIns="91425" rIns="91425" bIns="91425" anchor="ctr" anchorCtr="0">
             <a:noAutofit/>
           </a:bodyPr>
           <a:lstStyle/>
           <a:p>
-            <a:pPr indent="0" lvl="0" marL="0" rtl="0" algn="l">
+            <a:pPr marL="0" lvl="0" indent="0" algn="l" rtl="0">
               <a:lnSpc>
                 <a:spcPct val="100000"/>
               </a:lnSpc>
@@ -11352,7 +11423,7 @@
               <a:buNone/>
             </a:pPr>
             <a:r>
-              <a:rPr b="1" lang="en-US" sz="6600">
+              <a:rPr lang="en-US" sz="6600" b="1">
                 <a:solidFill>
                   <a:srgbClr val="404040"/>
                 </a:solidFill>
@@ -11363,7 +11434,7 @@
               </a:rPr>
               <a:t>[Nome da aula]</a:t>
             </a:r>
-            <a:endParaRPr b="1" sz="6600">
+            <a:endParaRPr sz="6600" b="1">
               <a:solidFill>
                 <a:srgbClr val="404040"/>
               </a:solidFill>
@@ -11392,23 +11463,23 @@
           <a:solidFill>
             <a:srgbClr val="F78321"/>
           </a:solidFill>
-          <a:ln cap="flat" cmpd="sng" w="9525">
+          <a:ln w="9525" cap="flat" cmpd="sng">
             <a:solidFill>
               <a:srgbClr val="F78321"/>
             </a:solidFill>
             <a:prstDash val="solid"/>
             <a:round/>
-            <a:headEnd len="sm" w="sm" type="none"/>
-            <a:tailEnd len="sm" w="sm" type="none"/>
+            <a:headEnd type="none" w="sm" len="sm"/>
+            <a:tailEnd type="none" w="sm" len="sm"/>
           </a:ln>
         </p:spPr>
         <p:txBody>
-          <a:bodyPr anchorCtr="0" anchor="ctr" bIns="91425" lIns="91425" spcFirstLastPara="1" rIns="91425" wrap="square" tIns="91425">
+          <a:bodyPr spcFirstLastPara="1" wrap="square" lIns="91425" tIns="91425" rIns="91425" bIns="91425" anchor="ctr" anchorCtr="0">
             <a:noAutofit/>
           </a:bodyPr>
           <a:lstStyle/>
           <a:p>
-            <a:pPr indent="0" lvl="0" marL="0" marR="0" rtl="0" algn="l">
+            <a:pPr marL="0" marR="0" lvl="0" indent="0" algn="l" rtl="0">
               <a:lnSpc>
                 <a:spcPct val="100000"/>
               </a:lnSpc>
@@ -11425,10 +11496,7 @@
               <a:buFont typeface="Arial"/>
               <a:buNone/>
             </a:pPr>
-            <a:r>
-              <a:t/>
-            </a:r>
-            <a:endParaRPr b="0" i="0" sz="1400" u="none" cap="none" strike="noStrike">
+            <a:endParaRPr sz="1400" b="0" i="0" u="none" strike="noStrike" cap="none">
               <a:solidFill>
                 <a:srgbClr val="000000"/>
               </a:solidFill>
@@ -11457,23 +11525,23 @@
           <a:solidFill>
             <a:srgbClr val="404040"/>
           </a:solidFill>
-          <a:ln cap="flat" cmpd="sng" w="9525">
+          <a:ln w="9525" cap="flat" cmpd="sng">
             <a:solidFill>
               <a:srgbClr val="404040"/>
             </a:solidFill>
             <a:prstDash val="solid"/>
             <a:round/>
-            <a:headEnd len="sm" w="sm" type="none"/>
-            <a:tailEnd len="sm" w="sm" type="none"/>
+            <a:headEnd type="none" w="sm" len="sm"/>
+            <a:tailEnd type="none" w="sm" len="sm"/>
           </a:ln>
         </p:spPr>
         <p:txBody>
-          <a:bodyPr anchorCtr="0" anchor="ctr" bIns="91425" lIns="91425" spcFirstLastPara="1" rIns="91425" wrap="square" tIns="91425">
+          <a:bodyPr spcFirstLastPara="1" wrap="square" lIns="91425" tIns="91425" rIns="91425" bIns="91425" anchor="ctr" anchorCtr="0">
             <a:noAutofit/>
           </a:bodyPr>
           <a:lstStyle/>
           <a:p>
-            <a:pPr indent="0" lvl="0" marL="0" marR="0" rtl="0" algn="l">
+            <a:pPr marL="0" marR="0" lvl="0" indent="0" algn="l" rtl="0">
               <a:lnSpc>
                 <a:spcPct val="100000"/>
               </a:lnSpc>
@@ -11490,10 +11558,7 @@
               <a:buFont typeface="Arial"/>
               <a:buNone/>
             </a:pPr>
-            <a:r>
-              <a:t/>
-            </a:r>
-            <a:endParaRPr b="0" i="0" sz="1400" u="none" cap="none" strike="noStrike">
+            <a:endParaRPr sz="1400" b="0" i="0" u="none" strike="noStrike" cap="none">
               <a:solidFill>
                 <a:srgbClr val="000000"/>
               </a:solidFill>
@@ -11522,23 +11587,23 @@
           <a:solidFill>
             <a:srgbClr val="F78321"/>
           </a:solidFill>
-          <a:ln cap="flat" cmpd="sng" w="9525">
+          <a:ln w="9525" cap="flat" cmpd="sng">
             <a:solidFill>
               <a:srgbClr val="F78321"/>
             </a:solidFill>
             <a:prstDash val="solid"/>
             <a:round/>
-            <a:headEnd len="sm" w="sm" type="none"/>
-            <a:tailEnd len="sm" w="sm" type="none"/>
+            <a:headEnd type="none" w="sm" len="sm"/>
+            <a:tailEnd type="none" w="sm" len="sm"/>
           </a:ln>
         </p:spPr>
         <p:txBody>
-          <a:bodyPr anchorCtr="0" anchor="ctr" bIns="91425" lIns="91425" spcFirstLastPara="1" rIns="91425" wrap="square" tIns="91425">
+          <a:bodyPr spcFirstLastPara="1" wrap="square" lIns="91425" tIns="91425" rIns="91425" bIns="91425" anchor="ctr" anchorCtr="0">
             <a:noAutofit/>
           </a:bodyPr>
           <a:lstStyle/>
           <a:p>
-            <a:pPr indent="0" lvl="0" marL="0" marR="0" rtl="0" algn="l">
+            <a:pPr marL="0" marR="0" lvl="0" indent="0" algn="l" rtl="0">
               <a:lnSpc>
                 <a:spcPct val="100000"/>
               </a:lnSpc>
@@ -11555,10 +11620,7 @@
               <a:buFont typeface="Arial"/>
               <a:buNone/>
             </a:pPr>
-            <a:r>
-              <a:t/>
-            </a:r>
-            <a:endParaRPr b="0" i="0" sz="1400" u="none" cap="none" strike="noStrike">
+            <a:endParaRPr sz="1400" b="0" i="0" u="none" strike="noStrike" cap="none">
               <a:solidFill>
                 <a:srgbClr val="000000"/>
               </a:solidFill>
@@ -11580,7 +11642,7 @@
           <a:blip r:embed="rId3">
             <a:alphaModFix/>
           </a:blip>
-          <a:srcRect b="0" l="0" r="0" t="0"/>
+          <a:srcRect/>
           <a:stretch/>
         </p:blipFill>
         <p:spPr>
@@ -11614,23 +11676,23 @@
           <a:solidFill>
             <a:schemeClr val="lt1"/>
           </a:solidFill>
-          <a:ln cap="flat" cmpd="sng" w="9525">
+          <a:ln w="9525" cap="flat" cmpd="sng">
             <a:solidFill>
               <a:schemeClr val="lt1"/>
             </a:solidFill>
             <a:prstDash val="solid"/>
             <a:round/>
-            <a:headEnd len="sm" w="sm" type="none"/>
-            <a:tailEnd len="sm" w="sm" type="none"/>
+            <a:headEnd type="none" w="sm" len="sm"/>
+            <a:tailEnd type="none" w="sm" len="sm"/>
           </a:ln>
         </p:spPr>
         <p:txBody>
-          <a:bodyPr anchorCtr="0" anchor="ctr" bIns="91425" lIns="91425" spcFirstLastPara="1" rIns="91425" wrap="square" tIns="91425">
+          <a:bodyPr spcFirstLastPara="1" wrap="square" lIns="91425" tIns="91425" rIns="91425" bIns="91425" anchor="ctr" anchorCtr="0">
             <a:noAutofit/>
           </a:bodyPr>
           <a:lstStyle/>
           <a:p>
-            <a:pPr indent="0" lvl="0" marL="0" marR="0" rtl="0" algn="l">
+            <a:pPr marL="0" marR="0" lvl="0" indent="0" algn="l" rtl="0">
               <a:lnSpc>
                 <a:spcPct val="100000"/>
               </a:lnSpc>
@@ -11647,10 +11709,7 @@
               <a:buFont typeface="Arial"/>
               <a:buNone/>
             </a:pPr>
-            <a:r>
-              <a:t/>
-            </a:r>
-            <a:endParaRPr b="0" i="0" sz="1400" u="none" cap="none" strike="noStrike">
+            <a:endParaRPr sz="1400" b="0" i="0" u="none" strike="noStrike" cap="none">
               <a:solidFill>
                 <a:schemeClr val="lt1"/>
               </a:solidFill>
@@ -11682,12 +11741,12 @@
           </a:ln>
         </p:spPr>
         <p:txBody>
-          <a:bodyPr anchorCtr="0" anchor="ctr" bIns="91425" lIns="91425" spcFirstLastPara="1" rIns="91425" wrap="square" tIns="91425">
+          <a:bodyPr spcFirstLastPara="1" wrap="square" lIns="91425" tIns="91425" rIns="91425" bIns="91425" anchor="ctr" anchorCtr="0">
             <a:noAutofit/>
           </a:bodyPr>
           <a:lstStyle/>
           <a:p>
-            <a:pPr indent="0" lvl="0" marL="0" marR="0" rtl="0" algn="l">
+            <a:pPr marL="0" marR="0" lvl="0" indent="0" algn="l" rtl="0">
               <a:lnSpc>
                 <a:spcPct val="100000"/>
               </a:lnSpc>
@@ -11705,7 +11764,7 @@
               <a:buNone/>
             </a:pPr>
             <a:r>
-              <a:rPr b="1" i="0" lang="en-US" sz="5400" u="none" cap="none" strike="noStrike">
+              <a:rPr lang="en-US" sz="5400" b="1" i="0" u="none" strike="noStrike" cap="none">
                 <a:solidFill>
                   <a:schemeClr val="lt1"/>
                 </a:solidFill>
@@ -11716,7 +11775,7 @@
               </a:rPr>
               <a:t>Dúvidas durante o curso?</a:t>
             </a:r>
-            <a:endParaRPr b="1" i="0" sz="5400" u="none" cap="none" strike="noStrike">
+            <a:endParaRPr sz="5400" b="1" i="0" u="none" strike="noStrike" cap="none">
               <a:solidFill>
                 <a:schemeClr val="lt1"/>
               </a:solidFill>
@@ -11748,12 +11807,12 @@
           </a:ln>
         </p:spPr>
         <p:txBody>
-          <a:bodyPr anchorCtr="0" anchor="ctr" bIns="91425" lIns="91425" spcFirstLastPara="1" rIns="91425" wrap="square" tIns="91425">
+          <a:bodyPr spcFirstLastPara="1" wrap="square" lIns="91425" tIns="91425" rIns="91425" bIns="91425" anchor="ctr" anchorCtr="0">
             <a:noAutofit/>
           </a:bodyPr>
           <a:lstStyle/>
           <a:p>
-            <a:pPr indent="-387350" lvl="0" marL="457200" marR="0" rtl="0" algn="l">
+            <a:pPr marL="457200" marR="0" lvl="0" indent="-387350" algn="l" rtl="0">
               <a:lnSpc>
                 <a:spcPct val="100000"/>
               </a:lnSpc>
@@ -11770,10 +11829,7 @@
               <a:buFont typeface="Courier New"/>
               <a:buNone/>
             </a:pPr>
-            <a:r>
-              <a:t/>
-            </a:r>
-            <a:endParaRPr b="0" i="0" sz="2400" u="none" cap="none" strike="noStrike">
+            <a:endParaRPr sz="2400" b="0" i="0" u="none" strike="noStrike" cap="none">
               <a:solidFill>
                 <a:schemeClr val="lt1"/>
               </a:solidFill>
@@ -11805,12 +11861,12 @@
           </a:ln>
         </p:spPr>
         <p:txBody>
-          <a:bodyPr anchorCtr="0" anchor="ctr" bIns="91425" lIns="91425" spcFirstLastPara="1" rIns="91425" wrap="square" tIns="91425">
+          <a:bodyPr spcFirstLastPara="1" wrap="square" lIns="91425" tIns="91425" rIns="91425" bIns="91425" anchor="ctr" anchorCtr="0">
             <a:noAutofit/>
           </a:bodyPr>
           <a:lstStyle/>
           <a:p>
-            <a:pPr indent="0" lvl="0" marL="0" marR="0" rtl="0" algn="l">
+            <a:pPr marL="0" marR="0" lvl="0" indent="0" algn="l" rtl="0">
               <a:lnSpc>
                 <a:spcPct val="100000"/>
               </a:lnSpc>
@@ -11828,7 +11884,7 @@
               <a:buNone/>
             </a:pPr>
             <a:r>
-              <a:rPr b="0" i="0" lang="en-US" sz="2800" u="none" cap="none" strike="noStrike">
+              <a:rPr lang="en-US" sz="2800" b="0" i="0" u="none" strike="noStrike" cap="none">
                 <a:solidFill>
                   <a:srgbClr val="F78321"/>
                 </a:solidFill>
@@ -11839,7 +11895,7 @@
               </a:rPr>
               <a:t>&gt; Fórum do curso</a:t>
             </a:r>
-            <a:endParaRPr b="0" i="0" sz="1400" u="none" cap="none" strike="noStrike">
+            <a:endParaRPr sz="1400" b="0" i="0" u="none" strike="noStrike" cap="none">
               <a:solidFill>
                 <a:srgbClr val="000000"/>
               </a:solidFill>
@@ -11850,7 +11906,7 @@
             </a:endParaRPr>
           </a:p>
           <a:p>
-            <a:pPr indent="0" lvl="0" marL="0" marR="0" rtl="0" algn="l">
+            <a:pPr marL="0" marR="0" lvl="0" indent="0" algn="l" rtl="0">
               <a:lnSpc>
                 <a:spcPct val="100000"/>
               </a:lnSpc>
@@ -11868,7 +11924,7 @@
               <a:buNone/>
             </a:pPr>
             <a:r>
-              <a:rPr b="0" i="0" lang="en-US" sz="2800" u="none" cap="none" strike="noStrike">
+              <a:rPr lang="en-US" sz="2800" b="0" i="0" u="none" strike="noStrike" cap="none">
                 <a:solidFill>
                   <a:srgbClr val="F78321"/>
                 </a:solidFill>
@@ -11880,7 +11936,7 @@
               <a:t>&gt; Comunidade </a:t>
             </a:r>
             <a:r>
-              <a:rPr b="0" i="0" lang="en-US" sz="2800" u="sng" cap="none" strike="noStrike">
+              <a:rPr lang="en-US" sz="2800" b="0" i="0" u="sng" strike="noStrike" cap="none">
                 <a:solidFill>
                   <a:srgbClr val="F78321"/>
                 </a:solidFill>
@@ -11891,14 +11947,14 @@
                 <a:hlinkClick r:id="rId4">
                   <a:extLst>
                     <a:ext uri="{A12FA001-AC4F-418D-AE19-62706E023703}">
-                      <ahyp:hlinkClr val="tx"/>
+                      <ahyp:hlinkClr xmlns:ahyp="http://schemas.microsoft.com/office/drawing/2018/hyperlinkcolor" val="tx"/>
                     </a:ext>
                   </a:extLst>
                 </a:hlinkClick>
               </a:rPr>
               <a:t>online (discord)</a:t>
             </a:r>
-            <a:endParaRPr b="0" i="0" sz="2800" u="none" cap="none" strike="noStrike">
+            <a:endParaRPr sz="2800" b="0" i="0" u="none" strike="noStrike" cap="none">
               <a:solidFill>
                 <a:srgbClr val="F78321"/>
               </a:solidFill>
@@ -11915,13 +11971,13 @@
   <p:clrMapOvr>
     <a:masterClrMapping/>
   </p:clrMapOvr>
-  <mc:AlternateContent>
+  <mc:AlternateContent xmlns:mc="http://schemas.openxmlformats.org/markup-compatibility/2006" xmlns:p14="http://schemas.microsoft.com/office/powerpoint/2010/main">
     <mc:Choice Requires="p14">
-      <p:transition spd="slow" p14:dur="700">
+      <p:transition spd="med" p14:dur="700">
         <p:fade/>
       </p:transition>
     </mc:Choice>
-    <mc:Fallback>
+    <mc:Fallback xmlns:ahyp="http://schemas.microsoft.com/office/drawing/2018/hyperlinkcolor" xmlns:p15="http://schemas.microsoft.com/office/powerpoint/2012/main" xmlns:com="http://schemas.openxmlformats.org/drawingml/2006/compatibility" xmlns:pvml="urn:schemas-microsoft-com:office:powerpoint" xmlns:v="urn:schemas-microsoft-com:vml" xmlns:o="urn:schemas-microsoft-com:office:office" xmlns:dgm="http://schemas.openxmlformats.org/drawingml/2006/diagram" xmlns:c="http://schemas.openxmlformats.org/drawingml/2006/chart" xmlns:mv="urn:schemas-microsoft-com:mac:vml" xmlns="">
       <p:transition spd="slow">
         <p:fade/>
       </p:transition>
@@ -11930,32 +11986,32 @@
   <p:timing>
     <p:tnLst>
       <p:par>
-        <p:cTn dur="indefinite" nodeType="tmRoot" restart="never">
+        <p:cTn id="1" dur="indefinite" restart="never" nodeType="tmRoot">
           <p:childTnLst>
             <p:seq concurrent="1" nextAc="seek">
-              <p:cTn dur="indefinite" id="2" nodeType="mainSeq">
+              <p:cTn id="2" dur="indefinite" nodeType="mainSeq">
                 <p:childTnLst>
                   <p:par>
-                    <p:cTn fill="hold">
+                    <p:cTn id="3" fill="hold">
                       <p:stCondLst>
                         <p:cond delay="indefinite"/>
                       </p:stCondLst>
                       <p:childTnLst>
                         <p:par>
-                          <p:cTn fill="hold">
+                          <p:cTn id="4" fill="hold">
                             <p:stCondLst>
                               <p:cond delay="0"/>
                             </p:stCondLst>
                             <p:childTnLst>
                               <p:par>
-                                <p:cTn fill="hold" nodeType="clickEffect" presetClass="entr" presetID="1" presetSubtype="0">
+                                <p:cTn id="5" presetID="1" presetClass="entr" presetSubtype="0" fill="hold" nodeType="clickEffect">
                                   <p:stCondLst>
                                     <p:cond delay="0"/>
                                   </p:stCondLst>
                                   <p:childTnLst>
                                     <p:set>
                                       <p:cBhvr>
-                                        <p:cTn dur="1" fill="hold">
+                                        <p:cTn id="6" dur="1" fill="hold">
                                           <p:stCondLst>
                                             <p:cond delay="0"/>
                                           </p:stCondLst>
@@ -11963,7 +12019,7 @@
                                         <p:tgtEl>
                                           <p:spTgt spid="112">
                                             <p:txEl>
-                                              <p:pRg end="0" st="0"/>
+                                              <p:pRg st="0" end="0"/>
                                             </p:txEl>
                                           </p:spTgt>
                                         </p:tgtEl>
@@ -11987,14 +12043,14 @@
                 </p:childTnLst>
               </p:cTn>
               <p:prevCondLst>
-                <p:cond evt="onPrev">
+                <p:cond evt="onPrev" delay="0">
                   <p:tgtEl>
                     <p:sldTgt/>
                   </p:tgtEl>
                 </p:cond>
               </p:prevCondLst>
               <p:nextCondLst>
-                <p:cond evt="onNext">
+                <p:cond evt="onNext" delay="0">
                   <p:tgtEl>
                     <p:sldTgt/>
                   </p:tgtEl>
@@ -12010,7 +12066,7 @@
 </file>
 
 <file path=ppt/theme/theme1.xml><?xml version="1.0" encoding="utf-8"?>
-<a:theme xmlns:a="http://schemas.openxmlformats.org/drawingml/2006/main" xmlns:r="http://schemas.openxmlformats.org/officeDocument/2006/relationships" name="Simple Light">
+<a:theme xmlns:a="http://schemas.openxmlformats.org/drawingml/2006/main" name="Simple Light">
   <a:themeElements>
     <a:clrScheme name="Simple Light">
       <a:dk1>
@@ -12285,11 +12341,13 @@
       </a:bgFillStyleLst>
     </a:fmtScheme>
   </a:themeElements>
+  <a:objectDefaults/>
+  <a:extraClrSchemeLst/>
 </a:theme>
 </file>
 
 <file path=ppt/theme/theme2.xml><?xml version="1.0" encoding="utf-8"?>
-<a:theme xmlns:a="http://schemas.openxmlformats.org/drawingml/2006/main" xmlns:r="http://schemas.openxmlformats.org/officeDocument/2006/relationships">
+<a:theme xmlns:a="http://schemas.openxmlformats.org/drawingml/2006/main">
   <a:themeElements>
     <a:clrScheme name="Default">
       <a:dk1>
@@ -12564,5 +12622,7 @@
       </a:bgFillStyleLst>
     </a:fmtScheme>
   </a:themeElements>
+  <a:objectDefaults/>
+  <a:extraClrSchemeLst/>
 </a:theme>
 </file>